--- a/doc/TrafficFlow1Presentation.pptx
+++ b/doc/TrafficFlow1Presentation.pptx
@@ -6,7 +6,23 @@
   </p:sldMasterIdLst>
   <p:sldIdLst>
     <p:sldId id="256" r:id="rId2"/>
-    <p:sldId id="257" r:id="rId3"/>
+    <p:sldId id="259" r:id="rId3"/>
+    <p:sldId id="258" r:id="rId4"/>
+    <p:sldId id="261" r:id="rId5"/>
+    <p:sldId id="273" r:id="rId6"/>
+    <p:sldId id="260" r:id="rId7"/>
+    <p:sldId id="272" r:id="rId8"/>
+    <p:sldId id="262" r:id="rId9"/>
+    <p:sldId id="264" r:id="rId10"/>
+    <p:sldId id="263" r:id="rId11"/>
+    <p:sldId id="265" r:id="rId12"/>
+    <p:sldId id="266" r:id="rId13"/>
+    <p:sldId id="267" r:id="rId14"/>
+    <p:sldId id="268" r:id="rId15"/>
+    <p:sldId id="269" r:id="rId16"/>
+    <p:sldId id="270" r:id="rId17"/>
+    <p:sldId id="271" r:id="rId18"/>
+    <p:sldId id="257" r:id="rId19"/>
   </p:sldIdLst>
   <p:sldSz cx="12192000" cy="6858000"/>
   <p:notesSz cx="6858000" cy="9144000"/>
@@ -105,6 +121,11 @@
       </a:defRPr>
     </a:lvl9pPr>
   </p:defaultTextStyle>
+  <p:extLst>
+    <p:ext uri="{EFAFB233-063F-42B5-8137-9DF3F51BA10A}">
+      <p15:sldGuideLst xmlns:p15="http://schemas.microsoft.com/office/powerpoint/2012/main"/>
+    </p:ext>
+  </p:extLst>
 </p:presentation>
 </file>
 
@@ -303,7 +324,7 @@
           <a:p>
             <a:fld id="{A980CFCE-CCF4-4BEA-8DA1-0DCFE03AA282}" type="datetimeFigureOut">
               <a:rPr lang="en-US" smtClean="0"/>
-              <a:t>8/3/2017</a:t>
+              <a:t>8/10/2017</a:t>
             </a:fld>
             <a:endParaRPr lang="en-US"/>
           </a:p>
@@ -739,7 +760,7 @@
           <a:p>
             <a:fld id="{A980CFCE-CCF4-4BEA-8DA1-0DCFE03AA282}" type="datetimeFigureOut">
               <a:rPr lang="en-US" smtClean="0"/>
-              <a:t>8/3/2017</a:t>
+              <a:t>8/10/2017</a:t>
             </a:fld>
             <a:endParaRPr lang="en-US"/>
           </a:p>
@@ -989,7 +1010,7 @@
           <a:p>
             <a:fld id="{A980CFCE-CCF4-4BEA-8DA1-0DCFE03AA282}" type="datetimeFigureOut">
               <a:rPr lang="en-US" smtClean="0"/>
-              <a:t>8/3/2017</a:t>
+              <a:t>8/10/2017</a:t>
             </a:fld>
             <a:endParaRPr lang="en-US"/>
           </a:p>
@@ -1297,7 +1318,7 @@
           <a:p>
             <a:fld id="{A980CFCE-CCF4-4BEA-8DA1-0DCFE03AA282}" type="datetimeFigureOut">
               <a:rPr lang="en-US" smtClean="0"/>
-              <a:t>8/3/2017</a:t>
+              <a:t>8/10/2017</a:t>
             </a:fld>
             <a:endParaRPr lang="en-US"/>
           </a:p>
@@ -1615,7 +1636,7 @@
           <a:p>
             <a:fld id="{A980CFCE-CCF4-4BEA-8DA1-0DCFE03AA282}" type="datetimeFigureOut">
               <a:rPr lang="en-US" smtClean="0"/>
-              <a:t>8/3/2017</a:t>
+              <a:t>8/10/2017</a:t>
             </a:fld>
             <a:endParaRPr lang="en-US"/>
           </a:p>
@@ -1917,7 +1938,7 @@
           <a:p>
             <a:fld id="{A980CFCE-CCF4-4BEA-8DA1-0DCFE03AA282}" type="datetimeFigureOut">
               <a:rPr lang="en-US" smtClean="0"/>
-              <a:t>8/3/2017</a:t>
+              <a:t>8/10/2017</a:t>
             </a:fld>
             <a:endParaRPr lang="en-US"/>
           </a:p>
@@ -2284,7 +2305,7 @@
           <a:p>
             <a:fld id="{A980CFCE-CCF4-4BEA-8DA1-0DCFE03AA282}" type="datetimeFigureOut">
               <a:rPr lang="en-US" smtClean="0"/>
-              <a:t>8/3/2017</a:t>
+              <a:t>8/10/2017</a:t>
             </a:fld>
             <a:endParaRPr lang="en-US"/>
           </a:p>
@@ -2458,7 +2479,7 @@
           <a:p>
             <a:fld id="{A980CFCE-CCF4-4BEA-8DA1-0DCFE03AA282}" type="datetimeFigureOut">
               <a:rPr lang="en-US" smtClean="0"/>
-              <a:t>8/3/2017</a:t>
+              <a:t>8/10/2017</a:t>
             </a:fld>
             <a:endParaRPr lang="en-US"/>
           </a:p>
@@ -2638,7 +2659,7 @@
           <a:p>
             <a:fld id="{A980CFCE-CCF4-4BEA-8DA1-0DCFE03AA282}" type="datetimeFigureOut">
               <a:rPr lang="en-US" smtClean="0"/>
-              <a:t>8/3/2017</a:t>
+              <a:t>8/10/2017</a:t>
             </a:fld>
             <a:endParaRPr lang="en-US"/>
           </a:p>
@@ -2808,7 +2829,7 @@
           <a:p>
             <a:fld id="{A980CFCE-CCF4-4BEA-8DA1-0DCFE03AA282}" type="datetimeFigureOut">
               <a:rPr lang="en-US" smtClean="0"/>
-              <a:t>8/3/2017</a:t>
+              <a:t>8/10/2017</a:t>
             </a:fld>
             <a:endParaRPr lang="en-US"/>
           </a:p>
@@ -3058,7 +3079,7 @@
           <a:p>
             <a:fld id="{A980CFCE-CCF4-4BEA-8DA1-0DCFE03AA282}" type="datetimeFigureOut">
               <a:rPr lang="en-US" smtClean="0"/>
-              <a:t>8/3/2017</a:t>
+              <a:t>8/10/2017</a:t>
             </a:fld>
             <a:endParaRPr lang="en-US"/>
           </a:p>
@@ -3294,7 +3315,7 @@
           <a:p>
             <a:fld id="{A980CFCE-CCF4-4BEA-8DA1-0DCFE03AA282}" type="datetimeFigureOut">
               <a:rPr lang="en-US" smtClean="0"/>
-              <a:t>8/3/2017</a:t>
+              <a:t>8/10/2017</a:t>
             </a:fld>
             <a:endParaRPr lang="en-US"/>
           </a:p>
@@ -3676,7 +3697,7 @@
           <a:p>
             <a:fld id="{A980CFCE-CCF4-4BEA-8DA1-0DCFE03AA282}" type="datetimeFigureOut">
               <a:rPr lang="en-US" smtClean="0"/>
-              <a:t>8/3/2017</a:t>
+              <a:t>8/10/2017</a:t>
             </a:fld>
             <a:endParaRPr lang="en-US"/>
           </a:p>
@@ -3794,7 +3815,7 @@
           <a:p>
             <a:fld id="{A980CFCE-CCF4-4BEA-8DA1-0DCFE03AA282}" type="datetimeFigureOut">
               <a:rPr lang="en-US" smtClean="0"/>
-              <a:t>8/3/2017</a:t>
+              <a:t>8/10/2017</a:t>
             </a:fld>
             <a:endParaRPr lang="en-US"/>
           </a:p>
@@ -3889,7 +3910,7 @@
           <a:p>
             <a:fld id="{A980CFCE-CCF4-4BEA-8DA1-0DCFE03AA282}" type="datetimeFigureOut">
               <a:rPr lang="en-US" smtClean="0"/>
-              <a:t>8/3/2017</a:t>
+              <a:t>8/10/2017</a:t>
             </a:fld>
             <a:endParaRPr lang="en-US"/>
           </a:p>
@@ -4144,7 +4165,7 @@
           <a:p>
             <a:fld id="{A980CFCE-CCF4-4BEA-8DA1-0DCFE03AA282}" type="datetimeFigureOut">
               <a:rPr lang="en-US" smtClean="0"/>
-              <a:t>8/3/2017</a:t>
+              <a:t>8/10/2017</a:t>
             </a:fld>
             <a:endParaRPr lang="en-US"/>
           </a:p>
@@ -4427,7 +4448,7 @@
           <a:p>
             <a:fld id="{A980CFCE-CCF4-4BEA-8DA1-0DCFE03AA282}" type="datetimeFigureOut">
               <a:rPr lang="en-US" smtClean="0"/>
-              <a:t>8/3/2017</a:t>
+              <a:t>8/10/2017</a:t>
             </a:fld>
             <a:endParaRPr lang="en-US"/>
           </a:p>
@@ -4833,7 +4854,7 @@
           <a:p>
             <a:fld id="{A980CFCE-CCF4-4BEA-8DA1-0DCFE03AA282}" type="datetimeFigureOut">
               <a:rPr lang="en-US" smtClean="0"/>
-              <a:t>8/3/2017</a:t>
+              <a:t>8/10/2017</a:t>
             </a:fld>
             <a:endParaRPr lang="en-US"/>
           </a:p>
@@ -5455,6 +5476,870 @@
 </p:sld>
 </file>
 
+<file path=ppt/slides/slide10.xml><?xml version="1.0" encoding="utf-8"?>
+<p:sld xmlns:a="http://schemas.openxmlformats.org/drawingml/2006/main" xmlns:r="http://schemas.openxmlformats.org/officeDocument/2006/relationships" xmlns:p="http://schemas.openxmlformats.org/presentationml/2006/main">
+  <p:cSld>
+    <p:spTree>
+      <p:nvGrpSpPr>
+        <p:cNvPr id="1" name=""/>
+        <p:cNvGrpSpPr/>
+        <p:nvPr/>
+      </p:nvGrpSpPr>
+      <p:grpSpPr>
+        <a:xfrm>
+          <a:off x="0" y="0"/>
+          <a:ext cx="0" cy="0"/>
+          <a:chOff x="0" y="0"/>
+          <a:chExt cx="0" cy="0"/>
+        </a:xfrm>
+      </p:grpSpPr>
+      <p:sp>
+        <p:nvSpPr>
+          <p:cNvPr id="4" name="Title 3">
+            <a:extLst>
+              <a:ext uri="{FF2B5EF4-FFF2-40B4-BE49-F238E27FC236}">
+                <a16:creationId xmlns:a16="http://schemas.microsoft.com/office/drawing/2014/main" id="{DC5BD1B1-F5AE-4DF8-9FA4-66D4AD098F49}"/>
+              </a:ext>
+            </a:extLst>
+          </p:cNvPr>
+          <p:cNvSpPr>
+            <a:spLocks noGrp="1"/>
+          </p:cNvSpPr>
+          <p:nvPr>
+            <p:ph type="title"/>
+          </p:nvPr>
+        </p:nvSpPr>
+        <p:spPr/>
+        <p:txBody>
+          <a:bodyPr/>
+          <a:lstStyle/>
+          <a:p>
+            <a:r>
+              <a:rPr lang="en-US" dirty="0"/>
+              <a:t>Acceleration</a:t>
+            </a:r>
+          </a:p>
+        </p:txBody>
+      </p:sp>
+      <p:sp>
+        <p:nvSpPr>
+          <p:cNvPr id="5" name="Content Placeholder 4">
+            <a:extLst>
+              <a:ext uri="{FF2B5EF4-FFF2-40B4-BE49-F238E27FC236}">
+                <a16:creationId xmlns:a16="http://schemas.microsoft.com/office/drawing/2014/main" id="{7C1B9B73-9D81-43F9-A52D-B95C9F125612}"/>
+              </a:ext>
+            </a:extLst>
+          </p:cNvPr>
+          <p:cNvSpPr>
+            <a:spLocks noGrp="1"/>
+          </p:cNvSpPr>
+          <p:nvPr>
+            <p:ph idx="1"/>
+          </p:nvPr>
+        </p:nvSpPr>
+        <p:spPr/>
+        <p:txBody>
+          <a:bodyPr/>
+          <a:lstStyle/>
+          <a:p>
+            <a:endParaRPr lang="en-US"/>
+          </a:p>
+        </p:txBody>
+      </p:sp>
+      <p:sp>
+        <p:nvSpPr>
+          <p:cNvPr id="6" name="Text Placeholder 5">
+            <a:extLst>
+              <a:ext uri="{FF2B5EF4-FFF2-40B4-BE49-F238E27FC236}">
+                <a16:creationId xmlns:a16="http://schemas.microsoft.com/office/drawing/2014/main" id="{A2979AAA-1EF5-413C-A772-48857317481A}"/>
+              </a:ext>
+            </a:extLst>
+          </p:cNvPr>
+          <p:cNvSpPr>
+            <a:spLocks noGrp="1"/>
+          </p:cNvSpPr>
+          <p:nvPr>
+            <p:ph type="body" sz="half" idx="2"/>
+          </p:nvPr>
+        </p:nvSpPr>
+        <p:spPr>
+          <a:xfrm>
+            <a:off x="7085011" y="2209799"/>
+            <a:ext cx="3842633" cy="2091267"/>
+          </a:xfrm>
+        </p:spPr>
+        <p:txBody>
+          <a:bodyPr>
+            <a:normAutofit/>
+          </a:bodyPr>
+          <a:lstStyle/>
+          <a:p>
+            <a:r>
+              <a:rPr lang="en-US" dirty="0"/>
+              <a:t>Vehicles accelerate 30% from a steady state.</a:t>
+            </a:r>
+          </a:p>
+        </p:txBody>
+      </p:sp>
+    </p:spTree>
+    <p:extLst>
+      <p:ext uri="{BB962C8B-B14F-4D97-AF65-F5344CB8AC3E}">
+        <p14:creationId xmlns:p14="http://schemas.microsoft.com/office/powerpoint/2010/main" val="2091567011"/>
+      </p:ext>
+    </p:extLst>
+  </p:cSld>
+  <p:clrMapOvr>
+    <a:masterClrMapping/>
+  </p:clrMapOvr>
+</p:sld>
+</file>
+
+<file path=ppt/slides/slide11.xml><?xml version="1.0" encoding="utf-8"?>
+<p:sld xmlns:a="http://schemas.openxmlformats.org/drawingml/2006/main" xmlns:r="http://schemas.openxmlformats.org/officeDocument/2006/relationships" xmlns:p="http://schemas.openxmlformats.org/presentationml/2006/main">
+  <p:cSld>
+    <p:spTree>
+      <p:nvGrpSpPr>
+        <p:cNvPr id="1" name=""/>
+        <p:cNvGrpSpPr/>
+        <p:nvPr/>
+      </p:nvGrpSpPr>
+      <p:grpSpPr>
+        <a:xfrm>
+          <a:off x="0" y="0"/>
+          <a:ext cx="0" cy="0"/>
+          <a:chOff x="0" y="0"/>
+          <a:chExt cx="0" cy="0"/>
+        </a:xfrm>
+      </p:grpSpPr>
+      <p:sp>
+        <p:nvSpPr>
+          <p:cNvPr id="2" name="Title 1">
+            <a:extLst>
+              <a:ext uri="{FF2B5EF4-FFF2-40B4-BE49-F238E27FC236}">
+                <a16:creationId xmlns:a16="http://schemas.microsoft.com/office/drawing/2014/main" id="{B4BBA801-1063-47CB-908F-0943323AD51A}"/>
+              </a:ext>
+            </a:extLst>
+          </p:cNvPr>
+          <p:cNvSpPr>
+            <a:spLocks noGrp="1"/>
+          </p:cNvSpPr>
+          <p:nvPr>
+            <p:ph type="title"/>
+          </p:nvPr>
+        </p:nvSpPr>
+        <p:spPr/>
+        <p:txBody>
+          <a:bodyPr/>
+          <a:lstStyle/>
+          <a:p>
+            <a:r>
+              <a:rPr lang="en-US" dirty="0"/>
+              <a:t>accelerating from Rest</a:t>
+            </a:r>
+          </a:p>
+        </p:txBody>
+      </p:sp>
+      <p:sp>
+        <p:nvSpPr>
+          <p:cNvPr id="3" name="Content Placeholder 2">
+            <a:extLst>
+              <a:ext uri="{FF2B5EF4-FFF2-40B4-BE49-F238E27FC236}">
+                <a16:creationId xmlns:a16="http://schemas.microsoft.com/office/drawing/2014/main" id="{88E824FC-3CEA-4F0F-86A2-9B17AE9D5266}"/>
+              </a:ext>
+            </a:extLst>
+          </p:cNvPr>
+          <p:cNvSpPr>
+            <a:spLocks noGrp="1"/>
+          </p:cNvSpPr>
+          <p:nvPr>
+            <p:ph idx="1"/>
+          </p:nvPr>
+        </p:nvSpPr>
+        <p:spPr/>
+        <p:txBody>
+          <a:bodyPr/>
+          <a:lstStyle/>
+          <a:p>
+            <a:endParaRPr lang="en-US"/>
+          </a:p>
+        </p:txBody>
+      </p:sp>
+      <p:sp>
+        <p:nvSpPr>
+          <p:cNvPr id="4" name="Text Placeholder 3">
+            <a:extLst>
+              <a:ext uri="{FF2B5EF4-FFF2-40B4-BE49-F238E27FC236}">
+                <a16:creationId xmlns:a16="http://schemas.microsoft.com/office/drawing/2014/main" id="{21508B5B-6690-41A4-8FD8-E2CF732443EA}"/>
+              </a:ext>
+            </a:extLst>
+          </p:cNvPr>
+          <p:cNvSpPr>
+            <a:spLocks noGrp="1"/>
+          </p:cNvSpPr>
+          <p:nvPr>
+            <p:ph type="body" sz="half" idx="2"/>
+          </p:nvPr>
+        </p:nvSpPr>
+        <p:spPr/>
+        <p:txBody>
+          <a:bodyPr/>
+          <a:lstStyle/>
+          <a:p>
+            <a:r>
+              <a:rPr lang="en-US" dirty="0"/>
+              <a:t>Lane of cars accelerate to 42 m/s from rest.</a:t>
+            </a:r>
+          </a:p>
+        </p:txBody>
+      </p:sp>
+    </p:spTree>
+    <p:extLst>
+      <p:ext uri="{BB962C8B-B14F-4D97-AF65-F5344CB8AC3E}">
+        <p14:creationId xmlns:p14="http://schemas.microsoft.com/office/powerpoint/2010/main" val="2941660981"/>
+      </p:ext>
+    </p:extLst>
+  </p:cSld>
+  <p:clrMapOvr>
+    <a:masterClrMapping/>
+  </p:clrMapOvr>
+</p:sld>
+</file>
+
+<file path=ppt/slides/slide12.xml><?xml version="1.0" encoding="utf-8"?>
+<p:sld xmlns:a="http://schemas.openxmlformats.org/drawingml/2006/main" xmlns:r="http://schemas.openxmlformats.org/officeDocument/2006/relationships" xmlns:p="http://schemas.openxmlformats.org/presentationml/2006/main">
+  <p:cSld>
+    <p:spTree>
+      <p:nvGrpSpPr>
+        <p:cNvPr id="1" name=""/>
+        <p:cNvGrpSpPr/>
+        <p:nvPr/>
+      </p:nvGrpSpPr>
+      <p:grpSpPr>
+        <a:xfrm>
+          <a:off x="0" y="0"/>
+          <a:ext cx="0" cy="0"/>
+          <a:chOff x="0" y="0"/>
+          <a:chExt cx="0" cy="0"/>
+        </a:xfrm>
+      </p:grpSpPr>
+      <p:sp>
+        <p:nvSpPr>
+          <p:cNvPr id="2" name="Title 1">
+            <a:extLst>
+              <a:ext uri="{FF2B5EF4-FFF2-40B4-BE49-F238E27FC236}">
+                <a16:creationId xmlns:a16="http://schemas.microsoft.com/office/drawing/2014/main" id="{F54C73EE-DC16-4636-BEC0-5C32259C1EFD}"/>
+              </a:ext>
+            </a:extLst>
+          </p:cNvPr>
+          <p:cNvSpPr>
+            <a:spLocks noGrp="1"/>
+          </p:cNvSpPr>
+          <p:nvPr>
+            <p:ph type="title"/>
+          </p:nvPr>
+        </p:nvSpPr>
+        <p:spPr/>
+        <p:txBody>
+          <a:bodyPr/>
+          <a:lstStyle/>
+          <a:p>
+            <a:r>
+              <a:rPr lang="en-US" dirty="0"/>
+              <a:t>Decelerating to a stop</a:t>
+            </a:r>
+          </a:p>
+        </p:txBody>
+      </p:sp>
+      <p:sp>
+        <p:nvSpPr>
+          <p:cNvPr id="3" name="Content Placeholder 2">
+            <a:extLst>
+              <a:ext uri="{FF2B5EF4-FFF2-40B4-BE49-F238E27FC236}">
+                <a16:creationId xmlns:a16="http://schemas.microsoft.com/office/drawing/2014/main" id="{F1BDDED8-AE58-4121-ABEE-E46740C170D2}"/>
+              </a:ext>
+            </a:extLst>
+          </p:cNvPr>
+          <p:cNvSpPr>
+            <a:spLocks noGrp="1"/>
+          </p:cNvSpPr>
+          <p:nvPr>
+            <p:ph idx="1"/>
+          </p:nvPr>
+        </p:nvSpPr>
+        <p:spPr/>
+        <p:txBody>
+          <a:bodyPr/>
+          <a:lstStyle/>
+          <a:p>
+            <a:endParaRPr lang="en-US"/>
+          </a:p>
+        </p:txBody>
+      </p:sp>
+      <p:sp>
+        <p:nvSpPr>
+          <p:cNvPr id="4" name="Text Placeholder 3">
+            <a:extLst>
+              <a:ext uri="{FF2B5EF4-FFF2-40B4-BE49-F238E27FC236}">
+                <a16:creationId xmlns:a16="http://schemas.microsoft.com/office/drawing/2014/main" id="{025AF43A-E84A-46D4-A255-C84245D142F5}"/>
+              </a:ext>
+            </a:extLst>
+          </p:cNvPr>
+          <p:cNvSpPr>
+            <a:spLocks noGrp="1"/>
+          </p:cNvSpPr>
+          <p:nvPr>
+            <p:ph type="body" sz="half" idx="2"/>
+          </p:nvPr>
+        </p:nvSpPr>
+        <p:spPr/>
+        <p:txBody>
+          <a:bodyPr/>
+          <a:lstStyle/>
+          <a:p>
+            <a:r>
+              <a:rPr lang="en-US" dirty="0"/>
+              <a:t>Line of vehicles decelerates to rest at their maximum braking power. </a:t>
+            </a:r>
+          </a:p>
+        </p:txBody>
+      </p:sp>
+    </p:spTree>
+    <p:extLst>
+      <p:ext uri="{BB962C8B-B14F-4D97-AF65-F5344CB8AC3E}">
+        <p14:creationId xmlns:p14="http://schemas.microsoft.com/office/powerpoint/2010/main" val="3638549261"/>
+      </p:ext>
+    </p:extLst>
+  </p:cSld>
+  <p:clrMapOvr>
+    <a:masterClrMapping/>
+  </p:clrMapOvr>
+</p:sld>
+</file>
+
+<file path=ppt/slides/slide13.xml><?xml version="1.0" encoding="utf-8"?>
+<p:sld xmlns:a="http://schemas.openxmlformats.org/drawingml/2006/main" xmlns:r="http://schemas.openxmlformats.org/officeDocument/2006/relationships" xmlns:p="http://schemas.openxmlformats.org/presentationml/2006/main">
+  <p:cSld>
+    <p:spTree>
+      <p:nvGrpSpPr>
+        <p:cNvPr id="1" name=""/>
+        <p:cNvGrpSpPr/>
+        <p:nvPr/>
+      </p:nvGrpSpPr>
+      <p:grpSpPr>
+        <a:xfrm>
+          <a:off x="0" y="0"/>
+          <a:ext cx="0" cy="0"/>
+          <a:chOff x="0" y="0"/>
+          <a:chExt cx="0" cy="0"/>
+        </a:xfrm>
+      </p:grpSpPr>
+      <p:sp>
+        <p:nvSpPr>
+          <p:cNvPr id="5" name="Title 4">
+            <a:extLst>
+              <a:ext uri="{FF2B5EF4-FFF2-40B4-BE49-F238E27FC236}">
+                <a16:creationId xmlns:a16="http://schemas.microsoft.com/office/drawing/2014/main" id="{BCC30204-F1F9-4A99-B7C0-E1A2DFE995CD}"/>
+              </a:ext>
+            </a:extLst>
+          </p:cNvPr>
+          <p:cNvSpPr>
+            <a:spLocks noGrp="1"/>
+          </p:cNvSpPr>
+          <p:nvPr>
+            <p:ph type="title"/>
+          </p:nvPr>
+        </p:nvSpPr>
+        <p:spPr/>
+        <p:txBody>
+          <a:bodyPr/>
+          <a:lstStyle/>
+          <a:p>
+            <a:r>
+              <a:rPr lang="en-US" dirty="0"/>
+              <a:t>Changing initial position (Broad)</a:t>
+            </a:r>
+          </a:p>
+        </p:txBody>
+      </p:sp>
+      <p:sp>
+        <p:nvSpPr>
+          <p:cNvPr id="6" name="Content Placeholder 5">
+            <a:extLst>
+              <a:ext uri="{FF2B5EF4-FFF2-40B4-BE49-F238E27FC236}">
+                <a16:creationId xmlns:a16="http://schemas.microsoft.com/office/drawing/2014/main" id="{ED14A511-87A0-47B7-A024-F5A3FAE2D6CE}"/>
+              </a:ext>
+            </a:extLst>
+          </p:cNvPr>
+          <p:cNvSpPr>
+            <a:spLocks noGrp="1"/>
+          </p:cNvSpPr>
+          <p:nvPr>
+            <p:ph idx="1"/>
+          </p:nvPr>
+        </p:nvSpPr>
+        <p:spPr/>
+        <p:txBody>
+          <a:bodyPr/>
+          <a:lstStyle/>
+          <a:p>
+            <a:endParaRPr lang="en-US"/>
+          </a:p>
+        </p:txBody>
+      </p:sp>
+    </p:spTree>
+    <p:extLst>
+      <p:ext uri="{BB962C8B-B14F-4D97-AF65-F5344CB8AC3E}">
+        <p14:creationId xmlns:p14="http://schemas.microsoft.com/office/powerpoint/2010/main" val="1533433442"/>
+      </p:ext>
+    </p:extLst>
+  </p:cSld>
+  <p:clrMapOvr>
+    <a:masterClrMapping/>
+  </p:clrMapOvr>
+</p:sld>
+</file>
+
+<file path=ppt/slides/slide14.xml><?xml version="1.0" encoding="utf-8"?>
+<p:sld xmlns:a="http://schemas.openxmlformats.org/drawingml/2006/main" xmlns:r="http://schemas.openxmlformats.org/officeDocument/2006/relationships" xmlns:p="http://schemas.openxmlformats.org/presentationml/2006/main">
+  <p:cSld>
+    <p:spTree>
+      <p:nvGrpSpPr>
+        <p:cNvPr id="1" name=""/>
+        <p:cNvGrpSpPr/>
+        <p:nvPr/>
+      </p:nvGrpSpPr>
+      <p:grpSpPr>
+        <a:xfrm>
+          <a:off x="0" y="0"/>
+          <a:ext cx="0" cy="0"/>
+          <a:chOff x="0" y="0"/>
+          <a:chExt cx="0" cy="0"/>
+        </a:xfrm>
+      </p:grpSpPr>
+      <p:sp>
+        <p:nvSpPr>
+          <p:cNvPr id="2" name="Title 1">
+            <a:extLst>
+              <a:ext uri="{FF2B5EF4-FFF2-40B4-BE49-F238E27FC236}">
+                <a16:creationId xmlns:a16="http://schemas.microsoft.com/office/drawing/2014/main" id="{3219771C-91D4-42DA-9E52-F14FBE2A20F1}"/>
+              </a:ext>
+            </a:extLst>
+          </p:cNvPr>
+          <p:cNvSpPr>
+            <a:spLocks noGrp="1"/>
+          </p:cNvSpPr>
+          <p:nvPr>
+            <p:ph type="title"/>
+          </p:nvPr>
+        </p:nvSpPr>
+        <p:spPr/>
+        <p:txBody>
+          <a:bodyPr/>
+          <a:lstStyle/>
+          <a:p>
+            <a:r>
+              <a:rPr lang="en-US" dirty="0"/>
+              <a:t>Changing initial position </a:t>
+            </a:r>
+            <a:br>
+              <a:rPr lang="en-US" dirty="0"/>
+            </a:br>
+            <a:r>
+              <a:rPr lang="en-US" dirty="0"/>
+              <a:t>(fine)</a:t>
+            </a:r>
+          </a:p>
+        </p:txBody>
+      </p:sp>
+      <p:sp>
+        <p:nvSpPr>
+          <p:cNvPr id="3" name="Content Placeholder 2">
+            <a:extLst>
+              <a:ext uri="{FF2B5EF4-FFF2-40B4-BE49-F238E27FC236}">
+                <a16:creationId xmlns:a16="http://schemas.microsoft.com/office/drawing/2014/main" id="{B454CCFC-5038-472C-A9C4-2DA1304026D6}"/>
+              </a:ext>
+            </a:extLst>
+          </p:cNvPr>
+          <p:cNvSpPr>
+            <a:spLocks noGrp="1"/>
+          </p:cNvSpPr>
+          <p:nvPr>
+            <p:ph idx="1"/>
+          </p:nvPr>
+        </p:nvSpPr>
+        <p:spPr/>
+        <p:txBody>
+          <a:bodyPr/>
+          <a:lstStyle/>
+          <a:p>
+            <a:endParaRPr lang="en-US" dirty="0"/>
+          </a:p>
+        </p:txBody>
+      </p:sp>
+    </p:spTree>
+    <p:extLst>
+      <p:ext uri="{BB962C8B-B14F-4D97-AF65-F5344CB8AC3E}">
+        <p14:creationId xmlns:p14="http://schemas.microsoft.com/office/powerpoint/2010/main" val="3211275904"/>
+      </p:ext>
+    </p:extLst>
+  </p:cSld>
+  <p:clrMapOvr>
+    <a:masterClrMapping/>
+  </p:clrMapOvr>
+</p:sld>
+</file>
+
+<file path=ppt/slides/slide15.xml><?xml version="1.0" encoding="utf-8"?>
+<p:sld xmlns:a="http://schemas.openxmlformats.org/drawingml/2006/main" xmlns:r="http://schemas.openxmlformats.org/officeDocument/2006/relationships" xmlns:p="http://schemas.openxmlformats.org/presentationml/2006/main">
+  <p:cSld>
+    <p:spTree>
+      <p:nvGrpSpPr>
+        <p:cNvPr id="1" name=""/>
+        <p:cNvGrpSpPr/>
+        <p:nvPr/>
+      </p:nvGrpSpPr>
+      <p:grpSpPr>
+        <a:xfrm>
+          <a:off x="0" y="0"/>
+          <a:ext cx="0" cy="0"/>
+          <a:chOff x="0" y="0"/>
+          <a:chExt cx="0" cy="0"/>
+        </a:xfrm>
+      </p:grpSpPr>
+      <p:sp>
+        <p:nvSpPr>
+          <p:cNvPr id="2" name="Title 1">
+            <a:extLst>
+              <a:ext uri="{FF2B5EF4-FFF2-40B4-BE49-F238E27FC236}">
+                <a16:creationId xmlns:a16="http://schemas.microsoft.com/office/drawing/2014/main" id="{A488C123-489C-44A0-885B-ED35D9A0A1B7}"/>
+              </a:ext>
+            </a:extLst>
+          </p:cNvPr>
+          <p:cNvSpPr>
+            <a:spLocks noGrp="1"/>
+          </p:cNvSpPr>
+          <p:nvPr>
+            <p:ph type="title"/>
+          </p:nvPr>
+        </p:nvSpPr>
+        <p:spPr/>
+        <p:txBody>
+          <a:bodyPr/>
+          <a:lstStyle/>
+          <a:p>
+            <a:r>
+              <a:rPr lang="en-US" dirty="0"/>
+              <a:t>Changing lambda</a:t>
+            </a:r>
+          </a:p>
+        </p:txBody>
+      </p:sp>
+      <p:sp>
+        <p:nvSpPr>
+          <p:cNvPr id="3" name="Content Placeholder 2">
+            <a:extLst>
+              <a:ext uri="{FF2B5EF4-FFF2-40B4-BE49-F238E27FC236}">
+                <a16:creationId xmlns:a16="http://schemas.microsoft.com/office/drawing/2014/main" id="{AA80251E-B43B-4981-8EB4-53EB6550B3F3}"/>
+              </a:ext>
+            </a:extLst>
+          </p:cNvPr>
+          <p:cNvSpPr>
+            <a:spLocks noGrp="1"/>
+          </p:cNvSpPr>
+          <p:nvPr>
+            <p:ph idx="1"/>
+          </p:nvPr>
+        </p:nvSpPr>
+        <p:spPr/>
+        <p:txBody>
+          <a:bodyPr/>
+          <a:lstStyle/>
+          <a:p>
+            <a:endParaRPr lang="en-US"/>
+          </a:p>
+        </p:txBody>
+      </p:sp>
+    </p:spTree>
+    <p:extLst>
+      <p:ext uri="{BB962C8B-B14F-4D97-AF65-F5344CB8AC3E}">
+        <p14:creationId xmlns:p14="http://schemas.microsoft.com/office/powerpoint/2010/main" val="2143980199"/>
+      </p:ext>
+    </p:extLst>
+  </p:cSld>
+  <p:clrMapOvr>
+    <a:masterClrMapping/>
+  </p:clrMapOvr>
+</p:sld>
+</file>
+
+<file path=ppt/slides/slide16.xml><?xml version="1.0" encoding="utf-8"?>
+<p:sld xmlns:a="http://schemas.openxmlformats.org/drawingml/2006/main" xmlns:r="http://schemas.openxmlformats.org/officeDocument/2006/relationships" xmlns:p="http://schemas.openxmlformats.org/presentationml/2006/main">
+  <p:cSld>
+    <p:spTree>
+      <p:nvGrpSpPr>
+        <p:cNvPr id="1" name=""/>
+        <p:cNvGrpSpPr/>
+        <p:nvPr/>
+      </p:nvGrpSpPr>
+      <p:grpSpPr>
+        <a:xfrm>
+          <a:off x="0" y="0"/>
+          <a:ext cx="0" cy="0"/>
+          <a:chOff x="0" y="0"/>
+          <a:chExt cx="0" cy="0"/>
+        </a:xfrm>
+      </p:grpSpPr>
+      <p:sp>
+        <p:nvSpPr>
+          <p:cNvPr id="2" name="Title 1">
+            <a:extLst>
+              <a:ext uri="{FF2B5EF4-FFF2-40B4-BE49-F238E27FC236}">
+                <a16:creationId xmlns:a16="http://schemas.microsoft.com/office/drawing/2014/main" id="{828FBE6E-4197-4D36-915F-AA0E9B4B217F}"/>
+              </a:ext>
+            </a:extLst>
+          </p:cNvPr>
+          <p:cNvSpPr>
+            <a:spLocks noGrp="1"/>
+          </p:cNvSpPr>
+          <p:nvPr>
+            <p:ph type="title"/>
+          </p:nvPr>
+        </p:nvSpPr>
+        <p:spPr/>
+        <p:txBody>
+          <a:bodyPr/>
+          <a:lstStyle/>
+          <a:p>
+            <a:r>
+              <a:rPr lang="en-US" dirty="0"/>
+              <a:t>Comparing conventional vs optimized traffic</a:t>
+            </a:r>
+          </a:p>
+        </p:txBody>
+      </p:sp>
+      <p:sp>
+        <p:nvSpPr>
+          <p:cNvPr id="3" name="Content Placeholder 2">
+            <a:extLst>
+              <a:ext uri="{FF2B5EF4-FFF2-40B4-BE49-F238E27FC236}">
+                <a16:creationId xmlns:a16="http://schemas.microsoft.com/office/drawing/2014/main" id="{213830E0-2688-4DB4-BA59-7435E9459254}"/>
+              </a:ext>
+            </a:extLst>
+          </p:cNvPr>
+          <p:cNvSpPr>
+            <a:spLocks noGrp="1"/>
+          </p:cNvSpPr>
+          <p:nvPr>
+            <p:ph idx="1"/>
+          </p:nvPr>
+        </p:nvSpPr>
+        <p:spPr/>
+        <p:txBody>
+          <a:bodyPr/>
+          <a:lstStyle/>
+          <a:p>
+            <a:endParaRPr lang="en-US"/>
+          </a:p>
+        </p:txBody>
+      </p:sp>
+    </p:spTree>
+    <p:extLst>
+      <p:ext uri="{BB962C8B-B14F-4D97-AF65-F5344CB8AC3E}">
+        <p14:creationId xmlns:p14="http://schemas.microsoft.com/office/powerpoint/2010/main" val="714239625"/>
+      </p:ext>
+    </p:extLst>
+  </p:cSld>
+  <p:clrMapOvr>
+    <a:masterClrMapping/>
+  </p:clrMapOvr>
+</p:sld>
+</file>
+
+<file path=ppt/slides/slide17.xml><?xml version="1.0" encoding="utf-8"?>
+<p:sld xmlns:a="http://schemas.openxmlformats.org/drawingml/2006/main" xmlns:r="http://schemas.openxmlformats.org/officeDocument/2006/relationships" xmlns:p="http://schemas.openxmlformats.org/presentationml/2006/main">
+  <p:cSld>
+    <p:spTree>
+      <p:nvGrpSpPr>
+        <p:cNvPr id="1" name=""/>
+        <p:cNvGrpSpPr/>
+        <p:nvPr/>
+      </p:nvGrpSpPr>
+      <p:grpSpPr>
+        <a:xfrm>
+          <a:off x="0" y="0"/>
+          <a:ext cx="0" cy="0"/>
+          <a:chOff x="0" y="0"/>
+          <a:chExt cx="0" cy="0"/>
+        </a:xfrm>
+      </p:grpSpPr>
+      <p:sp>
+        <p:nvSpPr>
+          <p:cNvPr id="2" name="Title 1">
+            <a:extLst>
+              <a:ext uri="{FF2B5EF4-FFF2-40B4-BE49-F238E27FC236}">
+                <a16:creationId xmlns:a16="http://schemas.microsoft.com/office/drawing/2014/main" id="{4C825A7D-9B15-4F95-8A94-3FE6160A83D0}"/>
+              </a:ext>
+            </a:extLst>
+          </p:cNvPr>
+          <p:cNvSpPr>
+            <a:spLocks noGrp="1"/>
+          </p:cNvSpPr>
+          <p:nvPr>
+            <p:ph type="title"/>
+          </p:nvPr>
+        </p:nvSpPr>
+        <p:spPr/>
+        <p:txBody>
+          <a:bodyPr/>
+          <a:lstStyle/>
+          <a:p>
+            <a:r>
+              <a:rPr lang="en-US" dirty="0"/>
+              <a:t>Applications and future goals for program</a:t>
+            </a:r>
+          </a:p>
+        </p:txBody>
+      </p:sp>
+      <p:sp>
+        <p:nvSpPr>
+          <p:cNvPr id="3" name="Content Placeholder 2">
+            <a:extLst>
+              <a:ext uri="{FF2B5EF4-FFF2-40B4-BE49-F238E27FC236}">
+                <a16:creationId xmlns:a16="http://schemas.microsoft.com/office/drawing/2014/main" id="{507BDB00-F0E4-47A4-9D6C-845975C0053E}"/>
+              </a:ext>
+            </a:extLst>
+          </p:cNvPr>
+          <p:cNvSpPr>
+            <a:spLocks noGrp="1"/>
+          </p:cNvSpPr>
+          <p:nvPr>
+            <p:ph idx="1"/>
+          </p:nvPr>
+        </p:nvSpPr>
+        <p:spPr/>
+        <p:txBody>
+          <a:bodyPr/>
+          <a:lstStyle/>
+          <a:p>
+            <a:endParaRPr lang="en-US"/>
+          </a:p>
+        </p:txBody>
+      </p:sp>
+    </p:spTree>
+    <p:extLst>
+      <p:ext uri="{BB962C8B-B14F-4D97-AF65-F5344CB8AC3E}">
+        <p14:creationId xmlns:p14="http://schemas.microsoft.com/office/powerpoint/2010/main" val="93171038"/>
+      </p:ext>
+    </p:extLst>
+  </p:cSld>
+  <p:clrMapOvr>
+    <a:masterClrMapping/>
+  </p:clrMapOvr>
+</p:sld>
+</file>
+
+<file path=ppt/slides/slide18.xml><?xml version="1.0" encoding="utf-8"?>
+<p:sld xmlns:a="http://schemas.openxmlformats.org/drawingml/2006/main" xmlns:r="http://schemas.openxmlformats.org/officeDocument/2006/relationships" xmlns:p="http://schemas.openxmlformats.org/presentationml/2006/main">
+  <p:cSld>
+    <p:spTree>
+      <p:nvGrpSpPr>
+        <p:cNvPr id="1" name=""/>
+        <p:cNvGrpSpPr/>
+        <p:nvPr/>
+      </p:nvGrpSpPr>
+      <p:grpSpPr>
+        <a:xfrm>
+          <a:off x="0" y="0"/>
+          <a:ext cx="0" cy="0"/>
+          <a:chOff x="0" y="0"/>
+          <a:chExt cx="0" cy="0"/>
+        </a:xfrm>
+      </p:grpSpPr>
+      <p:sp>
+        <p:nvSpPr>
+          <p:cNvPr id="2" name="Title 1">
+            <a:extLst>
+              <a:ext uri="{FF2B5EF4-FFF2-40B4-BE49-F238E27FC236}">
+                <a16:creationId xmlns:a16="http://schemas.microsoft.com/office/drawing/2014/main" id="{A24BC822-ACB5-4E4F-8D7D-36C91923BE59}"/>
+              </a:ext>
+            </a:extLst>
+          </p:cNvPr>
+          <p:cNvSpPr>
+            <a:spLocks noGrp="1"/>
+          </p:cNvSpPr>
+          <p:nvPr>
+            <p:ph type="title"/>
+          </p:nvPr>
+        </p:nvSpPr>
+        <p:spPr>
+          <a:xfrm>
+            <a:off x="684212" y="412043"/>
+            <a:ext cx="8534400" cy="1507067"/>
+          </a:xfrm>
+        </p:spPr>
+        <p:txBody>
+          <a:bodyPr/>
+          <a:lstStyle/>
+          <a:p>
+            <a:r>
+              <a:rPr lang="en-US" dirty="0"/>
+              <a:t>Sources</a:t>
+            </a:r>
+          </a:p>
+        </p:txBody>
+      </p:sp>
+      <p:sp>
+        <p:nvSpPr>
+          <p:cNvPr id="3" name="Content Placeholder 2">
+            <a:extLst>
+              <a:ext uri="{FF2B5EF4-FFF2-40B4-BE49-F238E27FC236}">
+                <a16:creationId xmlns:a16="http://schemas.microsoft.com/office/drawing/2014/main" id="{013B9E11-83E9-45A6-A26C-F5F606A6F539}"/>
+              </a:ext>
+            </a:extLst>
+          </p:cNvPr>
+          <p:cNvSpPr>
+            <a:spLocks noGrp="1"/>
+          </p:cNvSpPr>
+          <p:nvPr>
+            <p:ph idx="1"/>
+          </p:nvPr>
+        </p:nvSpPr>
+        <p:spPr>
+          <a:xfrm>
+            <a:off x="684212" y="2379132"/>
+            <a:ext cx="8534400" cy="3615267"/>
+          </a:xfrm>
+        </p:spPr>
+        <p:txBody>
+          <a:bodyPr/>
+          <a:lstStyle/>
+          <a:p>
+            <a:r>
+              <a:rPr lang="en-US" dirty="0">
+                <a:hlinkClick r:id="rId2"/>
+              </a:rPr>
+              <a:t>https://www.michigan.gov/documents/msp/BrakeTesting-MSP_VehicleEval08_Web_221473_7.pdf</a:t>
+            </a:r>
+            <a:endParaRPr lang="en-US" dirty="0"/>
+          </a:p>
+          <a:p>
+            <a:endParaRPr lang="en-US" dirty="0"/>
+          </a:p>
+        </p:txBody>
+      </p:sp>
+    </p:spTree>
+    <p:extLst>
+      <p:ext uri="{BB962C8B-B14F-4D97-AF65-F5344CB8AC3E}">
+        <p14:creationId xmlns:p14="http://schemas.microsoft.com/office/powerpoint/2010/main" val="3282756331"/>
+      </p:ext>
+    </p:extLst>
+  </p:cSld>
+  <p:clrMapOvr>
+    <a:masterClrMapping/>
+  </p:clrMapOvr>
+</p:sld>
+</file>
+
 <file path=ppt/slides/slide2.xml><?xml version="1.0" encoding="utf-8"?>
 <p:sld xmlns:a="http://schemas.openxmlformats.org/drawingml/2006/main" xmlns:r="http://schemas.openxmlformats.org/officeDocument/2006/relationships" xmlns:p="http://schemas.openxmlformats.org/presentationml/2006/main">
   <p:cSld>
@@ -5477,7 +6362,7 @@
           <p:cNvPr id="2" name="Title 1">
             <a:extLst>
               <a:ext uri="{FF2B5EF4-FFF2-40B4-BE49-F238E27FC236}">
-                <a16:creationId xmlns:a16="http://schemas.microsoft.com/office/drawing/2014/main" id="{A24BC822-ACB5-4E4F-8D7D-36C91923BE59}"/>
+                <a16:creationId xmlns:a16="http://schemas.microsoft.com/office/drawing/2014/main" id="{F197F9AE-A0FD-401C-B623-F3277E869609}"/>
               </a:ext>
             </a:extLst>
           </p:cNvPr>
@@ -5495,7 +6380,7 @@
           <a:p>
             <a:r>
               <a:rPr lang="en-US" dirty="0"/>
-              <a:t>Sources</a:t>
+              <a:t>Description</a:t>
             </a:r>
           </a:p>
         </p:txBody>
@@ -5505,7 +6390,7 @@
           <p:cNvPr id="3" name="Content Placeholder 2">
             <a:extLst>
               <a:ext uri="{FF2B5EF4-FFF2-40B4-BE49-F238E27FC236}">
-                <a16:creationId xmlns:a16="http://schemas.microsoft.com/office/drawing/2014/main" id="{013B9E11-83E9-45A6-A26C-F5F606A6F539}"/>
+                <a16:creationId xmlns:a16="http://schemas.microsoft.com/office/drawing/2014/main" id="{8710ABDA-C22E-4385-A6E5-BCA38C42B9A7}"/>
               </a:ext>
             </a:extLst>
           </p:cNvPr>
@@ -5522,22 +6407,665 @@
           <a:lstStyle/>
           <a:p>
             <a:r>
-              <a:rPr lang="en-US" dirty="0">
-                <a:hlinkClick r:id="rId2"/>
-              </a:rPr>
-              <a:t>https://www.michigan.gov/documents/msp/BrakeTesting-MSP_VehicleEval08_Web_221473_7.pdf</a:t>
-            </a:r>
-            <a:endParaRPr lang="en-US" dirty="0"/>
-          </a:p>
-          <a:p>
-            <a:endParaRPr lang="en-US" dirty="0"/>
+              <a:rPr lang="en-US" dirty="0"/>
+              <a:t>Model of Traffic Flow along a single lane.</a:t>
+            </a:r>
+          </a:p>
+          <a:p>
+            <a:r>
+              <a:rPr lang="en-US" dirty="0"/>
+              <a:t>Only the first vehicle varies</a:t>
+            </a:r>
+          </a:p>
+          <a:p>
+            <a:r>
+              <a:rPr lang="en-US" dirty="0"/>
+              <a:t>Following vehicle’s are dependent on the previous vehicles speed and a constant</a:t>
+            </a:r>
+          </a:p>
+          <a:p>
+            <a:r>
+              <a:rPr lang="en-US" dirty="0"/>
+              <a:t>Constant determined by user.</a:t>
+            </a:r>
           </a:p>
         </p:txBody>
       </p:sp>
     </p:spTree>
     <p:extLst>
       <p:ext uri="{BB962C8B-B14F-4D97-AF65-F5344CB8AC3E}">
-        <p14:creationId xmlns:p14="http://schemas.microsoft.com/office/powerpoint/2010/main" val="3282756331"/>
+        <p14:creationId xmlns:p14="http://schemas.microsoft.com/office/powerpoint/2010/main" val="185932680"/>
+      </p:ext>
+    </p:extLst>
+  </p:cSld>
+  <p:clrMapOvr>
+    <a:masterClrMapping/>
+  </p:clrMapOvr>
+</p:sld>
+</file>
+
+<file path=ppt/slides/slide3.xml><?xml version="1.0" encoding="utf-8"?>
+<p:sld xmlns:a="http://schemas.openxmlformats.org/drawingml/2006/main" xmlns:r="http://schemas.openxmlformats.org/officeDocument/2006/relationships" xmlns:p="http://schemas.openxmlformats.org/presentationml/2006/main">
+  <p:cSld>
+    <p:spTree>
+      <p:nvGrpSpPr>
+        <p:cNvPr id="1" name=""/>
+        <p:cNvGrpSpPr/>
+        <p:nvPr/>
+      </p:nvGrpSpPr>
+      <p:grpSpPr>
+        <a:xfrm>
+          <a:off x="0" y="0"/>
+          <a:ext cx="0" cy="0"/>
+          <a:chOff x="0" y="0"/>
+          <a:chExt cx="0" cy="0"/>
+        </a:xfrm>
+      </p:grpSpPr>
+      <p:sp>
+        <p:nvSpPr>
+          <p:cNvPr id="2" name="Title 1">
+            <a:extLst>
+              <a:ext uri="{FF2B5EF4-FFF2-40B4-BE49-F238E27FC236}">
+                <a16:creationId xmlns:a16="http://schemas.microsoft.com/office/drawing/2014/main" id="{AC50319A-E87A-4C7A-BC0B-3620C1971DFD}"/>
+              </a:ext>
+            </a:extLst>
+          </p:cNvPr>
+          <p:cNvSpPr>
+            <a:spLocks noGrp="1"/>
+          </p:cNvSpPr>
+          <p:nvPr>
+            <p:ph type="title"/>
+          </p:nvPr>
+        </p:nvSpPr>
+        <p:spPr/>
+        <p:txBody>
+          <a:bodyPr/>
+          <a:lstStyle/>
+          <a:p>
+            <a:r>
+              <a:rPr lang="en-US" dirty="0"/>
+              <a:t>Mathematics and equations</a:t>
+            </a:r>
+          </a:p>
+        </p:txBody>
+      </p:sp>
+      <p:sp>
+        <p:nvSpPr>
+          <p:cNvPr id="3" name="Content Placeholder 2">
+            <a:extLst>
+              <a:ext uri="{FF2B5EF4-FFF2-40B4-BE49-F238E27FC236}">
+                <a16:creationId xmlns:a16="http://schemas.microsoft.com/office/drawing/2014/main" id="{AD0E0B80-1D6B-45B9-993C-3FBE636BD09A}"/>
+              </a:ext>
+            </a:extLst>
+          </p:cNvPr>
+          <p:cNvSpPr>
+            <a:spLocks noGrp="1"/>
+          </p:cNvSpPr>
+          <p:nvPr>
+            <p:ph idx="1"/>
+          </p:nvPr>
+        </p:nvSpPr>
+        <p:spPr/>
+        <p:txBody>
+          <a:bodyPr/>
+          <a:lstStyle/>
+          <a:p>
+            <a:endParaRPr lang="en-US" dirty="0"/>
+          </a:p>
+        </p:txBody>
+      </p:sp>
+    </p:spTree>
+    <p:extLst>
+      <p:ext uri="{BB962C8B-B14F-4D97-AF65-F5344CB8AC3E}">
+        <p14:creationId xmlns:p14="http://schemas.microsoft.com/office/powerpoint/2010/main" val="2521276922"/>
+      </p:ext>
+    </p:extLst>
+  </p:cSld>
+  <p:clrMapOvr>
+    <a:masterClrMapping/>
+  </p:clrMapOvr>
+</p:sld>
+</file>
+
+<file path=ppt/slides/slide4.xml><?xml version="1.0" encoding="utf-8"?>
+<p:sld xmlns:a="http://schemas.openxmlformats.org/drawingml/2006/main" xmlns:r="http://schemas.openxmlformats.org/officeDocument/2006/relationships" xmlns:p="http://schemas.openxmlformats.org/presentationml/2006/main">
+  <p:cSld>
+    <p:spTree>
+      <p:nvGrpSpPr>
+        <p:cNvPr id="1" name=""/>
+        <p:cNvGrpSpPr/>
+        <p:nvPr/>
+      </p:nvGrpSpPr>
+      <p:grpSpPr>
+        <a:xfrm>
+          <a:off x="0" y="0"/>
+          <a:ext cx="0" cy="0"/>
+          <a:chOff x="0" y="0"/>
+          <a:chExt cx="0" cy="0"/>
+        </a:xfrm>
+      </p:grpSpPr>
+      <p:sp>
+        <p:nvSpPr>
+          <p:cNvPr id="2" name="Title 1">
+            <a:extLst>
+              <a:ext uri="{FF2B5EF4-FFF2-40B4-BE49-F238E27FC236}">
+                <a16:creationId xmlns:a16="http://schemas.microsoft.com/office/drawing/2014/main" id="{5F259330-1E98-49B4-8794-AA202D248DF9}"/>
+              </a:ext>
+            </a:extLst>
+          </p:cNvPr>
+          <p:cNvSpPr>
+            <a:spLocks noGrp="1"/>
+          </p:cNvSpPr>
+          <p:nvPr>
+            <p:ph type="title"/>
+          </p:nvPr>
+        </p:nvSpPr>
+        <p:spPr/>
+        <p:txBody>
+          <a:bodyPr/>
+          <a:lstStyle/>
+          <a:p>
+            <a:r>
+              <a:rPr lang="en-US" dirty="0"/>
+              <a:t>Runge-</a:t>
+            </a:r>
+            <a:r>
+              <a:rPr lang="en-US" dirty="0" err="1"/>
+              <a:t>kutta</a:t>
+            </a:r>
+            <a:r>
+              <a:rPr lang="en-US" dirty="0"/>
+              <a:t> 4</a:t>
+            </a:r>
+            <a:r>
+              <a:rPr lang="en-US" baseline="30000" dirty="0"/>
+              <a:t>th</a:t>
+            </a:r>
+            <a:r>
+              <a:rPr lang="en-US" dirty="0"/>
+              <a:t> Order</a:t>
+            </a:r>
+          </a:p>
+        </p:txBody>
+      </p:sp>
+      <p:sp>
+        <p:nvSpPr>
+          <p:cNvPr id="3" name="Content Placeholder 2">
+            <a:extLst>
+              <a:ext uri="{FF2B5EF4-FFF2-40B4-BE49-F238E27FC236}">
+                <a16:creationId xmlns:a16="http://schemas.microsoft.com/office/drawing/2014/main" id="{65F8BB66-8FDE-4AA5-92F8-BAD0F6E96883}"/>
+              </a:ext>
+            </a:extLst>
+          </p:cNvPr>
+          <p:cNvSpPr>
+            <a:spLocks noGrp="1"/>
+          </p:cNvSpPr>
+          <p:nvPr>
+            <p:ph idx="1"/>
+          </p:nvPr>
+        </p:nvSpPr>
+        <p:spPr/>
+        <p:txBody>
+          <a:bodyPr/>
+          <a:lstStyle/>
+          <a:p>
+            <a:endParaRPr lang="en-US"/>
+          </a:p>
+        </p:txBody>
+      </p:sp>
+    </p:spTree>
+    <p:extLst>
+      <p:ext uri="{BB962C8B-B14F-4D97-AF65-F5344CB8AC3E}">
+        <p14:creationId xmlns:p14="http://schemas.microsoft.com/office/powerpoint/2010/main" val="1824761607"/>
+      </p:ext>
+    </p:extLst>
+  </p:cSld>
+  <p:clrMapOvr>
+    <a:masterClrMapping/>
+  </p:clrMapOvr>
+</p:sld>
+</file>
+
+<file path=ppt/slides/slide5.xml><?xml version="1.0" encoding="utf-8"?>
+<p:sld xmlns:a="http://schemas.openxmlformats.org/drawingml/2006/main" xmlns:r="http://schemas.openxmlformats.org/officeDocument/2006/relationships" xmlns:p="http://schemas.openxmlformats.org/presentationml/2006/main">
+  <p:cSld>
+    <p:spTree>
+      <p:nvGrpSpPr>
+        <p:cNvPr id="1" name=""/>
+        <p:cNvGrpSpPr/>
+        <p:nvPr/>
+      </p:nvGrpSpPr>
+      <p:grpSpPr>
+        <a:xfrm>
+          <a:off x="0" y="0"/>
+          <a:ext cx="0" cy="0"/>
+          <a:chOff x="0" y="0"/>
+          <a:chExt cx="0" cy="0"/>
+        </a:xfrm>
+      </p:grpSpPr>
+      <p:sp>
+        <p:nvSpPr>
+          <p:cNvPr id="2" name="Title 1">
+            <a:extLst>
+              <a:ext uri="{FF2B5EF4-FFF2-40B4-BE49-F238E27FC236}">
+                <a16:creationId xmlns:a16="http://schemas.microsoft.com/office/drawing/2014/main" id="{845F4AEA-9AD5-4987-BC6F-212DE0DBA326}"/>
+              </a:ext>
+            </a:extLst>
+          </p:cNvPr>
+          <p:cNvSpPr>
+            <a:spLocks noGrp="1"/>
+          </p:cNvSpPr>
+          <p:nvPr>
+            <p:ph type="title"/>
+          </p:nvPr>
+        </p:nvSpPr>
+        <p:spPr/>
+        <p:txBody>
+          <a:bodyPr/>
+          <a:lstStyle/>
+          <a:p>
+            <a:r>
+              <a:rPr lang="en-US" dirty="0"/>
+              <a:t>Pseudocode </a:t>
+            </a:r>
+          </a:p>
+        </p:txBody>
+      </p:sp>
+      <p:sp>
+        <p:nvSpPr>
+          <p:cNvPr id="3" name="Content Placeholder 2">
+            <a:extLst>
+              <a:ext uri="{FF2B5EF4-FFF2-40B4-BE49-F238E27FC236}">
+                <a16:creationId xmlns:a16="http://schemas.microsoft.com/office/drawing/2014/main" id="{CD03C8B0-2037-4DC1-8B43-1FEF13EE700D}"/>
+              </a:ext>
+            </a:extLst>
+          </p:cNvPr>
+          <p:cNvSpPr>
+            <a:spLocks noGrp="1"/>
+          </p:cNvSpPr>
+          <p:nvPr>
+            <p:ph idx="1"/>
+          </p:nvPr>
+        </p:nvSpPr>
+        <p:spPr/>
+        <p:txBody>
+          <a:bodyPr/>
+          <a:lstStyle/>
+          <a:p>
+            <a:endParaRPr lang="en-US"/>
+          </a:p>
+        </p:txBody>
+      </p:sp>
+    </p:spTree>
+    <p:extLst>
+      <p:ext uri="{BB962C8B-B14F-4D97-AF65-F5344CB8AC3E}">
+        <p14:creationId xmlns:p14="http://schemas.microsoft.com/office/powerpoint/2010/main" val="1029992604"/>
+      </p:ext>
+    </p:extLst>
+  </p:cSld>
+  <p:clrMapOvr>
+    <a:masterClrMapping/>
+  </p:clrMapOvr>
+</p:sld>
+</file>
+
+<file path=ppt/slides/slide6.xml><?xml version="1.0" encoding="utf-8"?>
+<p:sld xmlns:a="http://schemas.openxmlformats.org/drawingml/2006/main" xmlns:r="http://schemas.openxmlformats.org/officeDocument/2006/relationships" xmlns:p="http://schemas.openxmlformats.org/presentationml/2006/main">
+  <p:cSld>
+    <p:spTree>
+      <p:nvGrpSpPr>
+        <p:cNvPr id="1" name=""/>
+        <p:cNvGrpSpPr/>
+        <p:nvPr/>
+      </p:nvGrpSpPr>
+      <p:grpSpPr>
+        <a:xfrm>
+          <a:off x="0" y="0"/>
+          <a:ext cx="0" cy="0"/>
+          <a:chOff x="0" y="0"/>
+          <a:chExt cx="0" cy="0"/>
+        </a:xfrm>
+      </p:grpSpPr>
+      <p:sp>
+        <p:nvSpPr>
+          <p:cNvPr id="2" name="Title 1">
+            <a:extLst>
+              <a:ext uri="{FF2B5EF4-FFF2-40B4-BE49-F238E27FC236}">
+                <a16:creationId xmlns:a16="http://schemas.microsoft.com/office/drawing/2014/main" id="{1712227C-2354-4896-9956-1B6D871C2E02}"/>
+              </a:ext>
+            </a:extLst>
+          </p:cNvPr>
+          <p:cNvSpPr>
+            <a:spLocks noGrp="1"/>
+          </p:cNvSpPr>
+          <p:nvPr>
+            <p:ph type="title"/>
+          </p:nvPr>
+        </p:nvSpPr>
+        <p:spPr/>
+        <p:txBody>
+          <a:bodyPr/>
+          <a:lstStyle/>
+          <a:p>
+            <a:r>
+              <a:rPr lang="en-US" dirty="0"/>
+              <a:t>Implementation</a:t>
+            </a:r>
+          </a:p>
+        </p:txBody>
+      </p:sp>
+      <p:sp>
+        <p:nvSpPr>
+          <p:cNvPr id="3" name="Content Placeholder 2">
+            <a:extLst>
+              <a:ext uri="{FF2B5EF4-FFF2-40B4-BE49-F238E27FC236}">
+                <a16:creationId xmlns:a16="http://schemas.microsoft.com/office/drawing/2014/main" id="{DE3405EC-FEF5-416E-96D7-2223B3088F55}"/>
+              </a:ext>
+            </a:extLst>
+          </p:cNvPr>
+          <p:cNvSpPr>
+            <a:spLocks noGrp="1"/>
+          </p:cNvSpPr>
+          <p:nvPr>
+            <p:ph idx="1"/>
+          </p:nvPr>
+        </p:nvSpPr>
+        <p:spPr/>
+        <p:txBody>
+          <a:bodyPr/>
+          <a:lstStyle/>
+          <a:p>
+            <a:endParaRPr lang="en-US"/>
+          </a:p>
+        </p:txBody>
+      </p:sp>
+    </p:spTree>
+    <p:extLst>
+      <p:ext uri="{BB962C8B-B14F-4D97-AF65-F5344CB8AC3E}">
+        <p14:creationId xmlns:p14="http://schemas.microsoft.com/office/powerpoint/2010/main" val="1954894357"/>
+      </p:ext>
+    </p:extLst>
+  </p:cSld>
+  <p:clrMapOvr>
+    <a:masterClrMapping/>
+  </p:clrMapOvr>
+</p:sld>
+</file>
+
+<file path=ppt/slides/slide7.xml><?xml version="1.0" encoding="utf-8"?>
+<p:sld xmlns:a="http://schemas.openxmlformats.org/drawingml/2006/main" xmlns:r="http://schemas.openxmlformats.org/officeDocument/2006/relationships" xmlns:p="http://schemas.openxmlformats.org/presentationml/2006/main">
+  <p:cSld>
+    <p:spTree>
+      <p:nvGrpSpPr>
+        <p:cNvPr id="1" name=""/>
+        <p:cNvGrpSpPr/>
+        <p:nvPr/>
+      </p:nvGrpSpPr>
+      <p:grpSpPr>
+        <a:xfrm>
+          <a:off x="0" y="0"/>
+          <a:ext cx="0" cy="0"/>
+          <a:chOff x="0" y="0"/>
+          <a:chExt cx="0" cy="0"/>
+        </a:xfrm>
+      </p:grpSpPr>
+      <p:sp>
+        <p:nvSpPr>
+          <p:cNvPr id="2" name="Title 1">
+            <a:extLst>
+              <a:ext uri="{FF2B5EF4-FFF2-40B4-BE49-F238E27FC236}">
+                <a16:creationId xmlns:a16="http://schemas.microsoft.com/office/drawing/2014/main" id="{FA9F59ED-2DFD-4BB4-AB6E-3FF359554C15}"/>
+              </a:ext>
+            </a:extLst>
+          </p:cNvPr>
+          <p:cNvSpPr>
+            <a:spLocks noGrp="1"/>
+          </p:cNvSpPr>
+          <p:nvPr>
+            <p:ph type="title"/>
+          </p:nvPr>
+        </p:nvSpPr>
+        <p:spPr/>
+        <p:txBody>
+          <a:bodyPr/>
+          <a:lstStyle/>
+          <a:p>
+            <a:r>
+              <a:rPr lang="en-US" dirty="0"/>
+              <a:t>Multi – Create and Run</a:t>
+            </a:r>
+          </a:p>
+        </p:txBody>
+      </p:sp>
+      <p:sp>
+        <p:nvSpPr>
+          <p:cNvPr id="3" name="Content Placeholder 2">
+            <a:extLst>
+              <a:ext uri="{FF2B5EF4-FFF2-40B4-BE49-F238E27FC236}">
+                <a16:creationId xmlns:a16="http://schemas.microsoft.com/office/drawing/2014/main" id="{15409D79-5553-4932-8475-DA725D46D1CE}"/>
+              </a:ext>
+            </a:extLst>
+          </p:cNvPr>
+          <p:cNvSpPr>
+            <a:spLocks noGrp="1"/>
+          </p:cNvSpPr>
+          <p:nvPr>
+            <p:ph idx="1"/>
+          </p:nvPr>
+        </p:nvSpPr>
+        <p:spPr/>
+        <p:txBody>
+          <a:bodyPr/>
+          <a:lstStyle/>
+          <a:p>
+            <a:endParaRPr lang="en-US"/>
+          </a:p>
+        </p:txBody>
+      </p:sp>
+    </p:spTree>
+    <p:extLst>
+      <p:ext uri="{BB962C8B-B14F-4D97-AF65-F5344CB8AC3E}">
+        <p14:creationId xmlns:p14="http://schemas.microsoft.com/office/powerpoint/2010/main" val="1595172196"/>
+      </p:ext>
+    </p:extLst>
+  </p:cSld>
+  <p:clrMapOvr>
+    <a:masterClrMapping/>
+  </p:clrMapOvr>
+</p:sld>
+</file>
+
+<file path=ppt/slides/slide8.xml><?xml version="1.0" encoding="utf-8"?>
+<p:sld xmlns:a="http://schemas.openxmlformats.org/drawingml/2006/main" xmlns:r="http://schemas.openxmlformats.org/officeDocument/2006/relationships" xmlns:p="http://schemas.openxmlformats.org/presentationml/2006/main">
+  <p:cSld>
+    <p:spTree>
+      <p:nvGrpSpPr>
+        <p:cNvPr id="1" name=""/>
+        <p:cNvGrpSpPr/>
+        <p:nvPr/>
+      </p:nvGrpSpPr>
+      <p:grpSpPr>
+        <a:xfrm>
+          <a:off x="0" y="0"/>
+          <a:ext cx="0" cy="0"/>
+          <a:chOff x="0" y="0"/>
+          <a:chExt cx="0" cy="0"/>
+        </a:xfrm>
+      </p:grpSpPr>
+      <p:sp>
+        <p:nvSpPr>
+          <p:cNvPr id="2" name="Title 1">
+            <a:extLst>
+              <a:ext uri="{FF2B5EF4-FFF2-40B4-BE49-F238E27FC236}">
+                <a16:creationId xmlns:a16="http://schemas.microsoft.com/office/drawing/2014/main" id="{6C9ACEF5-5019-489F-91F9-8F2113C072B7}"/>
+              </a:ext>
+            </a:extLst>
+          </p:cNvPr>
+          <p:cNvSpPr>
+            <a:spLocks noGrp="1"/>
+          </p:cNvSpPr>
+          <p:nvPr>
+            <p:ph type="title"/>
+          </p:nvPr>
+        </p:nvSpPr>
+        <p:spPr/>
+        <p:txBody>
+          <a:bodyPr/>
+          <a:lstStyle/>
+          <a:p>
+            <a:r>
+              <a:rPr lang="en-US" dirty="0"/>
+              <a:t>Scenario overviews</a:t>
+            </a:r>
+          </a:p>
+        </p:txBody>
+      </p:sp>
+      <p:sp>
+        <p:nvSpPr>
+          <p:cNvPr id="3" name="Content Placeholder 2">
+            <a:extLst>
+              <a:ext uri="{FF2B5EF4-FFF2-40B4-BE49-F238E27FC236}">
+                <a16:creationId xmlns:a16="http://schemas.microsoft.com/office/drawing/2014/main" id="{A7E9FEBC-73F4-4F74-AE32-6B5676AF2686}"/>
+              </a:ext>
+            </a:extLst>
+          </p:cNvPr>
+          <p:cNvSpPr>
+            <a:spLocks noGrp="1"/>
+          </p:cNvSpPr>
+          <p:nvPr>
+            <p:ph idx="1"/>
+          </p:nvPr>
+        </p:nvSpPr>
+        <p:spPr/>
+        <p:txBody>
+          <a:bodyPr/>
+          <a:lstStyle/>
+          <a:p>
+            <a:endParaRPr lang="en-US"/>
+          </a:p>
+        </p:txBody>
+      </p:sp>
+    </p:spTree>
+    <p:extLst>
+      <p:ext uri="{BB962C8B-B14F-4D97-AF65-F5344CB8AC3E}">
+        <p14:creationId xmlns:p14="http://schemas.microsoft.com/office/powerpoint/2010/main" val="2457639759"/>
+      </p:ext>
+    </p:extLst>
+  </p:cSld>
+  <p:clrMapOvr>
+    <a:masterClrMapping/>
+  </p:clrMapOvr>
+</p:sld>
+</file>
+
+<file path=ppt/slides/slide9.xml><?xml version="1.0" encoding="utf-8"?>
+<p:sld xmlns:a="http://schemas.openxmlformats.org/drawingml/2006/main" xmlns:r="http://schemas.openxmlformats.org/officeDocument/2006/relationships" xmlns:p="http://schemas.openxmlformats.org/presentationml/2006/main">
+  <p:cSld>
+    <p:spTree>
+      <p:nvGrpSpPr>
+        <p:cNvPr id="1" name=""/>
+        <p:cNvGrpSpPr/>
+        <p:nvPr/>
+      </p:nvGrpSpPr>
+      <p:grpSpPr>
+        <a:xfrm>
+          <a:off x="0" y="0"/>
+          <a:ext cx="0" cy="0"/>
+          <a:chOff x="0" y="0"/>
+          <a:chExt cx="0" cy="0"/>
+        </a:xfrm>
+      </p:grpSpPr>
+      <p:sp>
+        <p:nvSpPr>
+          <p:cNvPr id="2" name="Title 1">
+            <a:extLst>
+              <a:ext uri="{FF2B5EF4-FFF2-40B4-BE49-F238E27FC236}">
+                <a16:creationId xmlns:a16="http://schemas.microsoft.com/office/drawing/2014/main" id="{6A0D256F-4708-488A-A266-1E2908ABB986}"/>
+              </a:ext>
+            </a:extLst>
+          </p:cNvPr>
+          <p:cNvSpPr>
+            <a:spLocks noGrp="1"/>
+          </p:cNvSpPr>
+          <p:nvPr>
+            <p:ph type="title"/>
+          </p:nvPr>
+        </p:nvSpPr>
+        <p:spPr/>
+        <p:txBody>
+          <a:bodyPr/>
+          <a:lstStyle/>
+          <a:p>
+            <a:r>
+              <a:rPr lang="en-US" dirty="0"/>
+              <a:t>Steady state</a:t>
+            </a:r>
+          </a:p>
+        </p:txBody>
+      </p:sp>
+      <p:sp>
+        <p:nvSpPr>
+          <p:cNvPr id="4" name="Content Placeholder 3">
+            <a:extLst>
+              <a:ext uri="{FF2B5EF4-FFF2-40B4-BE49-F238E27FC236}">
+                <a16:creationId xmlns:a16="http://schemas.microsoft.com/office/drawing/2014/main" id="{ED2C4A3B-EF80-4B50-A046-DE6A721C38B2}"/>
+              </a:ext>
+            </a:extLst>
+          </p:cNvPr>
+          <p:cNvSpPr>
+            <a:spLocks noGrp="1"/>
+          </p:cNvSpPr>
+          <p:nvPr>
+            <p:ph idx="1"/>
+          </p:nvPr>
+        </p:nvSpPr>
+        <p:spPr/>
+        <p:txBody>
+          <a:bodyPr/>
+          <a:lstStyle/>
+          <a:p>
+            <a:endParaRPr lang="en-US"/>
+          </a:p>
+        </p:txBody>
+      </p:sp>
+      <p:sp>
+        <p:nvSpPr>
+          <p:cNvPr id="3" name="Text Placeholder 2">
+            <a:extLst>
+              <a:ext uri="{FF2B5EF4-FFF2-40B4-BE49-F238E27FC236}">
+                <a16:creationId xmlns:a16="http://schemas.microsoft.com/office/drawing/2014/main" id="{92F91529-CA4F-4CBD-9C32-4A6C7A8CDF0E}"/>
+              </a:ext>
+            </a:extLst>
+          </p:cNvPr>
+          <p:cNvSpPr>
+            <a:spLocks noGrp="1"/>
+          </p:cNvSpPr>
+          <p:nvPr>
+            <p:ph type="body" sz="half" idx="2"/>
+          </p:nvPr>
+        </p:nvSpPr>
+        <p:spPr/>
+        <p:txBody>
+          <a:bodyPr/>
+          <a:lstStyle/>
+          <a:p>
+            <a:r>
+              <a:rPr lang="en-US" dirty="0"/>
+              <a:t>All vehicles remain at initial velocity for the entire interval.</a:t>
+            </a:r>
+          </a:p>
+          <a:p>
+            <a:endParaRPr lang="en-US" dirty="0"/>
+          </a:p>
+          <a:p>
+            <a:endParaRPr lang="en-US" dirty="0"/>
+          </a:p>
+        </p:txBody>
+      </p:sp>
+    </p:spTree>
+    <p:extLst>
+      <p:ext uri="{BB962C8B-B14F-4D97-AF65-F5344CB8AC3E}">
+        <p14:creationId xmlns:p14="http://schemas.microsoft.com/office/powerpoint/2010/main" val="1884900069"/>
       </p:ext>
     </p:extLst>
   </p:cSld>

--- a/doc/TrafficFlow1Presentation.pptx
+++ b/doc/TrafficFlow1Presentation.pptx
@@ -8,20 +8,20 @@
     <p:sldId id="256" r:id="rId2"/>
     <p:sldId id="259" r:id="rId3"/>
     <p:sldId id="258" r:id="rId4"/>
-    <p:sldId id="261" r:id="rId5"/>
-    <p:sldId id="273" r:id="rId6"/>
-    <p:sldId id="260" r:id="rId7"/>
-    <p:sldId id="272" r:id="rId8"/>
-    <p:sldId id="262" r:id="rId9"/>
-    <p:sldId id="264" r:id="rId10"/>
-    <p:sldId id="263" r:id="rId11"/>
-    <p:sldId id="265" r:id="rId12"/>
-    <p:sldId id="266" r:id="rId13"/>
-    <p:sldId id="267" r:id="rId14"/>
-    <p:sldId id="268" r:id="rId15"/>
-    <p:sldId id="269" r:id="rId16"/>
-    <p:sldId id="270" r:id="rId17"/>
-    <p:sldId id="271" r:id="rId18"/>
+    <p:sldId id="273" r:id="rId5"/>
+    <p:sldId id="260" r:id="rId6"/>
+    <p:sldId id="275" r:id="rId7"/>
+    <p:sldId id="262" r:id="rId8"/>
+    <p:sldId id="264" r:id="rId9"/>
+    <p:sldId id="263" r:id="rId10"/>
+    <p:sldId id="265" r:id="rId11"/>
+    <p:sldId id="266" r:id="rId12"/>
+    <p:sldId id="267" r:id="rId13"/>
+    <p:sldId id="268" r:id="rId14"/>
+    <p:sldId id="269" r:id="rId15"/>
+    <p:sldId id="270" r:id="rId16"/>
+    <p:sldId id="271" r:id="rId17"/>
+    <p:sldId id="274" r:id="rId18"/>
     <p:sldId id="257" r:id="rId19"/>
   </p:sldIdLst>
   <p:sldSz cx="12192000" cy="6858000"/>
@@ -5405,7 +5405,12 @@
             <p:ph type="ctrTitle"/>
           </p:nvPr>
         </p:nvSpPr>
-        <p:spPr/>
+        <p:spPr>
+          <a:xfrm>
+            <a:off x="797101" y="493888"/>
+            <a:ext cx="8001000" cy="2971801"/>
+          </a:xfrm>
+        </p:spPr>
         <p:txBody>
           <a:bodyPr/>
           <a:lstStyle/>
@@ -5459,6 +5464,41 @@
             <a:r>
               <a:rPr lang="en-US" dirty="0"/>
               <a:t>August 11, 2017</a:t>
+            </a:r>
+          </a:p>
+        </p:txBody>
+      </p:sp>
+      <p:sp>
+        <p:nvSpPr>
+          <p:cNvPr id="4" name="TextBox 3">
+            <a:extLst>
+              <a:ext uri="{FF2B5EF4-FFF2-40B4-BE49-F238E27FC236}">
+                <a16:creationId xmlns:a16="http://schemas.microsoft.com/office/drawing/2014/main" id="{0789448F-BEB0-44EA-9C23-4F8FCA69E312}"/>
+              </a:ext>
+            </a:extLst>
+          </p:cNvPr>
+          <p:cNvSpPr txBox="1"/>
+          <p:nvPr/>
+        </p:nvSpPr>
+        <p:spPr>
+          <a:xfrm>
+            <a:off x="5362222" y="493888"/>
+            <a:ext cx="1975556" cy="369332"/>
+          </a:xfrm>
+          <a:prstGeom prst="rect">
+            <a:avLst/>
+          </a:prstGeom>
+          <a:noFill/>
+        </p:spPr>
+        <p:txBody>
+          <a:bodyPr wrap="square" rtlCol="0">
+            <a:spAutoFit/>
+          </a:bodyPr>
+          <a:lstStyle/>
+          <a:p>
+            <a:r>
+              <a:rPr lang="en-US" dirty="0"/>
+              <a:t>Racing Theme</a:t>
             </a:r>
           </a:p>
         </p:txBody>
@@ -5495,10 +5535,10 @@
       </p:grpSpPr>
       <p:sp>
         <p:nvSpPr>
-          <p:cNvPr id="4" name="Title 3">
+          <p:cNvPr id="2" name="Title 1">
             <a:extLst>
               <a:ext uri="{FF2B5EF4-FFF2-40B4-BE49-F238E27FC236}">
-                <a16:creationId xmlns:a16="http://schemas.microsoft.com/office/drawing/2014/main" id="{DC5BD1B1-F5AE-4DF8-9FA4-66D4AD098F49}"/>
+                <a16:creationId xmlns:a16="http://schemas.microsoft.com/office/drawing/2014/main" id="{B4BBA801-1063-47CB-908F-0943323AD51A}"/>
               </a:ext>
             </a:extLst>
           </p:cNvPr>
@@ -5516,17 +5556,17 @@
           <a:p>
             <a:r>
               <a:rPr lang="en-US" dirty="0"/>
-              <a:t>Acceleration</a:t>
-            </a:r>
-          </a:p>
-        </p:txBody>
-      </p:sp>
-      <p:sp>
-        <p:nvSpPr>
-          <p:cNvPr id="5" name="Content Placeholder 4">
+              <a:t>accelerating from Rest</a:t>
+            </a:r>
+          </a:p>
+        </p:txBody>
+      </p:sp>
+      <p:sp>
+        <p:nvSpPr>
+          <p:cNvPr id="3" name="Content Placeholder 2">
             <a:extLst>
               <a:ext uri="{FF2B5EF4-FFF2-40B4-BE49-F238E27FC236}">
-                <a16:creationId xmlns:a16="http://schemas.microsoft.com/office/drawing/2014/main" id="{7C1B9B73-9D81-43F9-A52D-B95C9F125612}"/>
+                <a16:creationId xmlns:a16="http://schemas.microsoft.com/office/drawing/2014/main" id="{88E824FC-3CEA-4F0F-86A2-9B17AE9D5266}"/>
               </a:ext>
             </a:extLst>
           </p:cNvPr>
@@ -5542,16 +5582,73 @@
           <a:bodyPr/>
           <a:lstStyle/>
           <a:p>
-            <a:endParaRPr lang="en-US"/>
-          </a:p>
-        </p:txBody>
-      </p:sp>
-      <p:sp>
-        <p:nvSpPr>
-          <p:cNvPr id="6" name="Text Placeholder 5">
+            <a:r>
+              <a:rPr lang="en-US" dirty="0">
+                <a:solidFill>
+                  <a:schemeClr val="tx1">
+                    <a:lumMod val="85000"/>
+                  </a:schemeClr>
+                </a:solidFill>
+              </a:rPr>
+              <a:t>Vid goes here</a:t>
+            </a:r>
+          </a:p>
+          <a:p>
+            <a:r>
+              <a:rPr lang="en-US" dirty="0">
+                <a:solidFill>
+                  <a:schemeClr val="tx1">
+                    <a:lumMod val="85000"/>
+                  </a:schemeClr>
+                </a:solidFill>
+              </a:rPr>
+              <a:t>Drag Race</a:t>
+            </a:r>
+          </a:p>
+          <a:p>
+            <a:r>
+              <a:rPr lang="en-US" dirty="0">
+                <a:solidFill>
+                  <a:schemeClr val="tx1">
+                    <a:lumMod val="85000"/>
+                  </a:schemeClr>
+                </a:solidFill>
+              </a:rPr>
+              <a:t>Truck Drag Race</a:t>
+            </a:r>
+          </a:p>
+          <a:p>
+            <a:r>
+              <a:rPr lang="en-US" dirty="0">
+                <a:solidFill>
+                  <a:schemeClr val="tx1">
+                    <a:lumMod val="85000"/>
+                  </a:schemeClr>
+                </a:solidFill>
+              </a:rPr>
+              <a:t>Drag Race Christmas Tree</a:t>
+            </a:r>
+          </a:p>
+          <a:p>
+            <a:r>
+              <a:rPr lang="en-US" dirty="0">
+                <a:solidFill>
+                  <a:schemeClr val="tx1">
+                    <a:lumMod val="85000"/>
+                  </a:schemeClr>
+                </a:solidFill>
+              </a:rPr>
+              <a:t>Tire Background</a:t>
+            </a:r>
+          </a:p>
+        </p:txBody>
+      </p:sp>
+      <p:sp>
+        <p:nvSpPr>
+          <p:cNvPr id="4" name="Text Placeholder 3">
             <a:extLst>
               <a:ext uri="{FF2B5EF4-FFF2-40B4-BE49-F238E27FC236}">
-                <a16:creationId xmlns:a16="http://schemas.microsoft.com/office/drawing/2014/main" id="{A2979AAA-1EF5-413C-A772-48857317481A}"/>
+                <a16:creationId xmlns:a16="http://schemas.microsoft.com/office/drawing/2014/main" id="{21508B5B-6690-41A4-8FD8-E2CF732443EA}"/>
               </a:ext>
             </a:extLst>
           </p:cNvPr>
@@ -5562,21 +5659,36 @@
             <p:ph type="body" sz="half" idx="2"/>
           </p:nvPr>
         </p:nvSpPr>
-        <p:spPr>
-          <a:xfrm>
-            <a:off x="7085011" y="2209799"/>
-            <a:ext cx="3842633" cy="2091267"/>
-          </a:xfrm>
-        </p:spPr>
-        <p:txBody>
-          <a:bodyPr>
-            <a:normAutofit/>
-          </a:bodyPr>
+        <p:spPr/>
+        <p:txBody>
+          <a:bodyPr/>
           <a:lstStyle/>
           <a:p>
             <a:r>
               <a:rPr lang="en-US" dirty="0"/>
-              <a:t>Vehicles accelerate 30% from a steady state.</a:t>
+              <a:t>Lane of cars accelerate to 42 m/s from rest.</a:t>
+            </a:r>
+          </a:p>
+          <a:p>
+            <a:r>
+              <a:rPr lang="en-US" dirty="0"/>
+              <a:t>Real Life, Happens briefly at lights, Highway On Ramps</a:t>
+            </a:r>
+          </a:p>
+          <a:p>
+            <a:r>
+              <a:rPr lang="en-US" dirty="0"/>
+              <a:t>Program Specs:</a:t>
+            </a:r>
+          </a:p>
+          <a:p>
+            <a:pPr marL="285750" indent="-285750">
+              <a:buFont typeface="Arial" panose="020B0604020202020204" pitchFamily="34" charset="0"/>
+              <a:buChar char="•"/>
+            </a:pPr>
+            <a:r>
+              <a:rPr lang="en-US" dirty="0"/>
+              <a:t>0 -&gt; 42 m/s</a:t>
             </a:r>
           </a:p>
         </p:txBody>
@@ -5584,7 +5696,7 @@
     </p:spTree>
     <p:extLst>
       <p:ext uri="{BB962C8B-B14F-4D97-AF65-F5344CB8AC3E}">
-        <p14:creationId xmlns:p14="http://schemas.microsoft.com/office/powerpoint/2010/main" val="2091567011"/>
+        <p14:creationId xmlns:p14="http://schemas.microsoft.com/office/powerpoint/2010/main" val="2941660981"/>
       </p:ext>
     </p:extLst>
   </p:cSld>
@@ -5616,7 +5728,7 @@
           <p:cNvPr id="2" name="Title 1">
             <a:extLst>
               <a:ext uri="{FF2B5EF4-FFF2-40B4-BE49-F238E27FC236}">
-                <a16:creationId xmlns:a16="http://schemas.microsoft.com/office/drawing/2014/main" id="{B4BBA801-1063-47CB-908F-0943323AD51A}"/>
+                <a16:creationId xmlns:a16="http://schemas.microsoft.com/office/drawing/2014/main" id="{F54C73EE-DC16-4636-BEC0-5C32259C1EFD}"/>
               </a:ext>
             </a:extLst>
           </p:cNvPr>
@@ -5634,7 +5746,7 @@
           <a:p>
             <a:r>
               <a:rPr lang="en-US" dirty="0"/>
-              <a:t>accelerating from Rest</a:t>
+              <a:t>Decelerating to a stop</a:t>
             </a:r>
           </a:p>
         </p:txBody>
@@ -5644,7 +5756,7 @@
           <p:cNvPr id="3" name="Content Placeholder 2">
             <a:extLst>
               <a:ext uri="{FF2B5EF4-FFF2-40B4-BE49-F238E27FC236}">
-                <a16:creationId xmlns:a16="http://schemas.microsoft.com/office/drawing/2014/main" id="{88E824FC-3CEA-4F0F-86A2-9B17AE9D5266}"/>
+                <a16:creationId xmlns:a16="http://schemas.microsoft.com/office/drawing/2014/main" id="{F1BDDED8-AE58-4121-ABEE-E46740C170D2}"/>
               </a:ext>
             </a:extLst>
           </p:cNvPr>
@@ -5660,7 +5772,49 @@
           <a:bodyPr/>
           <a:lstStyle/>
           <a:p>
-            <a:endParaRPr lang="en-US"/>
+            <a:r>
+              <a:rPr lang="en-US" dirty="0">
+                <a:solidFill>
+                  <a:schemeClr val="tx1">
+                    <a:lumMod val="85000"/>
+                  </a:schemeClr>
+                </a:solidFill>
+              </a:rPr>
+              <a:t>Vid goes here</a:t>
+            </a:r>
+          </a:p>
+          <a:p>
+            <a:r>
+              <a:rPr lang="en-US" dirty="0">
+                <a:solidFill>
+                  <a:schemeClr val="tx1">
+                    <a:lumMod val="85000"/>
+                  </a:schemeClr>
+                </a:solidFill>
+              </a:rPr>
+              <a:t>Tire Down Side</a:t>
+            </a:r>
+          </a:p>
+          <a:p>
+            <a:r>
+              <a:rPr lang="en-US" dirty="0">
+                <a:solidFill>
+                  <a:schemeClr val="tx1">
+                    <a:lumMod val="85000"/>
+                  </a:schemeClr>
+                </a:solidFill>
+              </a:rPr>
+              <a:t>Race Car Crash, Red Flag</a:t>
+            </a:r>
+          </a:p>
+          <a:p>
+            <a:endParaRPr lang="en-US" dirty="0">
+              <a:solidFill>
+                <a:schemeClr val="tx1">
+                  <a:lumMod val="85000"/>
+                </a:schemeClr>
+              </a:solidFill>
+            </a:endParaRPr>
           </a:p>
         </p:txBody>
       </p:sp>
@@ -5669,7 +5823,7 @@
           <p:cNvPr id="4" name="Text Placeholder 3">
             <a:extLst>
               <a:ext uri="{FF2B5EF4-FFF2-40B4-BE49-F238E27FC236}">
-                <a16:creationId xmlns:a16="http://schemas.microsoft.com/office/drawing/2014/main" id="{21508B5B-6690-41A4-8FD8-E2CF732443EA}"/>
+                <a16:creationId xmlns:a16="http://schemas.microsoft.com/office/drawing/2014/main" id="{025AF43A-E84A-46D4-A255-C84245D142F5}"/>
               </a:ext>
             </a:extLst>
           </p:cNvPr>
@@ -5682,20 +5836,59 @@
         </p:nvSpPr>
         <p:spPr/>
         <p:txBody>
-          <a:bodyPr/>
+          <a:bodyPr>
+            <a:normAutofit fontScale="92500" lnSpcReduction="20000"/>
+          </a:bodyPr>
           <a:lstStyle/>
           <a:p>
             <a:r>
               <a:rPr lang="en-US" dirty="0"/>
-              <a:t>Lane of cars accelerate to 42 m/s from rest.</a:t>
-            </a:r>
+              <a:t>Line of vehicles decelerates to rest at their maximum braking power. </a:t>
+            </a:r>
+          </a:p>
+          <a:p>
+            <a:r>
+              <a:rPr lang="en-US" dirty="0"/>
+              <a:t>Usually only in Emergency Stopping</a:t>
+            </a:r>
+          </a:p>
+          <a:p>
+            <a:r>
+              <a:rPr lang="en-US" dirty="0"/>
+              <a:t>	Responding to Crashes</a:t>
+            </a:r>
+          </a:p>
+          <a:p>
+            <a:r>
+              <a:rPr lang="en-US" dirty="0"/>
+              <a:t>	Pedestrian or Obstruction</a:t>
+            </a:r>
+          </a:p>
+          <a:p>
+            <a:r>
+              <a:rPr lang="en-US" dirty="0"/>
+              <a:t>Program Specs:</a:t>
+            </a:r>
+          </a:p>
+          <a:p>
+            <a:pPr marL="285750" indent="-285750">
+              <a:buFont typeface="Arial" panose="020B0604020202020204" pitchFamily="34" charset="0"/>
+              <a:buChar char="•"/>
+            </a:pPr>
+            <a:r>
+              <a:rPr lang="en-US" dirty="0"/>
+              <a:t>30 -&gt; 0 m/s</a:t>
+            </a:r>
+          </a:p>
+          <a:p>
+            <a:endParaRPr lang="en-US" dirty="0"/>
           </a:p>
         </p:txBody>
       </p:sp>
     </p:spTree>
     <p:extLst>
       <p:ext uri="{BB962C8B-B14F-4D97-AF65-F5344CB8AC3E}">
-        <p14:creationId xmlns:p14="http://schemas.microsoft.com/office/powerpoint/2010/main" val="2941660981"/>
+        <p14:creationId xmlns:p14="http://schemas.microsoft.com/office/powerpoint/2010/main" val="3638549261"/>
       </p:ext>
     </p:extLst>
   </p:cSld>
@@ -5724,10 +5917,10 @@
       </p:grpSpPr>
       <p:sp>
         <p:nvSpPr>
-          <p:cNvPr id="2" name="Title 1">
+          <p:cNvPr id="5" name="Title 4">
             <a:extLst>
               <a:ext uri="{FF2B5EF4-FFF2-40B4-BE49-F238E27FC236}">
-                <a16:creationId xmlns:a16="http://schemas.microsoft.com/office/drawing/2014/main" id="{F54C73EE-DC16-4636-BEC0-5C32259C1EFD}"/>
+                <a16:creationId xmlns:a16="http://schemas.microsoft.com/office/drawing/2014/main" id="{BCC30204-F1F9-4A99-B7C0-E1A2DFE995CD}"/>
               </a:ext>
             </a:extLst>
           </p:cNvPr>
@@ -5745,17 +5938,17 @@
           <a:p>
             <a:r>
               <a:rPr lang="en-US" dirty="0"/>
-              <a:t>Decelerating to a stop</a:t>
-            </a:r>
-          </a:p>
-        </p:txBody>
-      </p:sp>
-      <p:sp>
-        <p:nvSpPr>
-          <p:cNvPr id="3" name="Content Placeholder 2">
+              <a:t>Changing initial position (Broad)</a:t>
+            </a:r>
+          </a:p>
+        </p:txBody>
+      </p:sp>
+      <p:sp>
+        <p:nvSpPr>
+          <p:cNvPr id="6" name="Content Placeholder 5">
             <a:extLst>
               <a:ext uri="{FF2B5EF4-FFF2-40B4-BE49-F238E27FC236}">
-                <a16:creationId xmlns:a16="http://schemas.microsoft.com/office/drawing/2014/main" id="{F1BDDED8-AE58-4121-ABEE-E46740C170D2}"/>
+                <a16:creationId xmlns:a16="http://schemas.microsoft.com/office/drawing/2014/main" id="{ED14A511-87A0-47B7-A024-F5A3FAE2D6CE}"/>
               </a:ext>
             </a:extLst>
           </p:cNvPr>
@@ -5771,42 +5964,171 @@
           <a:bodyPr/>
           <a:lstStyle/>
           <a:p>
-            <a:endParaRPr lang="en-US"/>
-          </a:p>
-        </p:txBody>
-      </p:sp>
-      <p:sp>
-        <p:nvSpPr>
-          <p:cNvPr id="4" name="Text Placeholder 3">
+            <a:r>
+              <a:rPr lang="en-US" dirty="0">
+                <a:solidFill>
+                  <a:schemeClr val="tx1">
+                    <a:lumMod val="85000"/>
+                  </a:schemeClr>
+                </a:solidFill>
+              </a:rPr>
+              <a:t>Varying the Initial </a:t>
+            </a:r>
+            <a:r>
+              <a:rPr lang="en-US" dirty="0" err="1">
+                <a:solidFill>
+                  <a:schemeClr val="tx1">
+                    <a:lumMod val="85000"/>
+                  </a:schemeClr>
+                </a:solidFill>
+              </a:rPr>
+              <a:t>Seperation</a:t>
+            </a:r>
+            <a:r>
+              <a:rPr lang="en-US" dirty="0">
+                <a:solidFill>
+                  <a:schemeClr val="tx1">
+                    <a:lumMod val="85000"/>
+                  </a:schemeClr>
+                </a:solidFill>
+              </a:rPr>
+              <a:t> Distance</a:t>
+            </a:r>
+          </a:p>
+          <a:p>
+            <a:pPr lvl="1"/>
+            <a:r>
+              <a:rPr lang="en-US" dirty="0">
+                <a:solidFill>
+                  <a:schemeClr val="tx1">
+                    <a:lumMod val="85000"/>
+                  </a:schemeClr>
+                </a:solidFill>
+              </a:rPr>
+              <a:t>Optimize Traffic Loads on Roads</a:t>
+            </a:r>
+          </a:p>
+          <a:p>
+            <a:r>
+              <a:rPr lang="en-US" dirty="0">
+                <a:solidFill>
+                  <a:schemeClr val="tx1">
+                    <a:lumMod val="85000"/>
+                  </a:schemeClr>
+                </a:solidFill>
+              </a:rPr>
+              <a:t>Model Specifications</a:t>
+            </a:r>
+          </a:p>
+          <a:p>
+            <a:pPr lvl="1"/>
+            <a:r>
+              <a:rPr lang="en-US" dirty="0">
+                <a:solidFill>
+                  <a:schemeClr val="tx1">
+                    <a:lumMod val="85000"/>
+                  </a:schemeClr>
+                </a:solidFill>
+              </a:rPr>
+              <a:t>Decelerate to Stop</a:t>
+            </a:r>
+          </a:p>
+          <a:p>
+            <a:pPr lvl="1"/>
+            <a:r>
+              <a:rPr lang="en-US" dirty="0">
+                <a:solidFill>
+                  <a:schemeClr val="tx1">
+                    <a:lumMod val="85000"/>
+                  </a:schemeClr>
+                </a:solidFill>
+              </a:rPr>
+              <a:t>Lambda: 0.9</a:t>
+            </a:r>
+          </a:p>
+          <a:p>
+            <a:pPr lvl="1"/>
+            <a:r>
+              <a:rPr lang="en-US" dirty="0">
+                <a:solidFill>
+                  <a:schemeClr val="tx1">
+                    <a:lumMod val="85000"/>
+                  </a:schemeClr>
+                </a:solidFill>
+              </a:rPr>
+              <a:t>Initial Velocity 30 m/s</a:t>
+            </a:r>
+          </a:p>
+        </p:txBody>
+      </p:sp>
+      <p:sp>
+        <p:nvSpPr>
+          <p:cNvPr id="2" name="TextBox 1">
             <a:extLst>
               <a:ext uri="{FF2B5EF4-FFF2-40B4-BE49-F238E27FC236}">
-                <a16:creationId xmlns:a16="http://schemas.microsoft.com/office/drawing/2014/main" id="{025AF43A-E84A-46D4-A255-C84245D142F5}"/>
+                <a16:creationId xmlns:a16="http://schemas.microsoft.com/office/drawing/2014/main" id="{DEEE3560-71E2-4365-A56C-32F5D2A3E1A7}"/>
               </a:ext>
             </a:extLst>
           </p:cNvPr>
-          <p:cNvSpPr>
-            <a:spLocks noGrp="1"/>
-          </p:cNvSpPr>
-          <p:nvPr>
-            <p:ph type="body" sz="half" idx="2"/>
-          </p:nvPr>
-        </p:nvSpPr>
-        <p:spPr/>
-        <p:txBody>
-          <a:bodyPr/>
+          <p:cNvSpPr txBox="1"/>
+          <p:nvPr/>
+        </p:nvSpPr>
+        <p:spPr>
+          <a:xfrm>
+            <a:off x="9064978" y="406400"/>
+            <a:ext cx="2912533" cy="923330"/>
+          </a:xfrm>
+          <a:prstGeom prst="rect">
+            <a:avLst/>
+          </a:prstGeom>
+          <a:noFill/>
+        </p:spPr>
+        <p:txBody>
+          <a:bodyPr wrap="square" rtlCol="0">
+            <a:spAutoFit/>
+          </a:bodyPr>
           <a:lstStyle/>
           <a:p>
-            <a:r>
-              <a:rPr lang="en-US" dirty="0"/>
-              <a:t>Line of vehicles decelerates to rest at their maximum braking power. </a:t>
-            </a:r>
+            <a:pPr marL="285750" indent="-285750">
+              <a:buFont typeface="Arial" panose="020B0604020202020204" pitchFamily="34" charset="0"/>
+              <a:buChar char="•"/>
+            </a:pPr>
+            <a:r>
+              <a:rPr lang="en-US" dirty="0">
+                <a:solidFill>
+                  <a:schemeClr val="tx1">
+                    <a:lumMod val="85000"/>
+                  </a:schemeClr>
+                </a:solidFill>
+              </a:rPr>
+              <a:t>Vid Goes Here</a:t>
+            </a:r>
+          </a:p>
+          <a:p>
+            <a:pPr marL="285750" indent="-285750">
+              <a:buFont typeface="Arial" panose="020B0604020202020204" pitchFamily="34" charset="0"/>
+              <a:buChar char="•"/>
+            </a:pPr>
+            <a:r>
+              <a:rPr lang="en-US" dirty="0">
+                <a:solidFill>
+                  <a:schemeClr val="tx1">
+                    <a:lumMod val="85000"/>
+                  </a:schemeClr>
+                </a:solidFill>
+              </a:rPr>
+              <a:t>Cars Spread Out</a:t>
+            </a:r>
+          </a:p>
+          <a:p>
+            <a:endParaRPr lang="en-US" dirty="0"/>
           </a:p>
         </p:txBody>
       </p:sp>
     </p:spTree>
     <p:extLst>
       <p:ext uri="{BB962C8B-B14F-4D97-AF65-F5344CB8AC3E}">
-        <p14:creationId xmlns:p14="http://schemas.microsoft.com/office/powerpoint/2010/main" val="3638549261"/>
+        <p14:creationId xmlns:p14="http://schemas.microsoft.com/office/powerpoint/2010/main" val="1533433442"/>
       </p:ext>
     </p:extLst>
   </p:cSld>
@@ -5835,10 +6157,10 @@
       </p:grpSpPr>
       <p:sp>
         <p:nvSpPr>
-          <p:cNvPr id="5" name="Title 4">
+          <p:cNvPr id="2" name="Title 1">
             <a:extLst>
               <a:ext uri="{FF2B5EF4-FFF2-40B4-BE49-F238E27FC236}">
-                <a16:creationId xmlns:a16="http://schemas.microsoft.com/office/drawing/2014/main" id="{BCC30204-F1F9-4A99-B7C0-E1A2DFE995CD}"/>
+                <a16:creationId xmlns:a16="http://schemas.microsoft.com/office/drawing/2014/main" id="{3219771C-91D4-42DA-9E52-F14FBE2A20F1}"/>
               </a:ext>
             </a:extLst>
           </p:cNvPr>
@@ -5856,17 +6178,24 @@
           <a:p>
             <a:r>
               <a:rPr lang="en-US" dirty="0"/>
-              <a:t>Changing initial position (Broad)</a:t>
-            </a:r>
-          </a:p>
-        </p:txBody>
-      </p:sp>
-      <p:sp>
-        <p:nvSpPr>
-          <p:cNvPr id="6" name="Content Placeholder 5">
+              <a:t>Changing initial position </a:t>
+            </a:r>
+            <a:br>
+              <a:rPr lang="en-US" dirty="0"/>
+            </a:br>
+            <a:r>
+              <a:rPr lang="en-US" dirty="0"/>
+              <a:t>(fine)</a:t>
+            </a:r>
+          </a:p>
+        </p:txBody>
+      </p:sp>
+      <p:sp>
+        <p:nvSpPr>
+          <p:cNvPr id="3" name="Content Placeholder 2">
             <a:extLst>
               <a:ext uri="{FF2B5EF4-FFF2-40B4-BE49-F238E27FC236}">
-                <a16:creationId xmlns:a16="http://schemas.microsoft.com/office/drawing/2014/main" id="{ED14A511-87A0-47B7-A024-F5A3FAE2D6CE}"/>
+                <a16:creationId xmlns:a16="http://schemas.microsoft.com/office/drawing/2014/main" id="{B454CCFC-5038-472C-A9C4-2DA1304026D6}"/>
               </a:ext>
             </a:extLst>
           </p:cNvPr>
@@ -5877,19 +6206,250 @@
             <p:ph idx="1"/>
           </p:nvPr>
         </p:nvSpPr>
-        <p:spPr/>
-        <p:txBody>
-          <a:bodyPr/>
+        <p:spPr>
+          <a:xfrm>
+            <a:off x="684212" y="742245"/>
+            <a:ext cx="8534400" cy="3615267"/>
+          </a:xfrm>
+        </p:spPr>
+        <p:txBody>
+          <a:bodyPr>
+            <a:normAutofit lnSpcReduction="10000"/>
+          </a:bodyPr>
           <a:lstStyle/>
           <a:p>
-            <a:endParaRPr lang="en-US"/>
+            <a:r>
+              <a:rPr lang="en-US" dirty="0">
+                <a:solidFill>
+                  <a:schemeClr val="tx1">
+                    <a:lumMod val="85000"/>
+                  </a:schemeClr>
+                </a:solidFill>
+              </a:rPr>
+              <a:t>Model Specifications</a:t>
+            </a:r>
+          </a:p>
+          <a:p>
+            <a:pPr lvl="1"/>
+            <a:r>
+              <a:rPr lang="en-US" dirty="0">
+                <a:solidFill>
+                  <a:schemeClr val="tx1">
+                    <a:lumMod val="85000"/>
+                  </a:schemeClr>
+                </a:solidFill>
+              </a:rPr>
+              <a:t>Decelerate to Stop</a:t>
+            </a:r>
+          </a:p>
+          <a:p>
+            <a:pPr lvl="1"/>
+            <a:r>
+              <a:rPr lang="en-US" dirty="0">
+                <a:solidFill>
+                  <a:schemeClr val="tx1">
+                    <a:lumMod val="85000"/>
+                  </a:schemeClr>
+                </a:solidFill>
+              </a:rPr>
+              <a:t>Lambda: 0.9</a:t>
+            </a:r>
+          </a:p>
+          <a:p>
+            <a:pPr lvl="1"/>
+            <a:r>
+              <a:rPr lang="en-US" dirty="0">
+                <a:solidFill>
+                  <a:schemeClr val="tx1">
+                    <a:lumMod val="85000"/>
+                  </a:schemeClr>
+                </a:solidFill>
+              </a:rPr>
+              <a:t>Initial Velocity 30 m/s</a:t>
+            </a:r>
+          </a:p>
+          <a:p>
+            <a:r>
+              <a:rPr lang="en-US" dirty="0">
+                <a:solidFill>
+                  <a:schemeClr val="tx1">
+                    <a:lumMod val="85000"/>
+                  </a:schemeClr>
+                </a:solidFill>
+              </a:rPr>
+              <a:t>Min Sep </a:t>
+            </a:r>
+            <a:r>
+              <a:rPr lang="en-US" dirty="0" err="1">
+                <a:solidFill>
+                  <a:schemeClr val="tx1">
+                    <a:lumMod val="85000"/>
+                  </a:schemeClr>
+                </a:solidFill>
+              </a:rPr>
+              <a:t>Dist</a:t>
+            </a:r>
+            <a:r>
+              <a:rPr lang="en-US" dirty="0">
+                <a:solidFill>
+                  <a:schemeClr val="tx1">
+                    <a:lumMod val="85000"/>
+                  </a:schemeClr>
+                </a:solidFill>
+              </a:rPr>
+              <a:t>: 38 m</a:t>
+            </a:r>
+          </a:p>
+          <a:p>
+            <a:r>
+              <a:rPr lang="en-US" dirty="0">
+                <a:solidFill>
+                  <a:schemeClr val="tx1">
+                    <a:lumMod val="85000"/>
+                  </a:schemeClr>
+                </a:solidFill>
+              </a:rPr>
+              <a:t>Practical Sep </a:t>
+            </a:r>
+            <a:r>
+              <a:rPr lang="en-US" dirty="0" err="1">
+                <a:solidFill>
+                  <a:schemeClr val="tx1">
+                    <a:lumMod val="85000"/>
+                  </a:schemeClr>
+                </a:solidFill>
+              </a:rPr>
+              <a:t>Dist</a:t>
+            </a:r>
+            <a:r>
+              <a:rPr lang="en-US" dirty="0">
+                <a:solidFill>
+                  <a:schemeClr val="tx1">
+                    <a:lumMod val="85000"/>
+                  </a:schemeClr>
+                </a:solidFill>
+              </a:rPr>
+              <a:t>: 50 m</a:t>
+            </a:r>
+          </a:p>
+          <a:p>
+            <a:r>
+              <a:rPr lang="en-US" dirty="0">
+                <a:solidFill>
+                  <a:schemeClr val="tx1">
+                    <a:lumMod val="85000"/>
+                  </a:schemeClr>
+                </a:solidFill>
+              </a:rPr>
+              <a:t>Limitations</a:t>
+            </a:r>
+          </a:p>
+          <a:p>
+            <a:pPr lvl="1"/>
+            <a:r>
+              <a:rPr lang="en-US" dirty="0">
+                <a:solidFill>
+                  <a:schemeClr val="tx1">
+                    <a:lumMod val="85000"/>
+                  </a:schemeClr>
+                </a:solidFill>
+              </a:rPr>
+              <a:t>Reaction Time</a:t>
+            </a:r>
+          </a:p>
+          <a:p>
+            <a:pPr lvl="1"/>
+            <a:r>
+              <a:rPr lang="en-US" dirty="0">
+                <a:solidFill>
+                  <a:schemeClr val="tx1">
+                    <a:lumMod val="85000"/>
+                  </a:schemeClr>
+                </a:solidFill>
+              </a:rPr>
+              <a:t>Mechanical Delay</a:t>
+            </a:r>
+          </a:p>
+          <a:p>
+            <a:pPr lvl="1"/>
+            <a:endParaRPr lang="en-US" dirty="0">
+              <a:solidFill>
+                <a:schemeClr val="tx1">
+                  <a:lumMod val="85000"/>
+                </a:schemeClr>
+              </a:solidFill>
+            </a:endParaRPr>
+          </a:p>
+        </p:txBody>
+      </p:sp>
+      <p:sp>
+        <p:nvSpPr>
+          <p:cNvPr id="4" name="TextBox 3">
+            <a:extLst>
+              <a:ext uri="{FF2B5EF4-FFF2-40B4-BE49-F238E27FC236}">
+                <a16:creationId xmlns:a16="http://schemas.microsoft.com/office/drawing/2014/main" id="{0B47CC74-DB31-4BB9-86E9-93039B8B3FDA}"/>
+              </a:ext>
+            </a:extLst>
+          </p:cNvPr>
+          <p:cNvSpPr txBox="1"/>
+          <p:nvPr/>
+        </p:nvSpPr>
+        <p:spPr>
+          <a:xfrm>
+            <a:off x="9369778" y="214489"/>
+            <a:ext cx="3014133" cy="1200329"/>
+          </a:xfrm>
+          <a:prstGeom prst="rect">
+            <a:avLst/>
+          </a:prstGeom>
+          <a:noFill/>
+        </p:spPr>
+        <p:txBody>
+          <a:bodyPr wrap="square" rtlCol="0">
+            <a:spAutoFit/>
+          </a:bodyPr>
+          <a:lstStyle/>
+          <a:p>
+            <a:pPr marL="285750" indent="-285750">
+              <a:buFont typeface="Arial" panose="020B0604020202020204" pitchFamily="34" charset="0"/>
+              <a:buChar char="•"/>
+            </a:pPr>
+            <a:r>
+              <a:rPr lang="en-US" dirty="0">
+                <a:solidFill>
+                  <a:schemeClr val="tx1">
+                    <a:lumMod val="85000"/>
+                  </a:schemeClr>
+                </a:solidFill>
+              </a:rPr>
+              <a:t>Vid Goes Here</a:t>
+            </a:r>
+          </a:p>
+          <a:p>
+            <a:pPr marL="285750" indent="-285750">
+              <a:buFont typeface="Arial" panose="020B0604020202020204" pitchFamily="34" charset="0"/>
+              <a:buChar char="•"/>
+            </a:pPr>
+            <a:r>
+              <a:rPr lang="en-US" dirty="0">
+                <a:solidFill>
+                  <a:schemeClr val="tx1">
+                    <a:lumMod val="85000"/>
+                  </a:schemeClr>
+                </a:solidFill>
+              </a:rPr>
+              <a:t>Cars Bumper to Bumper </a:t>
+            </a:r>
+          </a:p>
+          <a:p>
+            <a:endParaRPr lang="en-US" dirty="0"/>
           </a:p>
         </p:txBody>
       </p:sp>
     </p:spTree>
     <p:extLst>
       <p:ext uri="{BB962C8B-B14F-4D97-AF65-F5344CB8AC3E}">
-        <p14:creationId xmlns:p14="http://schemas.microsoft.com/office/powerpoint/2010/main" val="1533433442"/>
+        <p14:creationId xmlns:p14="http://schemas.microsoft.com/office/powerpoint/2010/main" val="3211275904"/>
       </p:ext>
     </p:extLst>
   </p:cSld>
@@ -5921,7 +6481,7 @@
           <p:cNvPr id="2" name="Title 1">
             <a:extLst>
               <a:ext uri="{FF2B5EF4-FFF2-40B4-BE49-F238E27FC236}">
-                <a16:creationId xmlns:a16="http://schemas.microsoft.com/office/drawing/2014/main" id="{3219771C-91D4-42DA-9E52-F14FBE2A20F1}"/>
+                <a16:creationId xmlns:a16="http://schemas.microsoft.com/office/drawing/2014/main" id="{A488C123-489C-44A0-885B-ED35D9A0A1B7}"/>
               </a:ext>
             </a:extLst>
           </p:cNvPr>
@@ -5939,14 +6499,7 @@
           <a:p>
             <a:r>
               <a:rPr lang="en-US" dirty="0"/>
-              <a:t>Changing initial position </a:t>
-            </a:r>
-            <a:br>
-              <a:rPr lang="en-US" dirty="0"/>
-            </a:br>
-            <a:r>
-              <a:rPr lang="en-US" dirty="0"/>
-              <a:t>(fine)</a:t>
+              <a:t>Changing lambda</a:t>
             </a:r>
           </a:p>
         </p:txBody>
@@ -5956,7 +6509,7 @@
           <p:cNvPr id="3" name="Content Placeholder 2">
             <a:extLst>
               <a:ext uri="{FF2B5EF4-FFF2-40B4-BE49-F238E27FC236}">
-                <a16:creationId xmlns:a16="http://schemas.microsoft.com/office/drawing/2014/main" id="{B454CCFC-5038-472C-A9C4-2DA1304026D6}"/>
+                <a16:creationId xmlns:a16="http://schemas.microsoft.com/office/drawing/2014/main" id="{AA80251E-B43B-4981-8EB4-53EB6550B3F3}"/>
               </a:ext>
             </a:extLst>
           </p:cNvPr>
@@ -5972,6 +6525,162 @@
           <a:bodyPr/>
           <a:lstStyle/>
           <a:p>
+            <a:r>
+              <a:rPr lang="en-US" dirty="0">
+                <a:solidFill>
+                  <a:schemeClr val="tx1">
+                    <a:lumMod val="85000"/>
+                  </a:schemeClr>
+                </a:solidFill>
+              </a:rPr>
+              <a:t>Increase Lambda</a:t>
+            </a:r>
+          </a:p>
+          <a:p>
+            <a:pPr lvl="1"/>
+            <a:r>
+              <a:rPr lang="en-US" dirty="0">
+                <a:solidFill>
+                  <a:schemeClr val="tx1">
+                    <a:lumMod val="85000"/>
+                  </a:schemeClr>
+                </a:solidFill>
+              </a:rPr>
+              <a:t>Quicker Reactions</a:t>
+            </a:r>
+          </a:p>
+          <a:p>
+            <a:pPr lvl="1"/>
+            <a:r>
+              <a:rPr lang="en-US" dirty="0">
+                <a:solidFill>
+                  <a:schemeClr val="tx1">
+                    <a:lumMod val="85000"/>
+                  </a:schemeClr>
+                </a:solidFill>
+              </a:rPr>
+              <a:t>Maintained Separation (Equation)</a:t>
+            </a:r>
+          </a:p>
+          <a:p>
+            <a:r>
+              <a:rPr lang="en-US" dirty="0">
+                <a:solidFill>
+                  <a:schemeClr val="tx1">
+                    <a:lumMod val="85000"/>
+                  </a:schemeClr>
+                </a:solidFill>
+              </a:rPr>
+              <a:t>Limitations</a:t>
+            </a:r>
+          </a:p>
+          <a:p>
+            <a:pPr lvl="1"/>
+            <a:r>
+              <a:rPr lang="en-US" dirty="0">
+                <a:solidFill>
+                  <a:schemeClr val="tx1">
+                    <a:lumMod val="85000"/>
+                  </a:schemeClr>
+                </a:solidFill>
+              </a:rPr>
+              <a:t>Maintained Separation</a:t>
+            </a:r>
+          </a:p>
+        </p:txBody>
+      </p:sp>
+      <p:sp>
+        <p:nvSpPr>
+          <p:cNvPr id="4" name="TextBox 3">
+            <a:extLst>
+              <a:ext uri="{FF2B5EF4-FFF2-40B4-BE49-F238E27FC236}">
+                <a16:creationId xmlns:a16="http://schemas.microsoft.com/office/drawing/2014/main" id="{9A64C658-D9CE-42B0-AA5C-9B5DF7E04BE8}"/>
+              </a:ext>
+            </a:extLst>
+          </p:cNvPr>
+          <p:cNvSpPr txBox="1"/>
+          <p:nvPr/>
+        </p:nvSpPr>
+        <p:spPr>
+          <a:xfrm>
+            <a:off x="9561689" y="598311"/>
+            <a:ext cx="2235200" cy="2308324"/>
+          </a:xfrm>
+          <a:prstGeom prst="rect">
+            <a:avLst/>
+          </a:prstGeom>
+          <a:noFill/>
+        </p:spPr>
+        <p:txBody>
+          <a:bodyPr wrap="square" rtlCol="0">
+            <a:spAutoFit/>
+          </a:bodyPr>
+          <a:lstStyle/>
+          <a:p>
+            <a:pPr marL="285750" indent="-285750">
+              <a:buFont typeface="Arial" panose="020B0604020202020204" pitchFamily="34" charset="0"/>
+              <a:buChar char="•"/>
+            </a:pPr>
+            <a:r>
+              <a:rPr lang="en-US" dirty="0">
+                <a:solidFill>
+                  <a:schemeClr val="tx1">
+                    <a:lumMod val="85000"/>
+                  </a:schemeClr>
+                </a:solidFill>
+              </a:rPr>
+              <a:t>Vid Goes Here</a:t>
+            </a:r>
+          </a:p>
+          <a:p>
+            <a:pPr marL="285750" indent="-285750">
+              <a:buFont typeface="Arial" panose="020B0604020202020204" pitchFamily="34" charset="0"/>
+              <a:buChar char="•"/>
+            </a:pPr>
+            <a:r>
+              <a:rPr lang="en-US" dirty="0">
+                <a:solidFill>
+                  <a:schemeClr val="tx1">
+                    <a:lumMod val="85000"/>
+                  </a:schemeClr>
+                </a:solidFill>
+              </a:rPr>
+              <a:t>Show Different Worn Tires</a:t>
+            </a:r>
+          </a:p>
+          <a:p>
+            <a:pPr marL="285750" indent="-285750">
+              <a:buFont typeface="Arial" panose="020B0604020202020204" pitchFamily="34" charset="0"/>
+              <a:buChar char="•"/>
+            </a:pPr>
+            <a:r>
+              <a:rPr lang="en-US" dirty="0">
+                <a:solidFill>
+                  <a:schemeClr val="tx1">
+                    <a:lumMod val="85000"/>
+                  </a:schemeClr>
+                </a:solidFill>
+              </a:rPr>
+              <a:t>Show Worn Brake Pads</a:t>
+            </a:r>
+          </a:p>
+          <a:p>
+            <a:pPr marL="285750" indent="-285750">
+              <a:buFont typeface="Arial" panose="020B0604020202020204" pitchFamily="34" charset="0"/>
+              <a:buChar char="•"/>
+            </a:pPr>
+            <a:r>
+              <a:rPr lang="en-US" dirty="0">
+                <a:solidFill>
+                  <a:schemeClr val="tx1">
+                    <a:lumMod val="85000"/>
+                  </a:schemeClr>
+                </a:solidFill>
+              </a:rPr>
+              <a:t>Show Old Car, New Car?</a:t>
+            </a:r>
+          </a:p>
+          <a:p>
             <a:endParaRPr lang="en-US" dirty="0"/>
           </a:p>
         </p:txBody>
@@ -5979,7 +6688,7 @@
     </p:spTree>
     <p:extLst>
       <p:ext uri="{BB962C8B-B14F-4D97-AF65-F5344CB8AC3E}">
-        <p14:creationId xmlns:p14="http://schemas.microsoft.com/office/powerpoint/2010/main" val="3211275904"/>
+        <p14:creationId xmlns:p14="http://schemas.microsoft.com/office/powerpoint/2010/main" val="2143980199"/>
       </p:ext>
     </p:extLst>
   </p:cSld>
@@ -6011,7 +6720,7 @@
           <p:cNvPr id="2" name="Title 1">
             <a:extLst>
               <a:ext uri="{FF2B5EF4-FFF2-40B4-BE49-F238E27FC236}">
-                <a16:creationId xmlns:a16="http://schemas.microsoft.com/office/drawing/2014/main" id="{A488C123-489C-44A0-885B-ED35D9A0A1B7}"/>
+                <a16:creationId xmlns:a16="http://schemas.microsoft.com/office/drawing/2014/main" id="{828FBE6E-4197-4D36-915F-AA0E9B4B217F}"/>
               </a:ext>
             </a:extLst>
           </p:cNvPr>
@@ -6029,7 +6738,7 @@
           <a:p>
             <a:r>
               <a:rPr lang="en-US" dirty="0"/>
-              <a:t>Changing lambda</a:t>
+              <a:t>Comparing conventional vs optimized traffic</a:t>
             </a:r>
           </a:p>
         </p:txBody>
@@ -6039,7 +6748,7 @@
           <p:cNvPr id="3" name="Content Placeholder 2">
             <a:extLst>
               <a:ext uri="{FF2B5EF4-FFF2-40B4-BE49-F238E27FC236}">
-                <a16:creationId xmlns:a16="http://schemas.microsoft.com/office/drawing/2014/main" id="{AA80251E-B43B-4981-8EB4-53EB6550B3F3}"/>
+                <a16:creationId xmlns:a16="http://schemas.microsoft.com/office/drawing/2014/main" id="{213830E0-2688-4DB4-BA59-7435E9459254}"/>
               </a:ext>
             </a:extLst>
           </p:cNvPr>
@@ -6055,14 +6764,103 @@
           <a:bodyPr/>
           <a:lstStyle/>
           <a:p>
-            <a:endParaRPr lang="en-US"/>
+            <a:r>
+              <a:rPr lang="en-US" dirty="0">
+                <a:solidFill>
+                  <a:schemeClr val="tx1">
+                    <a:lumMod val="85000"/>
+                  </a:schemeClr>
+                </a:solidFill>
+              </a:rPr>
+              <a:t>Optimization Increases Traffic Loads on Roads.</a:t>
+            </a:r>
+          </a:p>
+        </p:txBody>
+      </p:sp>
+      <p:sp>
+        <p:nvSpPr>
+          <p:cNvPr id="4" name="TextBox 3">
+            <a:extLst>
+              <a:ext uri="{FF2B5EF4-FFF2-40B4-BE49-F238E27FC236}">
+                <a16:creationId xmlns:a16="http://schemas.microsoft.com/office/drawing/2014/main" id="{B200AA58-3855-484D-A3EB-6E9561EC0E87}"/>
+              </a:ext>
+            </a:extLst>
+          </p:cNvPr>
+          <p:cNvSpPr txBox="1"/>
+          <p:nvPr/>
+        </p:nvSpPr>
+        <p:spPr>
+          <a:xfrm>
+            <a:off x="9218612" y="428978"/>
+            <a:ext cx="2973388" cy="2308324"/>
+          </a:xfrm>
+          <a:prstGeom prst="rect">
+            <a:avLst/>
+          </a:prstGeom>
+          <a:noFill/>
+        </p:spPr>
+        <p:txBody>
+          <a:bodyPr wrap="square" rtlCol="0">
+            <a:spAutoFit/>
+          </a:bodyPr>
+          <a:lstStyle/>
+          <a:p>
+            <a:pPr marL="285750" indent="-285750">
+              <a:buFont typeface="Arial" panose="020B0604020202020204" pitchFamily="34" charset="0"/>
+              <a:buChar char="•"/>
+            </a:pPr>
+            <a:r>
+              <a:rPr lang="en-US" dirty="0">
+                <a:solidFill>
+                  <a:schemeClr val="tx1">
+                    <a:lumMod val="85000"/>
+                  </a:schemeClr>
+                </a:solidFill>
+              </a:rPr>
+              <a:t>Vids Go Here (Formatting so 1 at a Time</a:t>
+            </a:r>
+          </a:p>
+          <a:p>
+            <a:pPr marL="285750" indent="-285750">
+              <a:buFont typeface="Arial" panose="020B0604020202020204" pitchFamily="34" charset="0"/>
+              <a:buChar char="•"/>
+            </a:pPr>
+            <a:r>
+              <a:rPr lang="en-US" dirty="0">
+                <a:solidFill>
+                  <a:schemeClr val="tx1">
+                    <a:lumMod val="85000"/>
+                  </a:schemeClr>
+                </a:solidFill>
+              </a:rPr>
+              <a:t>Fine Tuning Spec for Race Car in Background?</a:t>
+            </a:r>
+          </a:p>
+          <a:p>
+            <a:pPr marL="285750" indent="-285750">
+              <a:buFont typeface="Arial" panose="020B0604020202020204" pitchFamily="34" charset="0"/>
+              <a:buChar char="•"/>
+            </a:pPr>
+            <a:r>
+              <a:rPr lang="en-US" dirty="0">
+                <a:solidFill>
+                  <a:schemeClr val="tx1">
+                    <a:lumMod val="85000"/>
+                  </a:schemeClr>
+                </a:solidFill>
+              </a:rPr>
+              <a:t>Measurement Tools</a:t>
+            </a:r>
+          </a:p>
+          <a:p>
+            <a:endParaRPr lang="en-US" dirty="0"/>
           </a:p>
         </p:txBody>
       </p:sp>
     </p:spTree>
     <p:extLst>
       <p:ext uri="{BB962C8B-B14F-4D97-AF65-F5344CB8AC3E}">
-        <p14:creationId xmlns:p14="http://schemas.microsoft.com/office/powerpoint/2010/main" val="2143980199"/>
+        <p14:creationId xmlns:p14="http://schemas.microsoft.com/office/powerpoint/2010/main" val="714239625"/>
       </p:ext>
     </p:extLst>
   </p:cSld>
@@ -6094,7 +6892,7 @@
           <p:cNvPr id="2" name="Title 1">
             <a:extLst>
               <a:ext uri="{FF2B5EF4-FFF2-40B4-BE49-F238E27FC236}">
-                <a16:creationId xmlns:a16="http://schemas.microsoft.com/office/drawing/2014/main" id="{828FBE6E-4197-4D36-915F-AA0E9B4B217F}"/>
+                <a16:creationId xmlns:a16="http://schemas.microsoft.com/office/drawing/2014/main" id="{4C825A7D-9B15-4F95-8A94-3FE6160A83D0}"/>
               </a:ext>
             </a:extLst>
           </p:cNvPr>
@@ -6112,7 +6910,7 @@
           <a:p>
             <a:r>
               <a:rPr lang="en-US" dirty="0"/>
-              <a:t>Comparing conventional vs optimized traffic</a:t>
+              <a:t>Applications Of Model</a:t>
             </a:r>
           </a:p>
         </p:txBody>
@@ -6122,7 +6920,7 @@
           <p:cNvPr id="3" name="Content Placeholder 2">
             <a:extLst>
               <a:ext uri="{FF2B5EF4-FFF2-40B4-BE49-F238E27FC236}">
-                <a16:creationId xmlns:a16="http://schemas.microsoft.com/office/drawing/2014/main" id="{213830E0-2688-4DB4-BA59-7435E9459254}"/>
+                <a16:creationId xmlns:a16="http://schemas.microsoft.com/office/drawing/2014/main" id="{507BDB00-F0E4-47A4-9D6C-845975C0053E}"/>
               </a:ext>
             </a:extLst>
           </p:cNvPr>
@@ -6138,14 +6936,85 @@
           <a:bodyPr/>
           <a:lstStyle/>
           <a:p>
-            <a:endParaRPr lang="en-US"/>
+            <a:r>
+              <a:rPr lang="en-US" dirty="0">
+                <a:solidFill>
+                  <a:schemeClr val="tx1">
+                    <a:lumMod val="85000"/>
+                  </a:schemeClr>
+                </a:solidFill>
+              </a:rPr>
+              <a:t>Humans too irregular</a:t>
+            </a:r>
+          </a:p>
+          <a:p>
+            <a:r>
+              <a:rPr lang="en-US" dirty="0">
+                <a:solidFill>
+                  <a:schemeClr val="tx1">
+                    <a:lumMod val="85000"/>
+                  </a:schemeClr>
+                </a:solidFill>
+              </a:rPr>
+              <a:t>Automated Traffic is much more </a:t>
+            </a:r>
+          </a:p>
+          <a:p>
+            <a:pPr lvl="1"/>
+            <a:r>
+              <a:rPr lang="en-US" dirty="0">
+                <a:solidFill>
+                  <a:schemeClr val="tx1">
+                    <a:lumMod val="85000"/>
+                  </a:schemeClr>
+                </a:solidFill>
+              </a:rPr>
+              <a:t>Precise</a:t>
+            </a:r>
+          </a:p>
+          <a:p>
+            <a:pPr lvl="1"/>
+            <a:r>
+              <a:rPr lang="en-US" dirty="0">
+                <a:solidFill>
+                  <a:schemeClr val="tx1">
+                    <a:lumMod val="85000"/>
+                  </a:schemeClr>
+                </a:solidFill>
+              </a:rPr>
+              <a:t>Knowledgeable about neighbors</a:t>
+            </a:r>
+          </a:p>
+          <a:p>
+            <a:r>
+              <a:rPr lang="en-US" dirty="0">
+                <a:solidFill>
+                  <a:schemeClr val="tx1">
+                    <a:lumMod val="85000"/>
+                  </a:schemeClr>
+                </a:solidFill>
+              </a:rPr>
+              <a:t>Used to find maximum load of a single lane highway</a:t>
+            </a:r>
+          </a:p>
+          <a:p>
+            <a:r>
+              <a:rPr lang="en-US" dirty="0">
+                <a:solidFill>
+                  <a:schemeClr val="tx1">
+                    <a:lumMod val="85000"/>
+                  </a:schemeClr>
+                </a:solidFill>
+              </a:rPr>
+              <a:t>Maintain Safety Above All</a:t>
+            </a:r>
           </a:p>
         </p:txBody>
       </p:sp>
     </p:spTree>
     <p:extLst>
       <p:ext uri="{BB962C8B-B14F-4D97-AF65-F5344CB8AC3E}">
-        <p14:creationId xmlns:p14="http://schemas.microsoft.com/office/powerpoint/2010/main" val="714239625"/>
+        <p14:creationId xmlns:p14="http://schemas.microsoft.com/office/powerpoint/2010/main" val="93171038"/>
       </p:ext>
     </p:extLst>
   </p:cSld>
@@ -6177,7 +7046,7 @@
           <p:cNvPr id="2" name="Title 1">
             <a:extLst>
               <a:ext uri="{FF2B5EF4-FFF2-40B4-BE49-F238E27FC236}">
-                <a16:creationId xmlns:a16="http://schemas.microsoft.com/office/drawing/2014/main" id="{4C825A7D-9B15-4F95-8A94-3FE6160A83D0}"/>
+                <a16:creationId xmlns:a16="http://schemas.microsoft.com/office/drawing/2014/main" id="{FA9F59ED-2DFD-4BB4-AB6E-3FF359554C15}"/>
               </a:ext>
             </a:extLst>
           </p:cNvPr>
@@ -6195,7 +7064,14 @@
           <a:p>
             <a:r>
               <a:rPr lang="en-US" dirty="0"/>
-              <a:t>Applications and future goals for program</a:t>
+              <a:t>Multi – Create and Run</a:t>
+            </a:r>
+            <a:br>
+              <a:rPr lang="en-US" dirty="0"/>
+            </a:br>
+            <a:r>
+              <a:rPr lang="en-US" dirty="0"/>
+              <a:t>future goals of model</a:t>
             </a:r>
           </a:p>
         </p:txBody>
@@ -6205,7 +7081,7 @@
           <p:cNvPr id="3" name="Content Placeholder 2">
             <a:extLst>
               <a:ext uri="{FF2B5EF4-FFF2-40B4-BE49-F238E27FC236}">
-                <a16:creationId xmlns:a16="http://schemas.microsoft.com/office/drawing/2014/main" id="{507BDB00-F0E4-47A4-9D6C-845975C0053E}"/>
+                <a16:creationId xmlns:a16="http://schemas.microsoft.com/office/drawing/2014/main" id="{15409D79-5553-4932-8475-DA725D46D1CE}"/>
               </a:ext>
             </a:extLst>
           </p:cNvPr>
@@ -6218,17 +7094,130 @@
         </p:nvSpPr>
         <p:spPr/>
         <p:txBody>
-          <a:bodyPr/>
+          <a:bodyPr>
+            <a:normAutofit fontScale="92500" lnSpcReduction="10000"/>
+          </a:bodyPr>
           <a:lstStyle/>
           <a:p>
-            <a:endParaRPr lang="en-US"/>
+            <a:r>
+              <a:rPr lang="en-US" dirty="0">
+                <a:solidFill>
+                  <a:schemeClr val="tx1">
+                    <a:lumMod val="85000"/>
+                  </a:schemeClr>
+                </a:solidFill>
+              </a:rPr>
+              <a:t>Learned how to Create and Run Multiple Files at once w/ little user interaction</a:t>
+            </a:r>
+          </a:p>
+          <a:p>
+            <a:pPr marL="0" indent="0">
+              <a:buNone/>
+            </a:pPr>
+            <a:endParaRPr lang="en-US" dirty="0">
+              <a:solidFill>
+                <a:schemeClr val="tx1">
+                  <a:lumMod val="85000"/>
+                </a:schemeClr>
+              </a:solidFill>
+            </a:endParaRPr>
+          </a:p>
+          <a:p>
+            <a:r>
+              <a:rPr lang="en-US" dirty="0">
+                <a:solidFill>
+                  <a:schemeClr val="tx1">
+                    <a:lumMod val="85000"/>
+                  </a:schemeClr>
+                </a:solidFill>
+              </a:rPr>
+              <a:t>Model has capability to run with different vehicle specifications</a:t>
+            </a:r>
+          </a:p>
+          <a:p>
+            <a:pPr lvl="1"/>
+            <a:r>
+              <a:rPr lang="en-US" dirty="0">
+                <a:solidFill>
+                  <a:schemeClr val="tx1">
+                    <a:lumMod val="85000"/>
+                  </a:schemeClr>
+                </a:solidFill>
+              </a:rPr>
+              <a:t>Lambda</a:t>
+            </a:r>
+          </a:p>
+          <a:p>
+            <a:pPr lvl="1"/>
+            <a:r>
+              <a:rPr lang="en-US" dirty="0">
+                <a:solidFill>
+                  <a:schemeClr val="tx1">
+                    <a:lumMod val="85000"/>
+                  </a:schemeClr>
+                </a:solidFill>
+              </a:rPr>
+              <a:t>Initial Velocity</a:t>
+            </a:r>
+          </a:p>
+          <a:p>
+            <a:pPr lvl="1"/>
+            <a:r>
+              <a:rPr lang="en-US" dirty="0">
+                <a:solidFill>
+                  <a:schemeClr val="tx1">
+                    <a:lumMod val="85000"/>
+                  </a:schemeClr>
+                </a:solidFill>
+              </a:rPr>
+              <a:t>Initial Separation Distance</a:t>
+            </a:r>
+          </a:p>
+          <a:p>
+            <a:pPr lvl="1"/>
+            <a:r>
+              <a:rPr lang="en-US" dirty="0">
+                <a:solidFill>
+                  <a:schemeClr val="tx1">
+                    <a:lumMod val="85000"/>
+                  </a:schemeClr>
+                </a:solidFill>
+              </a:rPr>
+              <a:t>Vehicle Length</a:t>
+            </a:r>
+          </a:p>
+          <a:p>
+            <a:pPr lvl="1"/>
+            <a:r>
+              <a:rPr lang="en-US" dirty="0">
+                <a:solidFill>
+                  <a:schemeClr val="tx1">
+                    <a:lumMod val="85000"/>
+                  </a:schemeClr>
+                </a:solidFill>
+              </a:rPr>
+              <a:t>Maximum Acceleration</a:t>
+            </a:r>
+          </a:p>
+          <a:p>
+            <a:pPr lvl="1"/>
+            <a:r>
+              <a:rPr lang="en-US" dirty="0">
+                <a:solidFill>
+                  <a:schemeClr val="tx1">
+                    <a:lumMod val="85000"/>
+                  </a:schemeClr>
+                </a:solidFill>
+              </a:rPr>
+              <a:t>Maximum Velocity</a:t>
+            </a:r>
           </a:p>
         </p:txBody>
       </p:sp>
     </p:spTree>
     <p:extLst>
       <p:ext uri="{BB962C8B-B14F-4D97-AF65-F5344CB8AC3E}">
-        <p14:creationId xmlns:p14="http://schemas.microsoft.com/office/powerpoint/2010/main" val="93171038"/>
+        <p14:creationId xmlns:p14="http://schemas.microsoft.com/office/powerpoint/2010/main" val="507313549"/>
       </p:ext>
     </p:extLst>
   </p:cSld>
@@ -6407,26 +7396,85 @@
           <a:lstStyle/>
           <a:p>
             <a:r>
+              <a:rPr lang="en-US" dirty="0">
+                <a:solidFill>
+                  <a:schemeClr val="tx1">
+                    <a:lumMod val="85000"/>
+                  </a:schemeClr>
+                </a:solidFill>
+              </a:rPr>
+              <a:t>Model of Traffic Flow along a single lane.</a:t>
+            </a:r>
+          </a:p>
+          <a:p>
+            <a:r>
+              <a:rPr lang="en-US" dirty="0">
+                <a:solidFill>
+                  <a:schemeClr val="tx1">
+                    <a:lumMod val="85000"/>
+                  </a:schemeClr>
+                </a:solidFill>
+              </a:rPr>
+              <a:t>Only the first vehicle varies</a:t>
+            </a:r>
+          </a:p>
+          <a:p>
+            <a:r>
+              <a:rPr lang="en-US" dirty="0">
+                <a:solidFill>
+                  <a:schemeClr val="tx1">
+                    <a:lumMod val="85000"/>
+                  </a:schemeClr>
+                </a:solidFill>
+              </a:rPr>
+              <a:t>Following vehicle’s are dependent on the previous vehicles speed and a constant</a:t>
+            </a:r>
+          </a:p>
+          <a:p>
+            <a:r>
+              <a:rPr lang="en-US" dirty="0">
+                <a:solidFill>
+                  <a:schemeClr val="tx1">
+                    <a:lumMod val="85000"/>
+                  </a:schemeClr>
+                </a:solidFill>
+              </a:rPr>
+              <a:t>Constant determined by user.</a:t>
+            </a:r>
+          </a:p>
+        </p:txBody>
+      </p:sp>
+      <p:sp>
+        <p:nvSpPr>
+          <p:cNvPr id="4" name="TextBox 3">
+            <a:extLst>
+              <a:ext uri="{FF2B5EF4-FFF2-40B4-BE49-F238E27FC236}">
+                <a16:creationId xmlns:a16="http://schemas.microsoft.com/office/drawing/2014/main" id="{4A39526E-9BAA-4684-8DBE-1BAD59DAA67A}"/>
+              </a:ext>
+            </a:extLst>
+          </p:cNvPr>
+          <p:cNvSpPr txBox="1"/>
+          <p:nvPr/>
+        </p:nvSpPr>
+        <p:spPr>
+          <a:xfrm>
+            <a:off x="7834489" y="203200"/>
+            <a:ext cx="3939822" cy="369332"/>
+          </a:xfrm>
+          <a:prstGeom prst="rect">
+            <a:avLst/>
+          </a:prstGeom>
+          <a:noFill/>
+        </p:spPr>
+        <p:txBody>
+          <a:bodyPr wrap="square" rtlCol="0">
+            <a:spAutoFit/>
+          </a:bodyPr>
+          <a:lstStyle/>
+          <a:p>
+            <a:r>
               <a:rPr lang="en-US" dirty="0"/>
-              <a:t>Model of Traffic Flow along a single lane.</a:t>
-            </a:r>
-          </a:p>
-          <a:p>
-            <a:r>
-              <a:rPr lang="en-US" dirty="0"/>
-              <a:t>Only the first vehicle varies</a:t>
-            </a:r>
-          </a:p>
-          <a:p>
-            <a:r>
-              <a:rPr lang="en-US" dirty="0"/>
-              <a:t>Following vehicle’s are dependent on the previous vehicles speed and a constant</a:t>
-            </a:r>
-          </a:p>
-          <a:p>
-            <a:r>
-              <a:rPr lang="en-US" dirty="0"/>
-              <a:t>Constant determined by user.</a:t>
+              <a:t>Race Strip</a:t>
             </a:r>
           </a:p>
         </p:txBody>
@@ -6489,28 +7537,4027 @@
           </a:p>
         </p:txBody>
       </p:sp>
-      <p:sp>
-        <p:nvSpPr>
-          <p:cNvPr id="3" name="Content Placeholder 2">
+      <mc:AlternateContent xmlns:mc="http://schemas.openxmlformats.org/markup-compatibility/2006">
+        <mc:Choice xmlns:a14="http://schemas.microsoft.com/office/drawing/2010/main" Requires="a14">
+          <p:sp>
+            <p:nvSpPr>
+              <p:cNvPr id="3" name="Content Placeholder 2">
+                <a:extLst>
+                  <a:ext uri="{FF2B5EF4-FFF2-40B4-BE49-F238E27FC236}">
+                    <a16:creationId xmlns:a16="http://schemas.microsoft.com/office/drawing/2014/main" id="{AD0E0B80-1D6B-45B9-993C-3FBE636BD09A}"/>
+                  </a:ext>
+                </a:extLst>
+              </p:cNvPr>
+              <p:cNvSpPr>
+                <a:spLocks noGrp="1"/>
+              </p:cNvSpPr>
+              <p:nvPr>
+                <p:ph idx="1"/>
+              </p:nvPr>
+            </p:nvSpPr>
+            <p:spPr>
+              <a:xfrm>
+                <a:off x="684212" y="685801"/>
+                <a:ext cx="8534400" cy="3801532"/>
+              </a:xfrm>
+            </p:spPr>
+            <p:txBody>
+              <a:bodyPr>
+                <a:normAutofit fontScale="62500" lnSpcReduction="20000"/>
+              </a:bodyPr>
+              <a:lstStyle/>
+              <a:p>
+                <a:r>
+                  <a:rPr lang="en-US" dirty="0">
+                    <a:solidFill>
+                      <a:schemeClr val="tx1">
+                        <a:lumMod val="85000"/>
+                      </a:schemeClr>
+                    </a:solidFill>
+                  </a:rPr>
+                  <a:t>General Equation</a:t>
+                </a:r>
+              </a:p>
+              <a:p>
+                <a14:m>
+                  <m:oMath xmlns:m="http://schemas.openxmlformats.org/officeDocument/2006/math">
+                    <m:f>
+                      <m:fPr>
+                        <m:ctrlPr>
+                          <a:rPr lang="en-US" i="1" smtClean="0">
+                            <a:solidFill>
+                              <a:schemeClr val="tx1">
+                                <a:lumMod val="85000"/>
+                              </a:schemeClr>
+                            </a:solidFill>
+                          </a:rPr>
+                        </m:ctrlPr>
+                      </m:fPr>
+                      <m:num>
+                        <m:sSub>
+                          <m:sSubPr>
+                            <m:ctrlPr>
+                              <a:rPr lang="en-US" i="1">
+                                <a:solidFill>
+                                  <a:schemeClr val="tx1">
+                                    <a:lumMod val="85000"/>
+                                  </a:schemeClr>
+                                </a:solidFill>
+                              </a:rPr>
+                            </m:ctrlPr>
+                          </m:sSubPr>
+                          <m:e>
+                            <m:r>
+                              <a:rPr lang="en-US" i="1">
+                                <a:solidFill>
+                                  <a:schemeClr val="tx1">
+                                    <a:lumMod val="85000"/>
+                                  </a:schemeClr>
+                                </a:solidFill>
+                              </a:rPr>
+                              <m:t>𝑑𝑣</m:t>
+                            </m:r>
+                          </m:e>
+                          <m:sub>
+                            <m:r>
+                              <a:rPr lang="en-US" i="1">
+                                <a:solidFill>
+                                  <a:schemeClr val="tx1">
+                                    <a:lumMod val="85000"/>
+                                  </a:schemeClr>
+                                </a:solidFill>
+                              </a:rPr>
+                              <m:t>𝑗</m:t>
+                            </m:r>
+                          </m:sub>
+                        </m:sSub>
+                      </m:num>
+                      <m:den>
+                        <m:r>
+                          <a:rPr lang="en-US" i="1">
+                            <a:solidFill>
+                              <a:schemeClr val="tx1">
+                                <a:lumMod val="85000"/>
+                              </a:schemeClr>
+                            </a:solidFill>
+                          </a:rPr>
+                          <m:t>𝑑𝑡</m:t>
+                        </m:r>
+                      </m:den>
+                    </m:f>
+                    <m:r>
+                      <a:rPr lang="en-US" i="1">
+                        <a:solidFill>
+                          <a:schemeClr val="tx1">
+                            <a:lumMod val="85000"/>
+                          </a:schemeClr>
+                        </a:solidFill>
+                      </a:rPr>
+                      <m:t>= </m:t>
+                    </m:r>
+                    <m:r>
+                      <a:rPr lang="en-US" i="1">
+                        <a:solidFill>
+                          <a:schemeClr val="tx1">
+                            <a:lumMod val="85000"/>
+                          </a:schemeClr>
+                        </a:solidFill>
+                      </a:rPr>
+                      <m:t>𝜆</m:t>
+                    </m:r>
+                    <m:r>
+                      <a:rPr lang="en-US" i="1">
+                        <a:solidFill>
+                          <a:schemeClr val="tx1">
+                            <a:lumMod val="85000"/>
+                          </a:schemeClr>
+                        </a:solidFill>
+                      </a:rPr>
+                      <m:t> </m:t>
+                    </m:r>
+                    <m:d>
+                      <m:dPr>
+                        <m:begChr m:val="["/>
+                        <m:endChr m:val="]"/>
+                        <m:ctrlPr>
+                          <a:rPr lang="en-US" i="1">
+                            <a:solidFill>
+                              <a:schemeClr val="tx1">
+                                <a:lumMod val="85000"/>
+                              </a:schemeClr>
+                            </a:solidFill>
+                          </a:rPr>
+                        </m:ctrlPr>
+                      </m:dPr>
+                      <m:e>
+                        <m:sSub>
+                          <m:sSubPr>
+                            <m:ctrlPr>
+                              <a:rPr lang="en-US" i="1">
+                                <a:solidFill>
+                                  <a:schemeClr val="tx1">
+                                    <a:lumMod val="85000"/>
+                                  </a:schemeClr>
+                                </a:solidFill>
+                              </a:rPr>
+                            </m:ctrlPr>
+                          </m:sSubPr>
+                          <m:e>
+                            <m:r>
+                              <a:rPr lang="en-US" i="1">
+                                <a:solidFill>
+                                  <a:schemeClr val="tx1">
+                                    <a:lumMod val="85000"/>
+                                  </a:schemeClr>
+                                </a:solidFill>
+                              </a:rPr>
+                              <m:t>𝑣</m:t>
+                            </m:r>
+                          </m:e>
+                          <m:sub>
+                            <m:r>
+                              <a:rPr lang="en-US" i="1">
+                                <a:solidFill>
+                                  <a:schemeClr val="tx1">
+                                    <a:lumMod val="85000"/>
+                                  </a:schemeClr>
+                                </a:solidFill>
+                              </a:rPr>
+                              <m:t>𝑗</m:t>
+                            </m:r>
+                            <m:r>
+                              <a:rPr lang="en-US" i="1">
+                                <a:solidFill>
+                                  <a:schemeClr val="tx1">
+                                    <a:lumMod val="85000"/>
+                                  </a:schemeClr>
+                                </a:solidFill>
+                              </a:rPr>
+                              <m:t>−1</m:t>
+                            </m:r>
+                          </m:sub>
+                        </m:sSub>
+                        <m:d>
+                          <m:dPr>
+                            <m:ctrlPr>
+                              <a:rPr lang="en-US" i="1">
+                                <a:solidFill>
+                                  <a:schemeClr val="tx1">
+                                    <a:lumMod val="85000"/>
+                                  </a:schemeClr>
+                                </a:solidFill>
+                              </a:rPr>
+                            </m:ctrlPr>
+                          </m:dPr>
+                          <m:e>
+                            <m:r>
+                              <a:rPr lang="en-US" i="1">
+                                <a:solidFill>
+                                  <a:schemeClr val="tx1">
+                                    <a:lumMod val="85000"/>
+                                  </a:schemeClr>
+                                </a:solidFill>
+                              </a:rPr>
+                              <m:t>𝑡</m:t>
+                            </m:r>
+                          </m:e>
+                        </m:d>
+                        <m:r>
+                          <a:rPr lang="en-US" i="1">
+                            <a:solidFill>
+                              <a:schemeClr val="tx1">
+                                <a:lumMod val="85000"/>
+                              </a:schemeClr>
+                            </a:solidFill>
+                          </a:rPr>
+                          <m:t>− </m:t>
+                        </m:r>
+                        <m:sSub>
+                          <m:sSubPr>
+                            <m:ctrlPr>
+                              <a:rPr lang="en-US" i="1">
+                                <a:solidFill>
+                                  <a:schemeClr val="tx1">
+                                    <a:lumMod val="85000"/>
+                                  </a:schemeClr>
+                                </a:solidFill>
+                              </a:rPr>
+                            </m:ctrlPr>
+                          </m:sSubPr>
+                          <m:e>
+                            <m:r>
+                              <a:rPr lang="en-US" i="1">
+                                <a:solidFill>
+                                  <a:schemeClr val="tx1">
+                                    <a:lumMod val="85000"/>
+                                  </a:schemeClr>
+                                </a:solidFill>
+                              </a:rPr>
+                              <m:t>𝑣</m:t>
+                            </m:r>
+                          </m:e>
+                          <m:sub>
+                            <m:r>
+                              <a:rPr lang="en-US" i="1">
+                                <a:solidFill>
+                                  <a:schemeClr val="tx1">
+                                    <a:lumMod val="85000"/>
+                                  </a:schemeClr>
+                                </a:solidFill>
+                              </a:rPr>
+                              <m:t>𝑗</m:t>
+                            </m:r>
+                            <m:r>
+                              <a:rPr lang="en-US" i="1">
+                                <a:solidFill>
+                                  <a:schemeClr val="tx1">
+                                    <a:lumMod val="85000"/>
+                                  </a:schemeClr>
+                                </a:solidFill>
+                              </a:rPr>
+                              <m:t> </m:t>
+                            </m:r>
+                          </m:sub>
+                        </m:sSub>
+                        <m:d>
+                          <m:dPr>
+                            <m:ctrlPr>
+                              <a:rPr lang="en-US" i="1">
+                                <a:solidFill>
+                                  <a:schemeClr val="tx1">
+                                    <a:lumMod val="85000"/>
+                                  </a:schemeClr>
+                                </a:solidFill>
+                              </a:rPr>
+                            </m:ctrlPr>
+                          </m:dPr>
+                          <m:e>
+                            <m:r>
+                              <a:rPr lang="en-US" i="1">
+                                <a:solidFill>
+                                  <a:schemeClr val="tx1">
+                                    <a:lumMod val="85000"/>
+                                  </a:schemeClr>
+                                </a:solidFill>
+                              </a:rPr>
+                              <m:t>𝑡</m:t>
+                            </m:r>
+                          </m:e>
+                        </m:d>
+                        <m:r>
+                          <a:rPr lang="en-US" i="1">
+                            <a:solidFill>
+                              <a:schemeClr val="tx1">
+                                <a:lumMod val="85000"/>
+                              </a:schemeClr>
+                            </a:solidFill>
+                          </a:rPr>
+                          <m:t> </m:t>
+                        </m:r>
+                      </m:e>
+                    </m:d>
+                  </m:oMath>
+                </a14:m>
+                <a:endParaRPr lang="en-US" dirty="0">
+                  <a:solidFill>
+                    <a:schemeClr val="tx1">
+                      <a:lumMod val="85000"/>
+                    </a:schemeClr>
+                  </a:solidFill>
+                </a:endParaRPr>
+              </a:p>
+              <a:p>
+                <a:r>
+                  <a:rPr lang="en-US" dirty="0">
+                    <a:solidFill>
+                      <a:schemeClr val="tx1">
+                        <a:lumMod val="85000"/>
+                      </a:schemeClr>
+                    </a:solidFill>
+                  </a:rPr>
+                  <a:t>What it means: Acceleration tied to Velocity</a:t>
+                </a:r>
+              </a:p>
+              <a:p>
+                <a:pPr lvl="1"/>
+                <a:r>
+                  <a:rPr lang="en-US" dirty="0">
+                    <a:solidFill>
+                      <a:schemeClr val="tx1">
+                        <a:lumMod val="85000"/>
+                      </a:schemeClr>
+                    </a:solidFill>
+                  </a:rPr>
+                  <a:t>Limited to only velocities</a:t>
+                </a:r>
+              </a:p>
+              <a:p>
+                <a:endParaRPr lang="en-US" dirty="0">
+                  <a:solidFill>
+                    <a:schemeClr val="tx1">
+                      <a:lumMod val="85000"/>
+                    </a:schemeClr>
+                  </a:solidFill>
+                </a:endParaRPr>
+              </a:p>
+              <a:p>
+                <a:r>
+                  <a:rPr lang="en-US" dirty="0">
+                    <a:solidFill>
+                      <a:schemeClr val="tx1">
+                        <a:lumMod val="85000"/>
+                      </a:schemeClr>
+                    </a:solidFill>
+                  </a:rPr>
+                  <a:t>Discretized:</a:t>
+                </a:r>
+              </a:p>
+              <a:p>
+                <a14:m>
+                  <m:oMath xmlns:m="http://schemas.openxmlformats.org/officeDocument/2006/math">
+                    <m:f>
+                      <m:fPr>
+                        <m:ctrlPr>
+                          <a:rPr lang="en-US" i="1" smtClean="0">
+                            <a:solidFill>
+                              <a:schemeClr val="tx1">
+                                <a:lumMod val="85000"/>
+                              </a:schemeClr>
+                            </a:solidFill>
+                          </a:rPr>
+                        </m:ctrlPr>
+                      </m:fPr>
+                      <m:num>
+                        <m:sSub>
+                          <m:sSubPr>
+                            <m:ctrlPr>
+                              <a:rPr lang="en-US" i="1">
+                                <a:solidFill>
+                                  <a:schemeClr val="tx1">
+                                    <a:lumMod val="85000"/>
+                                  </a:schemeClr>
+                                </a:solidFill>
+                              </a:rPr>
+                            </m:ctrlPr>
+                          </m:sSubPr>
+                          <m:e>
+                            <m:r>
+                              <a:rPr lang="en-US" i="1">
+                                <a:solidFill>
+                                  <a:schemeClr val="tx1">
+                                    <a:lumMod val="85000"/>
+                                  </a:schemeClr>
+                                </a:solidFill>
+                              </a:rPr>
+                              <m:t>𝑑𝑣</m:t>
+                            </m:r>
+                          </m:e>
+                          <m:sub>
+                            <m:r>
+                              <a:rPr lang="en-US" i="1">
+                                <a:solidFill>
+                                  <a:schemeClr val="tx1">
+                                    <a:lumMod val="85000"/>
+                                  </a:schemeClr>
+                                </a:solidFill>
+                              </a:rPr>
+                              <m:t>𝑗</m:t>
+                            </m:r>
+                          </m:sub>
+                        </m:sSub>
+                      </m:num>
+                      <m:den>
+                        <m:r>
+                          <a:rPr lang="en-US" i="1">
+                            <a:solidFill>
+                              <a:schemeClr val="tx1">
+                                <a:lumMod val="85000"/>
+                              </a:schemeClr>
+                            </a:solidFill>
+                          </a:rPr>
+                          <m:t>𝑑𝑡</m:t>
+                        </m:r>
+                        <m:r>
+                          <a:rPr lang="en-US" i="1">
+                            <a:solidFill>
+                              <a:schemeClr val="tx1">
+                                <a:lumMod val="85000"/>
+                              </a:schemeClr>
+                            </a:solidFill>
+                          </a:rPr>
+                          <m:t>′</m:t>
+                        </m:r>
+                      </m:den>
+                    </m:f>
+                    <m:r>
+                      <a:rPr lang="en-US" i="1">
+                        <a:solidFill>
+                          <a:schemeClr val="tx1">
+                            <a:lumMod val="85000"/>
+                          </a:schemeClr>
+                        </a:solidFill>
+                      </a:rPr>
+                      <m:t>= </m:t>
+                    </m:r>
+                    <m:d>
+                      <m:dPr>
+                        <m:begChr m:val="["/>
+                        <m:endChr m:val="]"/>
+                        <m:ctrlPr>
+                          <a:rPr lang="en-US" i="1">
+                            <a:solidFill>
+                              <a:schemeClr val="tx1">
+                                <a:lumMod val="85000"/>
+                              </a:schemeClr>
+                            </a:solidFill>
+                          </a:rPr>
+                        </m:ctrlPr>
+                      </m:dPr>
+                      <m:e>
+                        <m:sSub>
+                          <m:sSubPr>
+                            <m:ctrlPr>
+                              <a:rPr lang="en-US" i="1">
+                                <a:solidFill>
+                                  <a:schemeClr val="tx1">
+                                    <a:lumMod val="85000"/>
+                                  </a:schemeClr>
+                                </a:solidFill>
+                              </a:rPr>
+                            </m:ctrlPr>
+                          </m:sSubPr>
+                          <m:e>
+                            <m:r>
+                              <a:rPr lang="en-US" i="1">
+                                <a:solidFill>
+                                  <a:schemeClr val="tx1">
+                                    <a:lumMod val="85000"/>
+                                  </a:schemeClr>
+                                </a:solidFill>
+                              </a:rPr>
+                              <m:t>𝑣</m:t>
+                            </m:r>
+                          </m:e>
+                          <m:sub>
+                            <m:r>
+                              <a:rPr lang="en-US" i="1">
+                                <a:solidFill>
+                                  <a:schemeClr val="tx1">
+                                    <a:lumMod val="85000"/>
+                                  </a:schemeClr>
+                                </a:solidFill>
+                              </a:rPr>
+                              <m:t>𝑗</m:t>
+                            </m:r>
+                            <m:r>
+                              <a:rPr lang="en-US" i="1">
+                                <a:solidFill>
+                                  <a:schemeClr val="tx1">
+                                    <a:lumMod val="85000"/>
+                                  </a:schemeClr>
+                                </a:solidFill>
+                              </a:rPr>
+                              <m:t>−1</m:t>
+                            </m:r>
+                          </m:sub>
+                        </m:sSub>
+                        <m:d>
+                          <m:dPr>
+                            <m:ctrlPr>
+                              <a:rPr lang="en-US" i="1">
+                                <a:solidFill>
+                                  <a:schemeClr val="tx1">
+                                    <a:lumMod val="85000"/>
+                                  </a:schemeClr>
+                                </a:solidFill>
+                              </a:rPr>
+                            </m:ctrlPr>
+                          </m:dPr>
+                          <m:e>
+                            <m:r>
+                              <a:rPr lang="en-US" i="1">
+                                <a:solidFill>
+                                  <a:schemeClr val="tx1">
+                                    <a:lumMod val="85000"/>
+                                  </a:schemeClr>
+                                </a:solidFill>
+                              </a:rPr>
+                              <m:t>𝑡</m:t>
+                            </m:r>
+                            <m:r>
+                              <a:rPr lang="en-US" i="1">
+                                <a:solidFill>
+                                  <a:schemeClr val="tx1">
+                                    <a:lumMod val="85000"/>
+                                  </a:schemeClr>
+                                </a:solidFill>
+                              </a:rPr>
+                              <m:t>′</m:t>
+                            </m:r>
+                          </m:e>
+                        </m:d>
+                        <m:r>
+                          <a:rPr lang="en-US" i="1">
+                            <a:solidFill>
+                              <a:schemeClr val="tx1">
+                                <a:lumMod val="85000"/>
+                              </a:schemeClr>
+                            </a:solidFill>
+                          </a:rPr>
+                          <m:t>− </m:t>
+                        </m:r>
+                        <m:sSub>
+                          <m:sSubPr>
+                            <m:ctrlPr>
+                              <a:rPr lang="en-US" i="1">
+                                <a:solidFill>
+                                  <a:schemeClr val="tx1">
+                                    <a:lumMod val="85000"/>
+                                  </a:schemeClr>
+                                </a:solidFill>
+                              </a:rPr>
+                            </m:ctrlPr>
+                          </m:sSubPr>
+                          <m:e>
+                            <m:r>
+                              <a:rPr lang="en-US" i="1">
+                                <a:solidFill>
+                                  <a:schemeClr val="tx1">
+                                    <a:lumMod val="85000"/>
+                                  </a:schemeClr>
+                                </a:solidFill>
+                              </a:rPr>
+                              <m:t>𝑣</m:t>
+                            </m:r>
+                          </m:e>
+                          <m:sub>
+                            <m:r>
+                              <a:rPr lang="en-US" i="1">
+                                <a:solidFill>
+                                  <a:schemeClr val="tx1">
+                                    <a:lumMod val="85000"/>
+                                  </a:schemeClr>
+                                </a:solidFill>
+                              </a:rPr>
+                              <m:t>𝑗</m:t>
+                            </m:r>
+                            <m:r>
+                              <a:rPr lang="en-US" i="1">
+                                <a:solidFill>
+                                  <a:schemeClr val="tx1">
+                                    <a:lumMod val="85000"/>
+                                  </a:schemeClr>
+                                </a:solidFill>
+                              </a:rPr>
+                              <m:t> </m:t>
+                            </m:r>
+                          </m:sub>
+                        </m:sSub>
+                        <m:d>
+                          <m:dPr>
+                            <m:ctrlPr>
+                              <a:rPr lang="en-US" i="1">
+                                <a:solidFill>
+                                  <a:schemeClr val="tx1">
+                                    <a:lumMod val="85000"/>
+                                  </a:schemeClr>
+                                </a:solidFill>
+                              </a:rPr>
+                            </m:ctrlPr>
+                          </m:dPr>
+                          <m:e>
+                            <m:r>
+                              <a:rPr lang="en-US" i="1">
+                                <a:solidFill>
+                                  <a:schemeClr val="tx1">
+                                    <a:lumMod val="85000"/>
+                                  </a:schemeClr>
+                                </a:solidFill>
+                              </a:rPr>
+                              <m:t>𝑡</m:t>
+                            </m:r>
+                            <m:r>
+                              <a:rPr lang="en-US" i="1">
+                                <a:solidFill>
+                                  <a:schemeClr val="tx1">
+                                    <a:lumMod val="85000"/>
+                                  </a:schemeClr>
+                                </a:solidFill>
+                              </a:rPr>
+                              <m:t>′</m:t>
+                            </m:r>
+                          </m:e>
+                        </m:d>
+                        <m:r>
+                          <a:rPr lang="en-US" i="1">
+                            <a:solidFill>
+                              <a:schemeClr val="tx1">
+                                <a:lumMod val="85000"/>
+                              </a:schemeClr>
+                            </a:solidFill>
+                          </a:rPr>
+                          <m:t> </m:t>
+                        </m:r>
+                      </m:e>
+                    </m:d>
+                  </m:oMath>
+                </a14:m>
+                <a:endParaRPr lang="en-US" dirty="0">
+                  <a:solidFill>
+                    <a:schemeClr val="tx1">
+                      <a:lumMod val="85000"/>
+                    </a:schemeClr>
+                  </a:solidFill>
+                </a:endParaRPr>
+              </a:p>
+              <a:p>
+                <a14:m>
+                  <m:oMath xmlns:m="http://schemas.openxmlformats.org/officeDocument/2006/math">
+                    <m:f>
+                      <m:fPr>
+                        <m:ctrlPr>
+                          <a:rPr lang="en-US" i="1">
+                            <a:solidFill>
+                              <a:schemeClr val="tx1">
+                                <a:lumMod val="85000"/>
+                              </a:schemeClr>
+                            </a:solidFill>
+                          </a:rPr>
+                        </m:ctrlPr>
+                      </m:fPr>
+                      <m:num>
+                        <m:sSub>
+                          <m:sSubPr>
+                            <m:ctrlPr>
+                              <a:rPr lang="en-US" i="1">
+                                <a:solidFill>
+                                  <a:schemeClr val="tx1">
+                                    <a:lumMod val="85000"/>
+                                  </a:schemeClr>
+                                </a:solidFill>
+                              </a:rPr>
+                            </m:ctrlPr>
+                          </m:sSubPr>
+                          <m:e>
+                            <m:r>
+                              <a:rPr lang="en-US" i="1">
+                                <a:solidFill>
+                                  <a:schemeClr val="tx1">
+                                    <a:lumMod val="85000"/>
+                                  </a:schemeClr>
+                                </a:solidFill>
+                              </a:rPr>
+                              <m:t>𝑣</m:t>
+                            </m:r>
+                          </m:e>
+                          <m:sub>
+                            <m:r>
+                              <a:rPr lang="en-US" i="1">
+                                <a:solidFill>
+                                  <a:schemeClr val="tx1">
+                                    <a:lumMod val="85000"/>
+                                  </a:schemeClr>
+                                </a:solidFill>
+                              </a:rPr>
+                              <m:t>𝑗</m:t>
+                            </m:r>
+                          </m:sub>
+                        </m:sSub>
+                        <m:r>
+                          <a:rPr lang="en-US" i="1">
+                            <a:solidFill>
+                              <a:schemeClr val="tx1">
+                                <a:lumMod val="85000"/>
+                              </a:schemeClr>
+                            </a:solidFill>
+                          </a:rPr>
+                          <m:t>(</m:t>
+                        </m:r>
+                        <m:r>
+                          <a:rPr lang="en-US" i="1">
+                            <a:solidFill>
+                              <a:schemeClr val="tx1">
+                                <a:lumMod val="85000"/>
+                              </a:schemeClr>
+                            </a:solidFill>
+                          </a:rPr>
+                          <m:t>𝑡</m:t>
+                        </m:r>
+                        <m:r>
+                          <a:rPr lang="en-US" i="1">
+                            <a:solidFill>
+                              <a:schemeClr val="tx1">
+                                <a:lumMod val="85000"/>
+                              </a:schemeClr>
+                            </a:solidFill>
+                          </a:rPr>
+                          <m:t>′)−</m:t>
+                        </m:r>
+                        <m:sSub>
+                          <m:sSubPr>
+                            <m:ctrlPr>
+                              <a:rPr lang="en-US" i="1">
+                                <a:solidFill>
+                                  <a:schemeClr val="tx1">
+                                    <a:lumMod val="85000"/>
+                                  </a:schemeClr>
+                                </a:solidFill>
+                              </a:rPr>
+                            </m:ctrlPr>
+                          </m:sSubPr>
+                          <m:e>
+                            <m:r>
+                              <a:rPr lang="en-US" i="1">
+                                <a:solidFill>
+                                  <a:schemeClr val="tx1">
+                                    <a:lumMod val="85000"/>
+                                  </a:schemeClr>
+                                </a:solidFill>
+                              </a:rPr>
+                              <m:t>𝑣</m:t>
+                            </m:r>
+                          </m:e>
+                          <m:sub>
+                            <m:r>
+                              <a:rPr lang="en-US" i="1">
+                                <a:solidFill>
+                                  <a:schemeClr val="tx1">
+                                    <a:lumMod val="85000"/>
+                                  </a:schemeClr>
+                                </a:solidFill>
+                              </a:rPr>
+                              <m:t>𝑗</m:t>
+                            </m:r>
+                          </m:sub>
+                        </m:sSub>
+                        <m:r>
+                          <a:rPr lang="en-US" i="1">
+                            <a:solidFill>
+                              <a:schemeClr val="tx1">
+                                <a:lumMod val="85000"/>
+                              </a:schemeClr>
+                            </a:solidFill>
+                          </a:rPr>
+                          <m:t>(</m:t>
+                        </m:r>
+                        <m:r>
+                          <a:rPr lang="en-US" i="1">
+                            <a:solidFill>
+                              <a:schemeClr val="tx1">
+                                <a:lumMod val="85000"/>
+                              </a:schemeClr>
+                            </a:solidFill>
+                          </a:rPr>
+                          <m:t>𝑡</m:t>
+                        </m:r>
+                        <m:r>
+                          <a:rPr lang="en-US" i="1">
+                            <a:solidFill>
+                              <a:schemeClr val="tx1">
+                                <a:lumMod val="85000"/>
+                              </a:schemeClr>
+                            </a:solidFill>
+                          </a:rPr>
+                          <m:t>′−1)</m:t>
+                        </m:r>
+                      </m:num>
+                      <m:den>
+                        <m:r>
+                          <a:rPr lang="en-US" i="1">
+                            <a:solidFill>
+                              <a:schemeClr val="tx1">
+                                <a:lumMod val="85000"/>
+                              </a:schemeClr>
+                            </a:solidFill>
+                          </a:rPr>
+                          <m:t>𝑑𝑡</m:t>
+                        </m:r>
+                        <m:r>
+                          <a:rPr lang="en-US" i="1">
+                            <a:solidFill>
+                              <a:schemeClr val="tx1">
+                                <a:lumMod val="85000"/>
+                              </a:schemeClr>
+                            </a:solidFill>
+                          </a:rPr>
+                          <m:t>′</m:t>
+                        </m:r>
+                      </m:den>
+                    </m:f>
+                    <m:r>
+                      <a:rPr lang="en-US" i="1">
+                        <a:solidFill>
+                          <a:schemeClr val="tx1">
+                            <a:lumMod val="85000"/>
+                          </a:schemeClr>
+                        </a:solidFill>
+                      </a:rPr>
+                      <m:t>= </m:t>
+                    </m:r>
+                    <m:d>
+                      <m:dPr>
+                        <m:begChr m:val="["/>
+                        <m:endChr m:val="]"/>
+                        <m:ctrlPr>
+                          <a:rPr lang="en-US" i="1">
+                            <a:solidFill>
+                              <a:schemeClr val="tx1">
+                                <a:lumMod val="85000"/>
+                              </a:schemeClr>
+                            </a:solidFill>
+                          </a:rPr>
+                        </m:ctrlPr>
+                      </m:dPr>
+                      <m:e>
+                        <m:sSub>
+                          <m:sSubPr>
+                            <m:ctrlPr>
+                              <a:rPr lang="en-US" i="1">
+                                <a:solidFill>
+                                  <a:schemeClr val="tx1">
+                                    <a:lumMod val="85000"/>
+                                  </a:schemeClr>
+                                </a:solidFill>
+                              </a:rPr>
+                            </m:ctrlPr>
+                          </m:sSubPr>
+                          <m:e>
+                            <m:r>
+                              <a:rPr lang="en-US" i="1">
+                                <a:solidFill>
+                                  <a:schemeClr val="tx1">
+                                    <a:lumMod val="85000"/>
+                                  </a:schemeClr>
+                                </a:solidFill>
+                              </a:rPr>
+                              <m:t>𝑣</m:t>
+                            </m:r>
+                          </m:e>
+                          <m:sub>
+                            <m:r>
+                              <a:rPr lang="en-US" i="1">
+                                <a:solidFill>
+                                  <a:schemeClr val="tx1">
+                                    <a:lumMod val="85000"/>
+                                  </a:schemeClr>
+                                </a:solidFill>
+                              </a:rPr>
+                              <m:t>𝑗</m:t>
+                            </m:r>
+                            <m:r>
+                              <a:rPr lang="en-US" i="1">
+                                <a:solidFill>
+                                  <a:schemeClr val="tx1">
+                                    <a:lumMod val="85000"/>
+                                  </a:schemeClr>
+                                </a:solidFill>
+                              </a:rPr>
+                              <m:t>−1</m:t>
+                            </m:r>
+                          </m:sub>
+                        </m:sSub>
+                        <m:d>
+                          <m:dPr>
+                            <m:ctrlPr>
+                              <a:rPr lang="en-US" i="1">
+                                <a:solidFill>
+                                  <a:schemeClr val="tx1">
+                                    <a:lumMod val="85000"/>
+                                  </a:schemeClr>
+                                </a:solidFill>
+                              </a:rPr>
+                            </m:ctrlPr>
+                          </m:dPr>
+                          <m:e>
+                            <m:r>
+                              <a:rPr lang="en-US" i="1">
+                                <a:solidFill>
+                                  <a:schemeClr val="tx1">
+                                    <a:lumMod val="85000"/>
+                                  </a:schemeClr>
+                                </a:solidFill>
+                              </a:rPr>
+                              <m:t>𝑡</m:t>
+                            </m:r>
+                            <m:r>
+                              <a:rPr lang="en-US" i="1">
+                                <a:solidFill>
+                                  <a:schemeClr val="tx1">
+                                    <a:lumMod val="85000"/>
+                                  </a:schemeClr>
+                                </a:solidFill>
+                              </a:rPr>
+                              <m:t>′</m:t>
+                            </m:r>
+                          </m:e>
+                        </m:d>
+                        <m:r>
+                          <a:rPr lang="en-US" i="1">
+                            <a:solidFill>
+                              <a:schemeClr val="tx1">
+                                <a:lumMod val="85000"/>
+                              </a:schemeClr>
+                            </a:solidFill>
+                          </a:rPr>
+                          <m:t>− </m:t>
+                        </m:r>
+                        <m:sSub>
+                          <m:sSubPr>
+                            <m:ctrlPr>
+                              <a:rPr lang="en-US" i="1">
+                                <a:solidFill>
+                                  <a:schemeClr val="tx1">
+                                    <a:lumMod val="85000"/>
+                                  </a:schemeClr>
+                                </a:solidFill>
+                              </a:rPr>
+                            </m:ctrlPr>
+                          </m:sSubPr>
+                          <m:e>
+                            <m:r>
+                              <a:rPr lang="en-US" i="1">
+                                <a:solidFill>
+                                  <a:schemeClr val="tx1">
+                                    <a:lumMod val="85000"/>
+                                  </a:schemeClr>
+                                </a:solidFill>
+                              </a:rPr>
+                              <m:t>𝑣</m:t>
+                            </m:r>
+                          </m:e>
+                          <m:sub>
+                            <m:r>
+                              <a:rPr lang="en-US" i="1">
+                                <a:solidFill>
+                                  <a:schemeClr val="tx1">
+                                    <a:lumMod val="85000"/>
+                                  </a:schemeClr>
+                                </a:solidFill>
+                              </a:rPr>
+                              <m:t>𝑗</m:t>
+                            </m:r>
+                          </m:sub>
+                        </m:sSub>
+                        <m:d>
+                          <m:dPr>
+                            <m:ctrlPr>
+                              <a:rPr lang="en-US" i="1">
+                                <a:solidFill>
+                                  <a:schemeClr val="tx1">
+                                    <a:lumMod val="85000"/>
+                                  </a:schemeClr>
+                                </a:solidFill>
+                              </a:rPr>
+                            </m:ctrlPr>
+                          </m:dPr>
+                          <m:e>
+                            <m:r>
+                              <a:rPr lang="en-US" i="1">
+                                <a:solidFill>
+                                  <a:schemeClr val="tx1">
+                                    <a:lumMod val="85000"/>
+                                  </a:schemeClr>
+                                </a:solidFill>
+                              </a:rPr>
+                              <m:t>𝑡</m:t>
+                            </m:r>
+                            <m:r>
+                              <a:rPr lang="en-US" i="1">
+                                <a:solidFill>
+                                  <a:schemeClr val="tx1">
+                                    <a:lumMod val="85000"/>
+                                  </a:schemeClr>
+                                </a:solidFill>
+                              </a:rPr>
+                              <m:t>′</m:t>
+                            </m:r>
+                          </m:e>
+                        </m:d>
+                        <m:r>
+                          <a:rPr lang="en-US" i="1">
+                            <a:solidFill>
+                              <a:schemeClr val="tx1">
+                                <a:lumMod val="85000"/>
+                              </a:schemeClr>
+                            </a:solidFill>
+                          </a:rPr>
+                          <m:t> </m:t>
+                        </m:r>
+                      </m:e>
+                    </m:d>
+                  </m:oMath>
+                </a14:m>
+                <a:endParaRPr lang="en-US" dirty="0">
+                  <a:solidFill>
+                    <a:schemeClr val="tx1">
+                      <a:lumMod val="85000"/>
+                    </a:schemeClr>
+                  </a:solidFill>
+                </a:endParaRPr>
+              </a:p>
+              <a:p>
+                <a14:m>
+                  <m:oMath xmlns:m="http://schemas.openxmlformats.org/officeDocument/2006/math">
+                    <m:sSub>
+                      <m:sSubPr>
+                        <m:ctrlPr>
+                          <a:rPr lang="en-US" i="1">
+                            <a:solidFill>
+                              <a:schemeClr val="tx1">
+                                <a:lumMod val="85000"/>
+                              </a:schemeClr>
+                            </a:solidFill>
+                          </a:rPr>
+                        </m:ctrlPr>
+                      </m:sSubPr>
+                      <m:e>
+                        <m:r>
+                          <a:rPr lang="en-US" i="1">
+                            <a:solidFill>
+                              <a:schemeClr val="tx1">
+                                <a:lumMod val="85000"/>
+                              </a:schemeClr>
+                            </a:solidFill>
+                          </a:rPr>
+                          <m:t>𝑣</m:t>
+                        </m:r>
+                      </m:e>
+                      <m:sub>
+                        <m:r>
+                          <a:rPr lang="en-US" i="1">
+                            <a:solidFill>
+                              <a:schemeClr val="tx1">
+                                <a:lumMod val="85000"/>
+                              </a:schemeClr>
+                            </a:solidFill>
+                          </a:rPr>
+                          <m:t>𝑗</m:t>
+                        </m:r>
+                      </m:sub>
+                    </m:sSub>
+                    <m:r>
+                      <a:rPr lang="en-US" i="1">
+                        <a:solidFill>
+                          <a:schemeClr val="tx1">
+                            <a:lumMod val="85000"/>
+                          </a:schemeClr>
+                        </a:solidFill>
+                      </a:rPr>
+                      <m:t>(</m:t>
+                    </m:r>
+                    <m:sSup>
+                      <m:sSupPr>
+                        <m:ctrlPr>
+                          <a:rPr lang="en-US" i="1">
+                            <a:solidFill>
+                              <a:schemeClr val="tx1">
+                                <a:lumMod val="85000"/>
+                              </a:schemeClr>
+                            </a:solidFill>
+                          </a:rPr>
+                        </m:ctrlPr>
+                      </m:sSupPr>
+                      <m:e>
+                        <m:r>
+                          <a:rPr lang="en-US" i="1">
+                            <a:solidFill>
+                              <a:schemeClr val="tx1">
+                                <a:lumMod val="85000"/>
+                              </a:schemeClr>
+                            </a:solidFill>
+                          </a:rPr>
+                          <m:t>𝑡</m:t>
+                        </m:r>
+                      </m:e>
+                      <m:sup>
+                        <m:r>
+                          <a:rPr lang="en-US" i="1">
+                            <a:solidFill>
+                              <a:schemeClr val="tx1">
+                                <a:lumMod val="85000"/>
+                              </a:schemeClr>
+                            </a:solidFill>
+                          </a:rPr>
+                          <m:t>′</m:t>
+                        </m:r>
+                      </m:sup>
+                    </m:sSup>
+                    <m:r>
+                      <a:rPr lang="en-US" i="1">
+                        <a:solidFill>
+                          <a:schemeClr val="tx1">
+                            <a:lumMod val="85000"/>
+                          </a:schemeClr>
+                        </a:solidFill>
+                      </a:rPr>
+                      <m:t>)−</m:t>
+                    </m:r>
+                    <m:sSub>
+                      <m:sSubPr>
+                        <m:ctrlPr>
+                          <a:rPr lang="en-US" i="1">
+                            <a:solidFill>
+                              <a:schemeClr val="tx1">
+                                <a:lumMod val="85000"/>
+                              </a:schemeClr>
+                            </a:solidFill>
+                          </a:rPr>
+                        </m:ctrlPr>
+                      </m:sSubPr>
+                      <m:e>
+                        <m:r>
+                          <a:rPr lang="en-US" i="1">
+                            <a:solidFill>
+                              <a:schemeClr val="tx1">
+                                <a:lumMod val="85000"/>
+                              </a:schemeClr>
+                            </a:solidFill>
+                          </a:rPr>
+                          <m:t>𝑣</m:t>
+                        </m:r>
+                      </m:e>
+                      <m:sub>
+                        <m:r>
+                          <a:rPr lang="en-US" i="1">
+                            <a:solidFill>
+                              <a:schemeClr val="tx1">
+                                <a:lumMod val="85000"/>
+                              </a:schemeClr>
+                            </a:solidFill>
+                          </a:rPr>
+                          <m:t>𝑗</m:t>
+                        </m:r>
+                      </m:sub>
+                    </m:sSub>
+                    <m:r>
+                      <a:rPr lang="en-US" i="1">
+                        <a:solidFill>
+                          <a:schemeClr val="tx1">
+                            <a:lumMod val="85000"/>
+                          </a:schemeClr>
+                        </a:solidFill>
+                      </a:rPr>
+                      <m:t>(</m:t>
+                    </m:r>
+                    <m:sSup>
+                      <m:sSupPr>
+                        <m:ctrlPr>
+                          <a:rPr lang="en-US" i="1">
+                            <a:solidFill>
+                              <a:schemeClr val="tx1">
+                                <a:lumMod val="85000"/>
+                              </a:schemeClr>
+                            </a:solidFill>
+                          </a:rPr>
+                        </m:ctrlPr>
+                      </m:sSupPr>
+                      <m:e>
+                        <m:r>
+                          <a:rPr lang="en-US" i="1">
+                            <a:solidFill>
+                              <a:schemeClr val="tx1">
+                                <a:lumMod val="85000"/>
+                              </a:schemeClr>
+                            </a:solidFill>
+                          </a:rPr>
+                          <m:t>𝑡</m:t>
+                        </m:r>
+                      </m:e>
+                      <m:sup>
+                        <m:r>
+                          <a:rPr lang="en-US" i="1">
+                            <a:solidFill>
+                              <a:schemeClr val="tx1">
+                                <a:lumMod val="85000"/>
+                              </a:schemeClr>
+                            </a:solidFill>
+                          </a:rPr>
+                          <m:t>′</m:t>
+                        </m:r>
+                      </m:sup>
+                    </m:sSup>
+                    <m:r>
+                      <a:rPr lang="en-US" i="1">
+                        <a:solidFill>
+                          <a:schemeClr val="tx1">
+                            <a:lumMod val="85000"/>
+                          </a:schemeClr>
+                        </a:solidFill>
+                      </a:rPr>
+                      <m:t>−1)= </m:t>
+                    </m:r>
+                    <m:r>
+                      <a:rPr lang="en-US" i="1">
+                        <a:solidFill>
+                          <a:schemeClr val="tx1">
+                            <a:lumMod val="85000"/>
+                          </a:schemeClr>
+                        </a:solidFill>
+                      </a:rPr>
+                      <m:t>𝑑𝑡</m:t>
+                    </m:r>
+                    <m:r>
+                      <a:rPr lang="en-US" i="1">
+                        <a:solidFill>
+                          <a:schemeClr val="tx1">
+                            <a:lumMod val="85000"/>
+                          </a:schemeClr>
+                        </a:solidFill>
+                      </a:rPr>
+                      <m:t>′</m:t>
+                    </m:r>
+                    <m:d>
+                      <m:dPr>
+                        <m:begChr m:val="["/>
+                        <m:endChr m:val="]"/>
+                        <m:ctrlPr>
+                          <a:rPr lang="en-US" i="1">
+                            <a:solidFill>
+                              <a:schemeClr val="tx1">
+                                <a:lumMod val="85000"/>
+                              </a:schemeClr>
+                            </a:solidFill>
+                          </a:rPr>
+                        </m:ctrlPr>
+                      </m:dPr>
+                      <m:e>
+                        <m:r>
+                          <a:rPr lang="en-US" i="1">
+                            <a:solidFill>
+                              <a:schemeClr val="tx1">
+                                <a:lumMod val="85000"/>
+                              </a:schemeClr>
+                            </a:solidFill>
+                          </a:rPr>
+                          <m:t> </m:t>
+                        </m:r>
+                        <m:sSub>
+                          <m:sSubPr>
+                            <m:ctrlPr>
+                              <a:rPr lang="en-US" i="1">
+                                <a:solidFill>
+                                  <a:schemeClr val="tx1">
+                                    <a:lumMod val="85000"/>
+                                  </a:schemeClr>
+                                </a:solidFill>
+                              </a:rPr>
+                            </m:ctrlPr>
+                          </m:sSubPr>
+                          <m:e>
+                            <m:r>
+                              <a:rPr lang="en-US" i="1">
+                                <a:solidFill>
+                                  <a:schemeClr val="tx1">
+                                    <a:lumMod val="85000"/>
+                                  </a:schemeClr>
+                                </a:solidFill>
+                              </a:rPr>
+                              <m:t>𝑣</m:t>
+                            </m:r>
+                          </m:e>
+                          <m:sub>
+                            <m:r>
+                              <a:rPr lang="en-US" i="1">
+                                <a:solidFill>
+                                  <a:schemeClr val="tx1">
+                                    <a:lumMod val="85000"/>
+                                  </a:schemeClr>
+                                </a:solidFill>
+                              </a:rPr>
+                              <m:t>𝑗</m:t>
+                            </m:r>
+                            <m:r>
+                              <a:rPr lang="en-US" i="1">
+                                <a:solidFill>
+                                  <a:schemeClr val="tx1">
+                                    <a:lumMod val="85000"/>
+                                  </a:schemeClr>
+                                </a:solidFill>
+                              </a:rPr>
+                              <m:t>−1</m:t>
+                            </m:r>
+                          </m:sub>
+                        </m:sSub>
+                        <m:d>
+                          <m:dPr>
+                            <m:ctrlPr>
+                              <a:rPr lang="en-US" i="1">
+                                <a:solidFill>
+                                  <a:schemeClr val="tx1">
+                                    <a:lumMod val="85000"/>
+                                  </a:schemeClr>
+                                </a:solidFill>
+                              </a:rPr>
+                            </m:ctrlPr>
+                          </m:dPr>
+                          <m:e>
+                            <m:r>
+                              <a:rPr lang="en-US" i="1">
+                                <a:solidFill>
+                                  <a:schemeClr val="tx1">
+                                    <a:lumMod val="85000"/>
+                                  </a:schemeClr>
+                                </a:solidFill>
+                              </a:rPr>
+                              <m:t>𝑡</m:t>
+                            </m:r>
+                            <m:r>
+                              <a:rPr lang="en-US" i="1">
+                                <a:solidFill>
+                                  <a:schemeClr val="tx1">
+                                    <a:lumMod val="85000"/>
+                                  </a:schemeClr>
+                                </a:solidFill>
+                              </a:rPr>
+                              <m:t>′</m:t>
+                            </m:r>
+                          </m:e>
+                        </m:d>
+                        <m:r>
+                          <a:rPr lang="en-US" i="1">
+                            <a:solidFill>
+                              <a:schemeClr val="tx1">
+                                <a:lumMod val="85000"/>
+                              </a:schemeClr>
+                            </a:solidFill>
+                          </a:rPr>
+                          <m:t> ]− </m:t>
+                        </m:r>
+                        <m:r>
+                          <a:rPr lang="en-US" i="1">
+                            <a:solidFill>
+                              <a:schemeClr val="tx1">
+                                <a:lumMod val="85000"/>
+                              </a:schemeClr>
+                            </a:solidFill>
+                          </a:rPr>
+                          <m:t>𝑑</m:t>
+                        </m:r>
+                        <m:sSup>
+                          <m:sSupPr>
+                            <m:ctrlPr>
+                              <a:rPr lang="en-US" i="1">
+                                <a:solidFill>
+                                  <a:schemeClr val="tx1">
+                                    <a:lumMod val="85000"/>
+                                  </a:schemeClr>
+                                </a:solidFill>
+                              </a:rPr>
+                            </m:ctrlPr>
+                          </m:sSupPr>
+                          <m:e>
+                            <m:r>
+                              <a:rPr lang="en-US" i="1">
+                                <a:solidFill>
+                                  <a:schemeClr val="tx1">
+                                    <a:lumMod val="85000"/>
+                                  </a:schemeClr>
+                                </a:solidFill>
+                              </a:rPr>
+                              <m:t>𝑡</m:t>
+                            </m:r>
+                          </m:e>
+                          <m:sup>
+                            <m:r>
+                              <a:rPr lang="en-US" i="1">
+                                <a:solidFill>
+                                  <a:schemeClr val="tx1">
+                                    <a:lumMod val="85000"/>
+                                  </a:schemeClr>
+                                </a:solidFill>
+                              </a:rPr>
+                              <m:t>′</m:t>
+                            </m:r>
+                          </m:sup>
+                        </m:sSup>
+                        <m:r>
+                          <a:rPr lang="en-US" i="1">
+                            <a:solidFill>
+                              <a:schemeClr val="tx1">
+                                <a:lumMod val="85000"/>
+                              </a:schemeClr>
+                            </a:solidFill>
+                          </a:rPr>
+                          <m:t>[ </m:t>
+                        </m:r>
+                        <m:sSub>
+                          <m:sSubPr>
+                            <m:ctrlPr>
+                              <a:rPr lang="en-US" i="1">
+                                <a:solidFill>
+                                  <a:schemeClr val="tx1">
+                                    <a:lumMod val="85000"/>
+                                  </a:schemeClr>
+                                </a:solidFill>
+                              </a:rPr>
+                            </m:ctrlPr>
+                          </m:sSubPr>
+                          <m:e>
+                            <m:r>
+                              <a:rPr lang="en-US" i="1">
+                                <a:solidFill>
+                                  <a:schemeClr val="tx1">
+                                    <a:lumMod val="85000"/>
+                                  </a:schemeClr>
+                                </a:solidFill>
+                              </a:rPr>
+                              <m:t>𝑣</m:t>
+                            </m:r>
+                          </m:e>
+                          <m:sub>
+                            <m:r>
+                              <a:rPr lang="en-US" i="1">
+                                <a:solidFill>
+                                  <a:schemeClr val="tx1">
+                                    <a:lumMod val="85000"/>
+                                  </a:schemeClr>
+                                </a:solidFill>
+                              </a:rPr>
+                              <m:t>𝑗</m:t>
+                            </m:r>
+                          </m:sub>
+                        </m:sSub>
+                        <m:d>
+                          <m:dPr>
+                            <m:ctrlPr>
+                              <a:rPr lang="en-US" i="1">
+                                <a:solidFill>
+                                  <a:schemeClr val="tx1">
+                                    <a:lumMod val="85000"/>
+                                  </a:schemeClr>
+                                </a:solidFill>
+                              </a:rPr>
+                            </m:ctrlPr>
+                          </m:dPr>
+                          <m:e>
+                            <m:r>
+                              <a:rPr lang="en-US" i="1">
+                                <a:solidFill>
+                                  <a:schemeClr val="tx1">
+                                    <a:lumMod val="85000"/>
+                                  </a:schemeClr>
+                                </a:solidFill>
+                              </a:rPr>
+                              <m:t>𝑡</m:t>
+                            </m:r>
+                            <m:r>
+                              <a:rPr lang="en-US" i="1">
+                                <a:solidFill>
+                                  <a:schemeClr val="tx1">
+                                    <a:lumMod val="85000"/>
+                                  </a:schemeClr>
+                                </a:solidFill>
+                              </a:rPr>
+                              <m:t>′</m:t>
+                            </m:r>
+                          </m:e>
+                        </m:d>
+                        <m:r>
+                          <a:rPr lang="en-US" i="1">
+                            <a:solidFill>
+                              <a:schemeClr val="tx1">
+                                <a:lumMod val="85000"/>
+                              </a:schemeClr>
+                            </a:solidFill>
+                          </a:rPr>
+                          <m:t> </m:t>
+                        </m:r>
+                      </m:e>
+                    </m:d>
+                  </m:oMath>
+                </a14:m>
+                <a:endParaRPr lang="en-US" dirty="0">
+                  <a:solidFill>
+                    <a:schemeClr val="tx1">
+                      <a:lumMod val="85000"/>
+                    </a:schemeClr>
+                  </a:solidFill>
+                </a:endParaRPr>
+              </a:p>
+              <a:p>
+                <a14:m>
+                  <m:oMath xmlns:m="http://schemas.openxmlformats.org/officeDocument/2006/math">
+                    <m:sSub>
+                      <m:sSubPr>
+                        <m:ctrlPr>
+                          <a:rPr lang="en-US" i="1">
+                            <a:solidFill>
+                              <a:schemeClr val="tx1">
+                                <a:lumMod val="85000"/>
+                              </a:schemeClr>
+                            </a:solidFill>
+                          </a:rPr>
+                        </m:ctrlPr>
+                      </m:sSubPr>
+                      <m:e>
+                        <m:d>
+                          <m:dPr>
+                            <m:ctrlPr>
+                              <a:rPr lang="en-US" i="1">
+                                <a:solidFill>
+                                  <a:schemeClr val="tx1">
+                                    <a:lumMod val="85000"/>
+                                  </a:schemeClr>
+                                </a:solidFill>
+                              </a:rPr>
+                            </m:ctrlPr>
+                          </m:dPr>
+                          <m:e>
+                            <m:r>
+                              <a:rPr lang="en-US" i="1">
+                                <a:solidFill>
+                                  <a:schemeClr val="tx1">
+                                    <a:lumMod val="85000"/>
+                                  </a:schemeClr>
+                                </a:solidFill>
+                              </a:rPr>
+                              <m:t>1+</m:t>
+                            </m:r>
+                            <m:r>
+                              <a:rPr lang="en-US" i="1">
+                                <a:solidFill>
+                                  <a:schemeClr val="tx1">
+                                    <a:lumMod val="85000"/>
+                                  </a:schemeClr>
+                                </a:solidFill>
+                              </a:rPr>
+                              <m:t>𝑑</m:t>
+                            </m:r>
+                            <m:sSup>
+                              <m:sSupPr>
+                                <m:ctrlPr>
+                                  <a:rPr lang="en-US" i="1">
+                                    <a:solidFill>
+                                      <a:schemeClr val="tx1">
+                                        <a:lumMod val="85000"/>
+                                      </a:schemeClr>
+                                    </a:solidFill>
+                                  </a:rPr>
+                                </m:ctrlPr>
+                              </m:sSupPr>
+                              <m:e>
+                                <m:r>
+                                  <a:rPr lang="en-US" i="1">
+                                    <a:solidFill>
+                                      <a:schemeClr val="tx1">
+                                        <a:lumMod val="85000"/>
+                                      </a:schemeClr>
+                                    </a:solidFill>
+                                  </a:rPr>
+                                  <m:t>𝑡</m:t>
+                                </m:r>
+                              </m:e>
+                              <m:sup>
+                                <m:r>
+                                  <a:rPr lang="en-US" i="1">
+                                    <a:solidFill>
+                                      <a:schemeClr val="tx1">
+                                        <a:lumMod val="85000"/>
+                                      </a:schemeClr>
+                                    </a:solidFill>
+                                  </a:rPr>
+                                  <m:t>′</m:t>
+                                </m:r>
+                              </m:sup>
+                            </m:sSup>
+                          </m:e>
+                        </m:d>
+                        <m:r>
+                          <a:rPr lang="en-US" i="1">
+                            <a:solidFill>
+                              <a:schemeClr val="tx1">
+                                <a:lumMod val="85000"/>
+                              </a:schemeClr>
+                            </a:solidFill>
+                          </a:rPr>
+                          <m:t> </m:t>
+                        </m:r>
+                        <m:r>
+                          <a:rPr lang="en-US" i="1">
+                            <a:solidFill>
+                              <a:schemeClr val="tx1">
+                                <a:lumMod val="85000"/>
+                              </a:schemeClr>
+                            </a:solidFill>
+                          </a:rPr>
+                          <m:t>𝑣</m:t>
+                        </m:r>
+                      </m:e>
+                      <m:sub>
+                        <m:r>
+                          <a:rPr lang="en-US" i="1">
+                            <a:solidFill>
+                              <a:schemeClr val="tx1">
+                                <a:lumMod val="85000"/>
+                              </a:schemeClr>
+                            </a:solidFill>
+                          </a:rPr>
+                          <m:t>𝑗</m:t>
+                        </m:r>
+                      </m:sub>
+                    </m:sSub>
+                    <m:r>
+                      <a:rPr lang="en-US" i="1">
+                        <a:solidFill>
+                          <a:schemeClr val="tx1">
+                            <a:lumMod val="85000"/>
+                          </a:schemeClr>
+                        </a:solidFill>
+                      </a:rPr>
+                      <m:t>(</m:t>
+                    </m:r>
+                    <m:sSup>
+                      <m:sSupPr>
+                        <m:ctrlPr>
+                          <a:rPr lang="en-US" i="1">
+                            <a:solidFill>
+                              <a:schemeClr val="tx1">
+                                <a:lumMod val="85000"/>
+                              </a:schemeClr>
+                            </a:solidFill>
+                          </a:rPr>
+                        </m:ctrlPr>
+                      </m:sSupPr>
+                      <m:e>
+                        <m:r>
+                          <a:rPr lang="en-US" i="1">
+                            <a:solidFill>
+                              <a:schemeClr val="tx1">
+                                <a:lumMod val="85000"/>
+                              </a:schemeClr>
+                            </a:solidFill>
+                          </a:rPr>
+                          <m:t>𝑡</m:t>
+                        </m:r>
+                      </m:e>
+                      <m:sup>
+                        <m:r>
+                          <a:rPr lang="en-US" i="1">
+                            <a:solidFill>
+                              <a:schemeClr val="tx1">
+                                <a:lumMod val="85000"/>
+                              </a:schemeClr>
+                            </a:solidFill>
+                          </a:rPr>
+                          <m:t>′</m:t>
+                        </m:r>
+                      </m:sup>
+                    </m:sSup>
+                    <m:r>
+                      <a:rPr lang="en-US" i="1">
+                        <a:solidFill>
+                          <a:schemeClr val="tx1">
+                            <a:lumMod val="85000"/>
+                          </a:schemeClr>
+                        </a:solidFill>
+                      </a:rPr>
+                      <m:t>)= </m:t>
+                    </m:r>
+                    <m:r>
+                      <a:rPr lang="en-US" i="1">
+                        <a:solidFill>
+                          <a:schemeClr val="tx1">
+                            <a:lumMod val="85000"/>
+                          </a:schemeClr>
+                        </a:solidFill>
+                      </a:rPr>
+                      <m:t>𝑑𝑡</m:t>
+                    </m:r>
+                    <m:r>
+                      <a:rPr lang="en-US" i="1">
+                        <a:solidFill>
+                          <a:schemeClr val="tx1">
+                            <a:lumMod val="85000"/>
+                          </a:schemeClr>
+                        </a:solidFill>
+                      </a:rPr>
+                      <m:t>′ [</m:t>
+                    </m:r>
+                    <m:sSub>
+                      <m:sSubPr>
+                        <m:ctrlPr>
+                          <a:rPr lang="en-US" i="1">
+                            <a:solidFill>
+                              <a:schemeClr val="tx1">
+                                <a:lumMod val="85000"/>
+                              </a:schemeClr>
+                            </a:solidFill>
+                          </a:rPr>
+                        </m:ctrlPr>
+                      </m:sSubPr>
+                      <m:e>
+                        <m:r>
+                          <a:rPr lang="en-US" i="1">
+                            <a:solidFill>
+                              <a:schemeClr val="tx1">
+                                <a:lumMod val="85000"/>
+                              </a:schemeClr>
+                            </a:solidFill>
+                          </a:rPr>
+                          <m:t>𝑣</m:t>
+                        </m:r>
+                      </m:e>
+                      <m:sub>
+                        <m:r>
+                          <a:rPr lang="en-US" i="1">
+                            <a:solidFill>
+                              <a:schemeClr val="tx1">
+                                <a:lumMod val="85000"/>
+                              </a:schemeClr>
+                            </a:solidFill>
+                          </a:rPr>
+                          <m:t>𝑗</m:t>
+                        </m:r>
+                        <m:r>
+                          <a:rPr lang="en-US" i="1">
+                            <a:solidFill>
+                              <a:schemeClr val="tx1">
+                                <a:lumMod val="85000"/>
+                              </a:schemeClr>
+                            </a:solidFill>
+                          </a:rPr>
+                          <m:t>−1</m:t>
+                        </m:r>
+                      </m:sub>
+                    </m:sSub>
+                    <m:d>
+                      <m:dPr>
+                        <m:ctrlPr>
+                          <a:rPr lang="en-US" i="1">
+                            <a:solidFill>
+                              <a:schemeClr val="tx1">
+                                <a:lumMod val="85000"/>
+                              </a:schemeClr>
+                            </a:solidFill>
+                          </a:rPr>
+                        </m:ctrlPr>
+                      </m:dPr>
+                      <m:e>
+                        <m:r>
+                          <a:rPr lang="en-US" i="1">
+                            <a:solidFill>
+                              <a:schemeClr val="tx1">
+                                <a:lumMod val="85000"/>
+                              </a:schemeClr>
+                            </a:solidFill>
+                          </a:rPr>
+                          <m:t>𝑡</m:t>
+                        </m:r>
+                        <m:r>
+                          <a:rPr lang="en-US" i="1">
+                            <a:solidFill>
+                              <a:schemeClr val="tx1">
+                                <a:lumMod val="85000"/>
+                              </a:schemeClr>
+                            </a:solidFill>
+                          </a:rPr>
+                          <m:t>′</m:t>
+                        </m:r>
+                      </m:e>
+                    </m:d>
+                    <m:r>
+                      <a:rPr lang="en-US" i="1">
+                        <a:solidFill>
+                          <a:schemeClr val="tx1">
+                            <a:lumMod val="85000"/>
+                          </a:schemeClr>
+                        </a:solidFill>
+                      </a:rPr>
+                      <m:t> ]+ </m:t>
+                    </m:r>
+                    <m:sSub>
+                      <m:sSubPr>
+                        <m:ctrlPr>
+                          <a:rPr lang="en-US" i="1">
+                            <a:solidFill>
+                              <a:schemeClr val="tx1">
+                                <a:lumMod val="85000"/>
+                              </a:schemeClr>
+                            </a:solidFill>
+                          </a:rPr>
+                        </m:ctrlPr>
+                      </m:sSubPr>
+                      <m:e>
+                        <m:r>
+                          <a:rPr lang="en-US" i="1">
+                            <a:solidFill>
+                              <a:schemeClr val="tx1">
+                                <a:lumMod val="85000"/>
+                              </a:schemeClr>
+                            </a:solidFill>
+                          </a:rPr>
+                          <m:t>𝑣</m:t>
+                        </m:r>
+                      </m:e>
+                      <m:sub>
+                        <m:r>
+                          <a:rPr lang="en-US" i="1">
+                            <a:solidFill>
+                              <a:schemeClr val="tx1">
+                                <a:lumMod val="85000"/>
+                              </a:schemeClr>
+                            </a:solidFill>
+                          </a:rPr>
+                          <m:t>𝑗</m:t>
+                        </m:r>
+                      </m:sub>
+                    </m:sSub>
+                    <m:r>
+                      <a:rPr lang="en-US" i="1">
+                        <a:solidFill>
+                          <a:schemeClr val="tx1">
+                            <a:lumMod val="85000"/>
+                          </a:schemeClr>
+                        </a:solidFill>
+                      </a:rPr>
+                      <m:t>(</m:t>
+                    </m:r>
+                    <m:sSup>
+                      <m:sSupPr>
+                        <m:ctrlPr>
+                          <a:rPr lang="en-US" i="1">
+                            <a:solidFill>
+                              <a:schemeClr val="tx1">
+                                <a:lumMod val="85000"/>
+                              </a:schemeClr>
+                            </a:solidFill>
+                          </a:rPr>
+                        </m:ctrlPr>
+                      </m:sSupPr>
+                      <m:e>
+                        <m:r>
+                          <a:rPr lang="en-US" i="1">
+                            <a:solidFill>
+                              <a:schemeClr val="tx1">
+                                <a:lumMod val="85000"/>
+                              </a:schemeClr>
+                            </a:solidFill>
+                          </a:rPr>
+                          <m:t>𝑡</m:t>
+                        </m:r>
+                      </m:e>
+                      <m:sup>
+                        <m:r>
+                          <a:rPr lang="en-US" i="1">
+                            <a:solidFill>
+                              <a:schemeClr val="tx1">
+                                <a:lumMod val="85000"/>
+                              </a:schemeClr>
+                            </a:solidFill>
+                          </a:rPr>
+                          <m:t>′</m:t>
+                        </m:r>
+                      </m:sup>
+                    </m:sSup>
+                    <m:r>
+                      <a:rPr lang="en-US" i="1">
+                        <a:solidFill>
+                          <a:schemeClr val="tx1">
+                            <a:lumMod val="85000"/>
+                          </a:schemeClr>
+                        </a:solidFill>
+                      </a:rPr>
+                      <m:t>−1)</m:t>
+                    </m:r>
+                  </m:oMath>
+                </a14:m>
+                <a:endParaRPr lang="en-US" dirty="0">
+                  <a:solidFill>
+                    <a:schemeClr val="tx1">
+                      <a:lumMod val="85000"/>
+                    </a:schemeClr>
+                  </a:solidFill>
+                </a:endParaRPr>
+              </a:p>
+              <a:p>
+                <a14:m>
+                  <m:oMath xmlns:m="http://schemas.openxmlformats.org/officeDocument/2006/math">
+                    <m:sSub>
+                      <m:sSubPr>
+                        <m:ctrlPr>
+                          <a:rPr lang="en-US" i="1">
+                            <a:solidFill>
+                              <a:schemeClr val="tx1">
+                                <a:lumMod val="85000"/>
+                              </a:schemeClr>
+                            </a:solidFill>
+                          </a:rPr>
+                        </m:ctrlPr>
+                      </m:sSubPr>
+                      <m:e>
+                        <m:r>
+                          <a:rPr lang="en-US" i="1">
+                            <a:solidFill>
+                              <a:schemeClr val="tx1">
+                                <a:lumMod val="85000"/>
+                              </a:schemeClr>
+                            </a:solidFill>
+                          </a:rPr>
+                          <m:t>𝑣</m:t>
+                        </m:r>
+                      </m:e>
+                      <m:sub>
+                        <m:r>
+                          <a:rPr lang="en-US" i="1">
+                            <a:solidFill>
+                              <a:schemeClr val="tx1">
+                                <a:lumMod val="85000"/>
+                              </a:schemeClr>
+                            </a:solidFill>
+                          </a:rPr>
+                          <m:t>𝑗</m:t>
+                        </m:r>
+                      </m:sub>
+                    </m:sSub>
+                    <m:r>
+                      <a:rPr lang="en-US" i="1">
+                        <a:solidFill>
+                          <a:schemeClr val="tx1">
+                            <a:lumMod val="85000"/>
+                          </a:schemeClr>
+                        </a:solidFill>
+                      </a:rPr>
+                      <m:t>(</m:t>
+                    </m:r>
+                    <m:sSup>
+                      <m:sSupPr>
+                        <m:ctrlPr>
+                          <a:rPr lang="en-US" i="1">
+                            <a:solidFill>
+                              <a:schemeClr val="tx1">
+                                <a:lumMod val="85000"/>
+                              </a:schemeClr>
+                            </a:solidFill>
+                          </a:rPr>
+                        </m:ctrlPr>
+                      </m:sSupPr>
+                      <m:e>
+                        <m:r>
+                          <a:rPr lang="en-US" i="1">
+                            <a:solidFill>
+                              <a:schemeClr val="tx1">
+                                <a:lumMod val="85000"/>
+                              </a:schemeClr>
+                            </a:solidFill>
+                          </a:rPr>
+                          <m:t>𝑡</m:t>
+                        </m:r>
+                      </m:e>
+                      <m:sup>
+                        <m:r>
+                          <a:rPr lang="en-US" i="1">
+                            <a:solidFill>
+                              <a:schemeClr val="tx1">
+                                <a:lumMod val="85000"/>
+                              </a:schemeClr>
+                            </a:solidFill>
+                          </a:rPr>
+                          <m:t>′</m:t>
+                        </m:r>
+                      </m:sup>
+                    </m:sSup>
+                    <m:r>
+                      <a:rPr lang="en-US" i="1">
+                        <a:solidFill>
+                          <a:schemeClr val="tx1">
+                            <a:lumMod val="85000"/>
+                          </a:schemeClr>
+                        </a:solidFill>
+                      </a:rPr>
+                      <m:t>)= </m:t>
+                    </m:r>
+                    <m:f>
+                      <m:fPr>
+                        <m:ctrlPr>
+                          <a:rPr lang="en-US" i="1">
+                            <a:solidFill>
+                              <a:schemeClr val="tx1">
+                                <a:lumMod val="85000"/>
+                              </a:schemeClr>
+                            </a:solidFill>
+                          </a:rPr>
+                        </m:ctrlPr>
+                      </m:fPr>
+                      <m:num>
+                        <m:sSub>
+                          <m:sSubPr>
+                            <m:ctrlPr>
+                              <a:rPr lang="en-US" i="1">
+                                <a:solidFill>
+                                  <a:schemeClr val="tx1">
+                                    <a:lumMod val="85000"/>
+                                  </a:schemeClr>
+                                </a:solidFill>
+                              </a:rPr>
+                            </m:ctrlPr>
+                          </m:sSubPr>
+                          <m:e>
+                            <m:r>
+                              <a:rPr lang="en-US" i="1">
+                                <a:solidFill>
+                                  <a:schemeClr val="tx1">
+                                    <a:lumMod val="85000"/>
+                                  </a:schemeClr>
+                                </a:solidFill>
+                              </a:rPr>
+                              <m:t>𝑣</m:t>
+                            </m:r>
+                          </m:e>
+                          <m:sub>
+                            <m:r>
+                              <a:rPr lang="en-US" i="1">
+                                <a:solidFill>
+                                  <a:schemeClr val="tx1">
+                                    <a:lumMod val="85000"/>
+                                  </a:schemeClr>
+                                </a:solidFill>
+                              </a:rPr>
+                              <m:t>𝑗</m:t>
+                            </m:r>
+                          </m:sub>
+                        </m:sSub>
+                        <m:r>
+                          <a:rPr lang="en-US" i="1">
+                            <a:solidFill>
+                              <a:schemeClr val="tx1">
+                                <a:lumMod val="85000"/>
+                              </a:schemeClr>
+                            </a:solidFill>
+                          </a:rPr>
+                          <m:t>(</m:t>
+                        </m:r>
+                        <m:sSup>
+                          <m:sSupPr>
+                            <m:ctrlPr>
+                              <a:rPr lang="en-US" i="1">
+                                <a:solidFill>
+                                  <a:schemeClr val="tx1">
+                                    <a:lumMod val="85000"/>
+                                  </a:schemeClr>
+                                </a:solidFill>
+                              </a:rPr>
+                            </m:ctrlPr>
+                          </m:sSupPr>
+                          <m:e>
+                            <m:r>
+                              <a:rPr lang="en-US" i="1">
+                                <a:solidFill>
+                                  <a:schemeClr val="tx1">
+                                    <a:lumMod val="85000"/>
+                                  </a:schemeClr>
+                                </a:solidFill>
+                              </a:rPr>
+                              <m:t>𝑡</m:t>
+                            </m:r>
+                          </m:e>
+                          <m:sup>
+                            <m:r>
+                              <a:rPr lang="en-US" i="1">
+                                <a:solidFill>
+                                  <a:schemeClr val="tx1">
+                                    <a:lumMod val="85000"/>
+                                  </a:schemeClr>
+                                </a:solidFill>
+                              </a:rPr>
+                              <m:t>′</m:t>
+                            </m:r>
+                          </m:sup>
+                        </m:sSup>
+                        <m:r>
+                          <a:rPr lang="en-US" i="1">
+                            <a:solidFill>
+                              <a:schemeClr val="tx1">
+                                <a:lumMod val="85000"/>
+                              </a:schemeClr>
+                            </a:solidFill>
+                          </a:rPr>
+                          <m:t>−1)− </m:t>
+                        </m:r>
+                        <m:r>
+                          <a:rPr lang="en-US" i="1">
+                            <a:solidFill>
+                              <a:schemeClr val="tx1">
+                                <a:lumMod val="85000"/>
+                              </a:schemeClr>
+                            </a:solidFill>
+                          </a:rPr>
+                          <m:t>𝑑𝑡</m:t>
+                        </m:r>
+                        <m:r>
+                          <a:rPr lang="en-US" i="1">
+                            <a:solidFill>
+                              <a:schemeClr val="tx1">
+                                <a:lumMod val="85000"/>
+                              </a:schemeClr>
+                            </a:solidFill>
+                          </a:rPr>
+                          <m:t>[</m:t>
+                        </m:r>
+                        <m:sSub>
+                          <m:sSubPr>
+                            <m:ctrlPr>
+                              <a:rPr lang="en-US" i="1">
+                                <a:solidFill>
+                                  <a:schemeClr val="tx1">
+                                    <a:lumMod val="85000"/>
+                                  </a:schemeClr>
+                                </a:solidFill>
+                              </a:rPr>
+                            </m:ctrlPr>
+                          </m:sSubPr>
+                          <m:e>
+                            <m:r>
+                              <a:rPr lang="en-US" i="1">
+                                <a:solidFill>
+                                  <a:schemeClr val="tx1">
+                                    <a:lumMod val="85000"/>
+                                  </a:schemeClr>
+                                </a:solidFill>
+                              </a:rPr>
+                              <m:t> </m:t>
+                            </m:r>
+                            <m:r>
+                              <a:rPr lang="en-US" i="1">
+                                <a:solidFill>
+                                  <a:schemeClr val="tx1">
+                                    <a:lumMod val="85000"/>
+                                  </a:schemeClr>
+                                </a:solidFill>
+                              </a:rPr>
+                              <m:t>𝑣</m:t>
+                            </m:r>
+                          </m:e>
+                          <m:sub>
+                            <m:r>
+                              <a:rPr lang="en-US" i="1">
+                                <a:solidFill>
+                                  <a:schemeClr val="tx1">
+                                    <a:lumMod val="85000"/>
+                                  </a:schemeClr>
+                                </a:solidFill>
+                              </a:rPr>
+                              <m:t>𝑗</m:t>
+                            </m:r>
+                            <m:r>
+                              <a:rPr lang="en-US" i="1">
+                                <a:solidFill>
+                                  <a:schemeClr val="tx1">
+                                    <a:lumMod val="85000"/>
+                                  </a:schemeClr>
+                                </a:solidFill>
+                              </a:rPr>
+                              <m:t>−1</m:t>
+                            </m:r>
+                          </m:sub>
+                        </m:sSub>
+                        <m:d>
+                          <m:dPr>
+                            <m:ctrlPr>
+                              <a:rPr lang="en-US" i="1">
+                                <a:solidFill>
+                                  <a:schemeClr val="tx1">
+                                    <a:lumMod val="85000"/>
+                                  </a:schemeClr>
+                                </a:solidFill>
+                              </a:rPr>
+                            </m:ctrlPr>
+                          </m:dPr>
+                          <m:e>
+                            <m:sSup>
+                              <m:sSupPr>
+                                <m:ctrlPr>
+                                  <a:rPr lang="en-US" i="1">
+                                    <a:solidFill>
+                                      <a:schemeClr val="tx1">
+                                        <a:lumMod val="85000"/>
+                                      </a:schemeClr>
+                                    </a:solidFill>
+                                  </a:rPr>
+                                </m:ctrlPr>
+                              </m:sSupPr>
+                              <m:e>
+                                <m:r>
+                                  <a:rPr lang="en-US" i="1">
+                                    <a:solidFill>
+                                      <a:schemeClr val="tx1">
+                                        <a:lumMod val="85000"/>
+                                      </a:schemeClr>
+                                    </a:solidFill>
+                                  </a:rPr>
+                                  <m:t>𝑡</m:t>
+                                </m:r>
+                              </m:e>
+                              <m:sup>
+                                <m:r>
+                                  <a:rPr lang="en-US" i="1">
+                                    <a:solidFill>
+                                      <a:schemeClr val="tx1">
+                                        <a:lumMod val="85000"/>
+                                      </a:schemeClr>
+                                    </a:solidFill>
+                                  </a:rPr>
+                                  <m:t>′</m:t>
+                                </m:r>
+                              </m:sup>
+                            </m:sSup>
+                          </m:e>
+                        </m:d>
+                        <m:r>
+                          <a:rPr lang="en-US" i="1">
+                            <a:solidFill>
+                              <a:schemeClr val="tx1">
+                                <a:lumMod val="85000"/>
+                              </a:schemeClr>
+                            </a:solidFill>
+                          </a:rPr>
+                          <m:t> ]</m:t>
+                        </m:r>
+                      </m:num>
+                      <m:den>
+                        <m:r>
+                          <a:rPr lang="en-US" i="1">
+                            <a:solidFill>
+                              <a:schemeClr val="tx1">
+                                <a:lumMod val="85000"/>
+                              </a:schemeClr>
+                            </a:solidFill>
+                          </a:rPr>
+                          <m:t>1+</m:t>
+                        </m:r>
+                        <m:r>
+                          <a:rPr lang="en-US" i="1">
+                            <a:solidFill>
+                              <a:schemeClr val="tx1">
+                                <a:lumMod val="85000"/>
+                              </a:schemeClr>
+                            </a:solidFill>
+                          </a:rPr>
+                          <m:t>𝑑𝑡</m:t>
+                        </m:r>
+                        <m:r>
+                          <a:rPr lang="en-US" i="1">
+                            <a:solidFill>
+                              <a:schemeClr val="tx1">
+                                <a:lumMod val="85000"/>
+                              </a:schemeClr>
+                            </a:solidFill>
+                          </a:rPr>
+                          <m:t>′</m:t>
+                        </m:r>
+                      </m:den>
+                    </m:f>
+                  </m:oMath>
+                </a14:m>
+                <a:r>
+                  <a:rPr lang="en-US" dirty="0">
+                    <a:solidFill>
+                      <a:schemeClr val="tx1">
+                        <a:lumMod val="85000"/>
+                      </a:schemeClr>
+                    </a:solidFill>
+                  </a:rPr>
+                  <a:t>					*Major Problem O(</a:t>
+                </a:r>
+                <a:r>
+                  <a:rPr lang="en-US" dirty="0" err="1">
+                    <a:solidFill>
+                      <a:schemeClr val="tx1">
+                        <a:lumMod val="85000"/>
+                      </a:schemeClr>
+                    </a:solidFill>
+                  </a:rPr>
+                  <a:t>dt</a:t>
+                </a:r>
+                <a:r>
+                  <a:rPr lang="en-US" dirty="0">
+                    <a:solidFill>
+                      <a:schemeClr val="tx1">
+                        <a:lumMod val="85000"/>
+                      </a:schemeClr>
+                    </a:solidFill>
+                  </a:rPr>
+                  <a:t>)				</a:t>
+                </a:r>
+              </a:p>
+            </p:txBody>
+          </p:sp>
+        </mc:Choice>
+        <mc:Fallback>
+          <p:sp>
+            <p:nvSpPr>
+              <p:cNvPr id="3" name="Content Placeholder 2">
+                <a:extLst>
+                  <a:ext uri="{FF2B5EF4-FFF2-40B4-BE49-F238E27FC236}">
+                    <a16:creationId xmlns:a16="http://schemas.microsoft.com/office/drawing/2014/main" id="{AD0E0B80-1D6B-45B9-993C-3FBE636BD09A}"/>
+                  </a:ext>
+                </a:extLst>
+              </p:cNvPr>
+              <p:cNvSpPr>
+                <a:spLocks noGrp="1" noRot="1" noChangeAspect="1" noMove="1" noResize="1" noEditPoints="1" noAdjustHandles="1" noChangeArrowheads="1" noChangeShapeType="1" noTextEdit="1"/>
+              </p:cNvSpPr>
+              <p:nvPr>
+                <p:ph idx="1"/>
+              </p:nvPr>
+            </p:nvSpPr>
+            <p:spPr>
+              <a:xfrm>
+                <a:off x="684212" y="685801"/>
+                <a:ext cx="8534400" cy="3801532"/>
+              </a:xfrm>
+              <a:blipFill>
+                <a:blip r:embed="rId2"/>
+                <a:stretch>
+                  <a:fillRect t="-963" b="-161"/>
+                </a:stretch>
+              </a:blipFill>
+            </p:spPr>
+            <p:txBody>
+              <a:bodyPr/>
+              <a:lstStyle/>
+              <a:p>
+                <a:r>
+                  <a:rPr lang="en-US">
+                    <a:noFill/>
+                  </a:rPr>
+                  <a:t> </a:t>
+                </a:r>
+              </a:p>
+            </p:txBody>
+          </p:sp>
+        </mc:Fallback>
+      </mc:AlternateContent>
+      <mc:AlternateContent xmlns:mc="http://schemas.openxmlformats.org/markup-compatibility/2006">
+        <mc:Choice xmlns:a14="http://schemas.microsoft.com/office/drawing/2010/main" Requires="a14">
+          <p:graphicFrame>
+            <p:nvGraphicFramePr>
+              <p:cNvPr id="4" name="Table 3">
+                <a:extLst>
+                  <a:ext uri="{FF2B5EF4-FFF2-40B4-BE49-F238E27FC236}">
+                    <a16:creationId xmlns:a16="http://schemas.microsoft.com/office/drawing/2014/main" id="{FF5909E2-A935-40E1-9919-CBF8DBA855CB}"/>
+                  </a:ext>
+                </a:extLst>
+              </p:cNvPr>
+              <p:cNvGraphicFramePr>
+                <a:graphicFrameLocks noGrp="1"/>
+              </p:cNvGraphicFramePr>
+              <p:nvPr>
+                <p:extLst>
+                  <p:ext uri="{D42A27DB-BD31-4B8C-83A1-F6EECF244321}">
+                    <p14:modId xmlns:p14="http://schemas.microsoft.com/office/powerpoint/2010/main" val="2828021780"/>
+                  </p:ext>
+                </p:extLst>
+              </p:nvPr>
+            </p:nvGraphicFramePr>
+            <p:xfrm>
+              <a:off x="6640286" y="975949"/>
+              <a:ext cx="3833767" cy="3095309"/>
+            </p:xfrm>
+            <a:graphic>
+              <a:graphicData uri="http://schemas.openxmlformats.org/drawingml/2006/table">
+                <a:tbl>
+                  <a:tblPr firstRow="1" firstCol="1" bandRow="1"/>
+                  <a:tblGrid>
+                    <a:gridCol w="1079426">
+                      <a:extLst>
+                        <a:ext uri="{9D8B030D-6E8A-4147-A177-3AD203B41FA5}">
+                          <a16:colId xmlns:a16="http://schemas.microsoft.com/office/drawing/2014/main" val="4259856381"/>
+                        </a:ext>
+                      </a:extLst>
+                    </a:gridCol>
+                    <a:gridCol w="2754341">
+                      <a:extLst>
+                        <a:ext uri="{9D8B030D-6E8A-4147-A177-3AD203B41FA5}">
+                          <a16:colId xmlns:a16="http://schemas.microsoft.com/office/drawing/2014/main" val="1471265585"/>
+                        </a:ext>
+                      </a:extLst>
+                    </a:gridCol>
+                  </a:tblGrid>
+                  <a:tr h="496410">
+                    <a:tc gridSpan="2">
+                      <a:txBody>
+                        <a:bodyPr/>
+                        <a:lstStyle/>
+                        <a:p>
+                          <a:pPr marL="0" marR="0" algn="ctr">
+                            <a:lnSpc>
+                              <a:spcPct val="107000"/>
+                            </a:lnSpc>
+                            <a:spcBef>
+                              <a:spcPts val="0"/>
+                            </a:spcBef>
+                            <a:spcAft>
+                              <a:spcPts val="0"/>
+                            </a:spcAft>
+                          </a:pPr>
+                          <a:r>
+                            <a:rPr lang="en-US" sz="1100" dirty="0">
+                              <a:effectLst/>
+                              <a:latin typeface="Times New Roman" panose="02020603050405020304" pitchFamily="18" charset="0"/>
+                              <a:ea typeface="Times New Roman" panose="02020603050405020304" pitchFamily="18" charset="0"/>
+                              <a:cs typeface="Times New Roman" panose="02020603050405020304" pitchFamily="18" charset="0"/>
+                            </a:rPr>
+                            <a:t>Legend of Symbols</a:t>
+                          </a:r>
+                          <a:endParaRPr lang="en-US" sz="1100" dirty="0">
+                            <a:effectLst/>
+                            <a:latin typeface="Calibri" panose="020F0502020204030204" pitchFamily="34" charset="0"/>
+                            <a:ea typeface="Calibri" panose="020F0502020204030204" pitchFamily="34" charset="0"/>
+                            <a:cs typeface="Times New Roman" panose="02020603050405020304" pitchFamily="18" charset="0"/>
+                          </a:endParaRPr>
+                        </a:p>
+                      </a:txBody>
+                      <a:tcPr marL="68580" marR="68580" marT="0" marB="0" anchor="ctr">
+                        <a:lnL w="12700" cap="flat" cmpd="sng" algn="ctr">
+                          <a:solidFill>
+                            <a:srgbClr val="000000"/>
+                          </a:solidFill>
+                          <a:prstDash val="solid"/>
+                          <a:round/>
+                          <a:headEnd type="none" w="med" len="med"/>
+                          <a:tailEnd type="none" w="med" len="med"/>
+                        </a:lnL>
+                        <a:lnR w="12700" cap="flat" cmpd="sng" algn="ctr">
+                          <a:solidFill>
+                            <a:srgbClr val="000000"/>
+                          </a:solidFill>
+                          <a:prstDash val="solid"/>
+                          <a:round/>
+                          <a:headEnd type="none" w="med" len="med"/>
+                          <a:tailEnd type="none" w="med" len="med"/>
+                        </a:lnR>
+                        <a:lnT w="12700" cap="flat" cmpd="sng" algn="ctr">
+                          <a:solidFill>
+                            <a:srgbClr val="000000"/>
+                          </a:solidFill>
+                          <a:prstDash val="solid"/>
+                          <a:round/>
+                          <a:headEnd type="none" w="med" len="med"/>
+                          <a:tailEnd type="none" w="med" len="med"/>
+                        </a:lnT>
+                        <a:lnB w="12700" cap="flat" cmpd="sng" algn="ctr">
+                          <a:solidFill>
+                            <a:srgbClr val="000000"/>
+                          </a:solidFill>
+                          <a:prstDash val="solid"/>
+                          <a:round/>
+                          <a:headEnd type="none" w="med" len="med"/>
+                          <a:tailEnd type="none" w="med" len="med"/>
+                        </a:lnB>
+                      </a:tcPr>
+                    </a:tc>
+                    <a:tc hMerge="1">
+                      <a:txBody>
+                        <a:bodyPr/>
+                        <a:lstStyle/>
+                        <a:p>
+                          <a:endParaRPr lang="en-US"/>
+                        </a:p>
+                      </a:txBody>
+                      <a:tcPr/>
+                    </a:tc>
+                    <a:extLst>
+                      <a:ext uri="{0D108BD9-81ED-4DB2-BD59-A6C34878D82A}">
+                        <a16:rowId xmlns:a16="http://schemas.microsoft.com/office/drawing/2014/main" val="1202828"/>
+                      </a:ext>
+                    </a:extLst>
+                  </a:tr>
+                  <a:tr h="956444">
+                    <a:tc>
+                      <a:txBody>
+                        <a:bodyPr/>
+                        <a:lstStyle/>
+                        <a:p>
+                          <a:pPr marL="0" marR="0" algn="ctr">
+                            <a:lnSpc>
+                              <a:spcPct val="107000"/>
+                            </a:lnSpc>
+                            <a:spcBef>
+                              <a:spcPts val="0"/>
+                            </a:spcBef>
+                            <a:spcAft>
+                              <a:spcPts val="0"/>
+                            </a:spcAft>
+                          </a:pPr>
+                          <a14:m>
+                            <m:oMathPara xmlns:m="http://schemas.openxmlformats.org/officeDocument/2006/math">
+                              <m:oMathParaPr>
+                                <m:jc m:val="centerGroup"/>
+                              </m:oMathParaPr>
+                              <m:oMath xmlns:m="http://schemas.openxmlformats.org/officeDocument/2006/math">
+                                <m:f>
+                                  <m:fPr>
+                                    <m:ctrlPr>
+                                      <a:rPr lang="en-US" sz="1100" i="1">
+                                        <a:effectLst/>
+                                        <a:latin typeface="Cambria Math" panose="02040503050406030204" pitchFamily="18" charset="0"/>
+                                        <a:ea typeface="Times New Roman" panose="02020603050405020304" pitchFamily="18" charset="0"/>
+                                        <a:cs typeface="Times New Roman" panose="02020603050405020304" pitchFamily="18" charset="0"/>
+                                      </a:rPr>
+                                    </m:ctrlPr>
+                                  </m:fPr>
+                                  <m:num>
+                                    <m:sSub>
+                                      <m:sSubPr>
+                                        <m:ctrlPr>
+                                          <a:rPr lang="en-US" sz="1100" i="1">
+                                            <a:effectLst/>
+                                            <a:latin typeface="Cambria Math" panose="02040503050406030204" pitchFamily="18" charset="0"/>
+                                            <a:ea typeface="Times New Roman" panose="02020603050405020304" pitchFamily="18" charset="0"/>
+                                            <a:cs typeface="Times New Roman" panose="02020603050405020304" pitchFamily="18" charset="0"/>
+                                          </a:rPr>
+                                        </m:ctrlPr>
+                                      </m:sSubPr>
+                                      <m:e>
+                                        <m:r>
+                                          <a:rPr lang="en-US" sz="1100" i="1">
+                                            <a:effectLst/>
+                                            <a:latin typeface="Cambria Math" panose="02040503050406030204" pitchFamily="18" charset="0"/>
+                                            <a:ea typeface="Times New Roman" panose="02020603050405020304" pitchFamily="18" charset="0"/>
+                                            <a:cs typeface="Times New Roman" panose="02020603050405020304" pitchFamily="18" charset="0"/>
+                                          </a:rPr>
+                                          <m:t>𝑑𝑣</m:t>
+                                        </m:r>
+                                      </m:e>
+                                      <m:sub>
+                                        <m:r>
+                                          <a:rPr lang="en-US" sz="1100" i="1">
+                                            <a:effectLst/>
+                                            <a:latin typeface="Cambria Math" panose="02040503050406030204" pitchFamily="18" charset="0"/>
+                                            <a:ea typeface="Times New Roman" panose="02020603050405020304" pitchFamily="18" charset="0"/>
+                                            <a:cs typeface="Times New Roman" panose="02020603050405020304" pitchFamily="18" charset="0"/>
+                                          </a:rPr>
+                                          <m:t>𝑗</m:t>
+                                        </m:r>
+                                      </m:sub>
+                                    </m:sSub>
+                                  </m:num>
+                                  <m:den>
+                                    <m:r>
+                                      <a:rPr lang="en-US" sz="1100" i="1">
+                                        <a:effectLst/>
+                                        <a:latin typeface="Cambria Math" panose="02040503050406030204" pitchFamily="18" charset="0"/>
+                                        <a:ea typeface="Times New Roman" panose="02020603050405020304" pitchFamily="18" charset="0"/>
+                                        <a:cs typeface="Times New Roman" panose="02020603050405020304" pitchFamily="18" charset="0"/>
+                                      </a:rPr>
+                                      <m:t>𝑑𝑡</m:t>
+                                    </m:r>
+                                  </m:den>
+                                </m:f>
+                              </m:oMath>
+                            </m:oMathPara>
+                          </a14:m>
+                          <a:endParaRPr lang="en-US" sz="1100">
+                            <a:effectLst/>
+                            <a:latin typeface="Calibri" panose="020F0502020204030204" pitchFamily="34" charset="0"/>
+                            <a:ea typeface="Calibri" panose="020F0502020204030204" pitchFamily="34" charset="0"/>
+                            <a:cs typeface="Times New Roman" panose="02020603050405020304" pitchFamily="18" charset="0"/>
+                          </a:endParaRPr>
+                        </a:p>
+                      </a:txBody>
+                      <a:tcPr marL="68580" marR="68580" marT="0" marB="0" anchor="ctr">
+                        <a:lnL w="12700" cap="flat" cmpd="sng" algn="ctr">
+                          <a:solidFill>
+                            <a:srgbClr val="000000"/>
+                          </a:solidFill>
+                          <a:prstDash val="solid"/>
+                          <a:round/>
+                          <a:headEnd type="none" w="med" len="med"/>
+                          <a:tailEnd type="none" w="med" len="med"/>
+                        </a:lnL>
+                        <a:lnR w="12700" cap="flat" cmpd="sng" algn="ctr">
+                          <a:solidFill>
+                            <a:srgbClr val="000000"/>
+                          </a:solidFill>
+                          <a:prstDash val="solid"/>
+                          <a:round/>
+                          <a:headEnd type="none" w="med" len="med"/>
+                          <a:tailEnd type="none" w="med" len="med"/>
+                        </a:lnR>
+                        <a:lnT w="12700" cap="flat" cmpd="sng" algn="ctr">
+                          <a:solidFill>
+                            <a:srgbClr val="000000"/>
+                          </a:solidFill>
+                          <a:prstDash val="solid"/>
+                          <a:round/>
+                          <a:headEnd type="none" w="med" len="med"/>
+                          <a:tailEnd type="none" w="med" len="med"/>
+                        </a:lnT>
+                        <a:lnB w="12700" cap="flat" cmpd="sng" algn="ctr">
+                          <a:solidFill>
+                            <a:srgbClr val="000000"/>
+                          </a:solidFill>
+                          <a:prstDash val="solid"/>
+                          <a:round/>
+                          <a:headEnd type="none" w="med" len="med"/>
+                          <a:tailEnd type="none" w="med" len="med"/>
+                        </a:lnB>
+                      </a:tcPr>
+                    </a:tc>
+                    <a:tc>
+                      <a:txBody>
+                        <a:bodyPr/>
+                        <a:lstStyle/>
+                        <a:p>
+                          <a:pPr marL="0" marR="0" algn="ctr">
+                            <a:lnSpc>
+                              <a:spcPct val="107000"/>
+                            </a:lnSpc>
+                            <a:spcBef>
+                              <a:spcPts val="0"/>
+                            </a:spcBef>
+                            <a:spcAft>
+                              <a:spcPts val="0"/>
+                            </a:spcAft>
+                          </a:pPr>
+                          <a:r>
+                            <a:rPr lang="en-US" sz="1100">
+                              <a:effectLst/>
+                              <a:latin typeface="Times New Roman" panose="02020603050405020304" pitchFamily="18" charset="0"/>
+                              <a:ea typeface="Times New Roman" panose="02020603050405020304" pitchFamily="18" charset="0"/>
+                              <a:cs typeface="Times New Roman" panose="02020603050405020304" pitchFamily="18" charset="0"/>
+                            </a:rPr>
+                            <a:t>Acceleration of the jth vehicle</a:t>
+                          </a:r>
+                          <a:endParaRPr lang="en-US" sz="1100">
+                            <a:effectLst/>
+                            <a:latin typeface="Calibri" panose="020F0502020204030204" pitchFamily="34" charset="0"/>
+                            <a:ea typeface="Calibri" panose="020F0502020204030204" pitchFamily="34" charset="0"/>
+                            <a:cs typeface="Times New Roman" panose="02020603050405020304" pitchFamily="18" charset="0"/>
+                          </a:endParaRPr>
+                        </a:p>
+                      </a:txBody>
+                      <a:tcPr marL="68580" marR="68580" marT="0" marB="0" anchor="ctr">
+                        <a:lnL w="12700" cap="flat" cmpd="sng" algn="ctr">
+                          <a:solidFill>
+                            <a:srgbClr val="000000"/>
+                          </a:solidFill>
+                          <a:prstDash val="solid"/>
+                          <a:round/>
+                          <a:headEnd type="none" w="med" len="med"/>
+                          <a:tailEnd type="none" w="med" len="med"/>
+                        </a:lnL>
+                        <a:lnR w="12700" cap="flat" cmpd="sng" algn="ctr">
+                          <a:solidFill>
+                            <a:srgbClr val="000000"/>
+                          </a:solidFill>
+                          <a:prstDash val="solid"/>
+                          <a:round/>
+                          <a:headEnd type="none" w="med" len="med"/>
+                          <a:tailEnd type="none" w="med" len="med"/>
+                        </a:lnR>
+                        <a:lnT w="12700" cap="flat" cmpd="sng" algn="ctr">
+                          <a:solidFill>
+                            <a:srgbClr val="000000"/>
+                          </a:solidFill>
+                          <a:prstDash val="solid"/>
+                          <a:round/>
+                          <a:headEnd type="none" w="med" len="med"/>
+                          <a:tailEnd type="none" w="med" len="med"/>
+                        </a:lnT>
+                        <a:lnB w="12700" cap="flat" cmpd="sng" algn="ctr">
+                          <a:solidFill>
+                            <a:srgbClr val="000000"/>
+                          </a:solidFill>
+                          <a:prstDash val="solid"/>
+                          <a:round/>
+                          <a:headEnd type="none" w="med" len="med"/>
+                          <a:tailEnd type="none" w="med" len="med"/>
+                        </a:lnB>
+                      </a:tcPr>
+                    </a:tc>
+                    <a:extLst>
+                      <a:ext uri="{0D108BD9-81ED-4DB2-BD59-A6C34878D82A}">
+                        <a16:rowId xmlns:a16="http://schemas.microsoft.com/office/drawing/2014/main" val="4120074399"/>
+                      </a:ext>
+                    </a:extLst>
+                  </a:tr>
+                  <a:tr h="496410">
+                    <a:tc>
+                      <a:txBody>
+                        <a:bodyPr/>
+                        <a:lstStyle/>
+                        <a:p>
+                          <a:pPr marL="0" marR="0" algn="ctr">
+                            <a:lnSpc>
+                              <a:spcPct val="107000"/>
+                            </a:lnSpc>
+                            <a:spcBef>
+                              <a:spcPts val="0"/>
+                            </a:spcBef>
+                            <a:spcAft>
+                              <a:spcPts val="0"/>
+                            </a:spcAft>
+                          </a:pPr>
+                          <a14:m>
+                            <m:oMathPara xmlns:m="http://schemas.openxmlformats.org/officeDocument/2006/math">
+                              <m:oMathParaPr>
+                                <m:jc m:val="centerGroup"/>
+                              </m:oMathParaPr>
+                              <m:oMath xmlns:m="http://schemas.openxmlformats.org/officeDocument/2006/math">
+                                <m:r>
+                                  <a:rPr lang="en-US" sz="1100" i="1">
+                                    <a:effectLst/>
+                                    <a:latin typeface="Cambria Math" panose="02040503050406030204" pitchFamily="18" charset="0"/>
+                                    <a:ea typeface="Times New Roman" panose="02020603050405020304" pitchFamily="18" charset="0"/>
+                                    <a:cs typeface="Times New Roman" panose="02020603050405020304" pitchFamily="18" charset="0"/>
+                                  </a:rPr>
+                                  <m:t>𝜆</m:t>
+                                </m:r>
+                              </m:oMath>
+                            </m:oMathPara>
+                          </a14:m>
+                          <a:endParaRPr lang="en-US" sz="1100">
+                            <a:effectLst/>
+                            <a:latin typeface="Calibri" panose="020F0502020204030204" pitchFamily="34" charset="0"/>
+                            <a:ea typeface="Calibri" panose="020F0502020204030204" pitchFamily="34" charset="0"/>
+                            <a:cs typeface="Times New Roman" panose="02020603050405020304" pitchFamily="18" charset="0"/>
+                          </a:endParaRPr>
+                        </a:p>
+                      </a:txBody>
+                      <a:tcPr marL="68580" marR="68580" marT="0" marB="0" anchor="ctr">
+                        <a:lnL w="12700" cap="flat" cmpd="sng" algn="ctr">
+                          <a:solidFill>
+                            <a:srgbClr val="000000"/>
+                          </a:solidFill>
+                          <a:prstDash val="solid"/>
+                          <a:round/>
+                          <a:headEnd type="none" w="med" len="med"/>
+                          <a:tailEnd type="none" w="med" len="med"/>
+                        </a:lnL>
+                        <a:lnR w="12700" cap="flat" cmpd="sng" algn="ctr">
+                          <a:solidFill>
+                            <a:srgbClr val="000000"/>
+                          </a:solidFill>
+                          <a:prstDash val="solid"/>
+                          <a:round/>
+                          <a:headEnd type="none" w="med" len="med"/>
+                          <a:tailEnd type="none" w="med" len="med"/>
+                        </a:lnR>
+                        <a:lnT w="12700" cap="flat" cmpd="sng" algn="ctr">
+                          <a:solidFill>
+                            <a:srgbClr val="000000"/>
+                          </a:solidFill>
+                          <a:prstDash val="solid"/>
+                          <a:round/>
+                          <a:headEnd type="none" w="med" len="med"/>
+                          <a:tailEnd type="none" w="med" len="med"/>
+                        </a:lnT>
+                        <a:lnB w="12700" cap="flat" cmpd="sng" algn="ctr">
+                          <a:solidFill>
+                            <a:srgbClr val="000000"/>
+                          </a:solidFill>
+                          <a:prstDash val="solid"/>
+                          <a:round/>
+                          <a:headEnd type="none" w="med" len="med"/>
+                          <a:tailEnd type="none" w="med" len="med"/>
+                        </a:lnB>
+                      </a:tcPr>
+                    </a:tc>
+                    <a:tc>
+                      <a:txBody>
+                        <a:bodyPr/>
+                        <a:lstStyle/>
+                        <a:p>
+                          <a:pPr marL="0" marR="0" algn="ctr">
+                            <a:lnSpc>
+                              <a:spcPct val="107000"/>
+                            </a:lnSpc>
+                            <a:spcBef>
+                              <a:spcPts val="0"/>
+                            </a:spcBef>
+                            <a:spcAft>
+                              <a:spcPts val="0"/>
+                            </a:spcAft>
+                          </a:pPr>
+                          <a:r>
+                            <a:rPr lang="en-US" sz="1100">
+                              <a:effectLst/>
+                              <a:latin typeface="Times New Roman" panose="02020603050405020304" pitchFamily="18" charset="0"/>
+                              <a:ea typeface="Times New Roman" panose="02020603050405020304" pitchFamily="18" charset="0"/>
+                              <a:cs typeface="Times New Roman" panose="02020603050405020304" pitchFamily="18" charset="0"/>
+                            </a:rPr>
+                            <a:t>Constant that user defines</a:t>
+                          </a:r>
+                          <a:endParaRPr lang="en-US" sz="1100">
+                            <a:effectLst/>
+                            <a:latin typeface="Calibri" panose="020F0502020204030204" pitchFamily="34" charset="0"/>
+                            <a:ea typeface="Calibri" panose="020F0502020204030204" pitchFamily="34" charset="0"/>
+                            <a:cs typeface="Times New Roman" panose="02020603050405020304" pitchFamily="18" charset="0"/>
+                          </a:endParaRPr>
+                        </a:p>
+                      </a:txBody>
+                      <a:tcPr marL="68580" marR="68580" marT="0" marB="0" anchor="ctr">
+                        <a:lnL w="12700" cap="flat" cmpd="sng" algn="ctr">
+                          <a:solidFill>
+                            <a:srgbClr val="000000"/>
+                          </a:solidFill>
+                          <a:prstDash val="solid"/>
+                          <a:round/>
+                          <a:headEnd type="none" w="med" len="med"/>
+                          <a:tailEnd type="none" w="med" len="med"/>
+                        </a:lnL>
+                        <a:lnR w="12700" cap="flat" cmpd="sng" algn="ctr">
+                          <a:solidFill>
+                            <a:srgbClr val="000000"/>
+                          </a:solidFill>
+                          <a:prstDash val="solid"/>
+                          <a:round/>
+                          <a:headEnd type="none" w="med" len="med"/>
+                          <a:tailEnd type="none" w="med" len="med"/>
+                        </a:lnR>
+                        <a:lnT w="12700" cap="flat" cmpd="sng" algn="ctr">
+                          <a:solidFill>
+                            <a:srgbClr val="000000"/>
+                          </a:solidFill>
+                          <a:prstDash val="solid"/>
+                          <a:round/>
+                          <a:headEnd type="none" w="med" len="med"/>
+                          <a:tailEnd type="none" w="med" len="med"/>
+                        </a:lnT>
+                        <a:lnB w="12700" cap="flat" cmpd="sng" algn="ctr">
+                          <a:solidFill>
+                            <a:srgbClr val="000000"/>
+                          </a:solidFill>
+                          <a:prstDash val="solid"/>
+                          <a:round/>
+                          <a:headEnd type="none" w="med" len="med"/>
+                          <a:tailEnd type="none" w="med" len="med"/>
+                        </a:lnB>
+                      </a:tcPr>
+                    </a:tc>
+                    <a:extLst>
+                      <a:ext uri="{0D108BD9-81ED-4DB2-BD59-A6C34878D82A}">
+                        <a16:rowId xmlns:a16="http://schemas.microsoft.com/office/drawing/2014/main" val="3407059974"/>
+                      </a:ext>
+                    </a:extLst>
+                  </a:tr>
+                  <a:tr h="609748">
+                    <a:tc>
+                      <a:txBody>
+                        <a:bodyPr/>
+                        <a:lstStyle/>
+                        <a:p>
+                          <a:pPr marL="0" marR="0" algn="ctr">
+                            <a:lnSpc>
+                              <a:spcPct val="107000"/>
+                            </a:lnSpc>
+                            <a:spcBef>
+                              <a:spcPts val="0"/>
+                            </a:spcBef>
+                            <a:spcAft>
+                              <a:spcPts val="0"/>
+                            </a:spcAft>
+                          </a:pPr>
+                          <a14:m>
+                            <m:oMathPara xmlns:m="http://schemas.openxmlformats.org/officeDocument/2006/math">
+                              <m:oMathParaPr>
+                                <m:jc m:val="centerGroup"/>
+                              </m:oMathParaPr>
+                              <m:oMath xmlns:m="http://schemas.openxmlformats.org/officeDocument/2006/math">
+                                <m:sSub>
+                                  <m:sSubPr>
+                                    <m:ctrlPr>
+                                      <a:rPr lang="en-US" sz="1100" i="1">
+                                        <a:effectLst/>
+                                        <a:latin typeface="Cambria Math" panose="02040503050406030204" pitchFamily="18" charset="0"/>
+                                        <a:ea typeface="Times New Roman" panose="02020603050405020304" pitchFamily="18" charset="0"/>
+                                        <a:cs typeface="Times New Roman" panose="02020603050405020304" pitchFamily="18" charset="0"/>
+                                      </a:rPr>
+                                    </m:ctrlPr>
+                                  </m:sSubPr>
+                                  <m:e>
+                                    <m:r>
+                                      <a:rPr lang="en-US" sz="1100" i="1">
+                                        <a:effectLst/>
+                                        <a:latin typeface="Cambria Math" panose="02040503050406030204" pitchFamily="18" charset="0"/>
+                                        <a:ea typeface="Times New Roman" panose="02020603050405020304" pitchFamily="18" charset="0"/>
+                                        <a:cs typeface="Times New Roman" panose="02020603050405020304" pitchFamily="18" charset="0"/>
+                                      </a:rPr>
+                                      <m:t>𝑣</m:t>
+                                    </m:r>
+                                  </m:e>
+                                  <m:sub>
+                                    <m:r>
+                                      <a:rPr lang="en-US" sz="1100" i="1">
+                                        <a:effectLst/>
+                                        <a:latin typeface="Cambria Math" panose="02040503050406030204" pitchFamily="18" charset="0"/>
+                                        <a:ea typeface="Times New Roman" panose="02020603050405020304" pitchFamily="18" charset="0"/>
+                                        <a:cs typeface="Times New Roman" panose="02020603050405020304" pitchFamily="18" charset="0"/>
+                                      </a:rPr>
+                                      <m:t>𝑗</m:t>
+                                    </m:r>
+                                    <m:r>
+                                      <a:rPr lang="en-US" sz="1100" i="1">
+                                        <a:effectLst/>
+                                        <a:latin typeface="Cambria Math" panose="02040503050406030204" pitchFamily="18" charset="0"/>
+                                        <a:ea typeface="Times New Roman" panose="02020603050405020304" pitchFamily="18" charset="0"/>
+                                        <a:cs typeface="Times New Roman" panose="02020603050405020304" pitchFamily="18" charset="0"/>
+                                      </a:rPr>
+                                      <m:t>−1</m:t>
+                                    </m:r>
+                                  </m:sub>
+                                </m:sSub>
+                                <m:r>
+                                  <a:rPr lang="en-US" sz="1100" i="1">
+                                    <a:effectLst/>
+                                    <a:latin typeface="Cambria Math" panose="02040503050406030204" pitchFamily="18" charset="0"/>
+                                    <a:ea typeface="Times New Roman" panose="02020603050405020304" pitchFamily="18" charset="0"/>
+                                    <a:cs typeface="Times New Roman" panose="02020603050405020304" pitchFamily="18" charset="0"/>
+                                  </a:rPr>
+                                  <m:t>(</m:t>
+                                </m:r>
+                                <m:r>
+                                  <a:rPr lang="en-US" sz="1100" i="1">
+                                    <a:effectLst/>
+                                    <a:latin typeface="Cambria Math" panose="02040503050406030204" pitchFamily="18" charset="0"/>
+                                    <a:ea typeface="Times New Roman" panose="02020603050405020304" pitchFamily="18" charset="0"/>
+                                    <a:cs typeface="Times New Roman" panose="02020603050405020304" pitchFamily="18" charset="0"/>
+                                  </a:rPr>
+                                  <m:t>𝑡</m:t>
+                                </m:r>
+                                <m:r>
+                                  <a:rPr lang="en-US" sz="1100" i="1">
+                                    <a:effectLst/>
+                                    <a:latin typeface="Cambria Math" panose="02040503050406030204" pitchFamily="18" charset="0"/>
+                                    <a:ea typeface="Times New Roman" panose="02020603050405020304" pitchFamily="18" charset="0"/>
+                                    <a:cs typeface="Times New Roman" panose="02020603050405020304" pitchFamily="18" charset="0"/>
+                                  </a:rPr>
+                                  <m:t>)</m:t>
+                                </m:r>
+                              </m:oMath>
+                            </m:oMathPara>
+                          </a14:m>
+                          <a:endParaRPr lang="en-US" sz="1100">
+                            <a:effectLst/>
+                            <a:latin typeface="Calibri" panose="020F0502020204030204" pitchFamily="34" charset="0"/>
+                            <a:ea typeface="Calibri" panose="020F0502020204030204" pitchFamily="34" charset="0"/>
+                            <a:cs typeface="Times New Roman" panose="02020603050405020304" pitchFamily="18" charset="0"/>
+                          </a:endParaRPr>
+                        </a:p>
+                      </a:txBody>
+                      <a:tcPr marL="68580" marR="68580" marT="0" marB="0" anchor="ctr">
+                        <a:lnL w="12700" cap="flat" cmpd="sng" algn="ctr">
+                          <a:solidFill>
+                            <a:srgbClr val="000000"/>
+                          </a:solidFill>
+                          <a:prstDash val="solid"/>
+                          <a:round/>
+                          <a:headEnd type="none" w="med" len="med"/>
+                          <a:tailEnd type="none" w="med" len="med"/>
+                        </a:lnL>
+                        <a:lnR w="12700" cap="flat" cmpd="sng" algn="ctr">
+                          <a:solidFill>
+                            <a:srgbClr val="000000"/>
+                          </a:solidFill>
+                          <a:prstDash val="solid"/>
+                          <a:round/>
+                          <a:headEnd type="none" w="med" len="med"/>
+                          <a:tailEnd type="none" w="med" len="med"/>
+                        </a:lnR>
+                        <a:lnT w="12700" cap="flat" cmpd="sng" algn="ctr">
+                          <a:solidFill>
+                            <a:srgbClr val="000000"/>
+                          </a:solidFill>
+                          <a:prstDash val="solid"/>
+                          <a:round/>
+                          <a:headEnd type="none" w="med" len="med"/>
+                          <a:tailEnd type="none" w="med" len="med"/>
+                        </a:lnT>
+                        <a:lnB w="12700" cap="flat" cmpd="sng" algn="ctr">
+                          <a:solidFill>
+                            <a:srgbClr val="000000"/>
+                          </a:solidFill>
+                          <a:prstDash val="solid"/>
+                          <a:round/>
+                          <a:headEnd type="none" w="med" len="med"/>
+                          <a:tailEnd type="none" w="med" len="med"/>
+                        </a:lnB>
+                      </a:tcPr>
+                    </a:tc>
+                    <a:tc>
+                      <a:txBody>
+                        <a:bodyPr/>
+                        <a:lstStyle/>
+                        <a:p>
+                          <a:pPr marL="0" marR="0" algn="ctr">
+                            <a:lnSpc>
+                              <a:spcPct val="107000"/>
+                            </a:lnSpc>
+                            <a:spcBef>
+                              <a:spcPts val="0"/>
+                            </a:spcBef>
+                            <a:spcAft>
+                              <a:spcPts val="0"/>
+                            </a:spcAft>
+                          </a:pPr>
+                          <a:r>
+                            <a:rPr lang="en-US" sz="1100">
+                              <a:effectLst/>
+                              <a:latin typeface="Times New Roman" panose="02020603050405020304" pitchFamily="18" charset="0"/>
+                              <a:ea typeface="Times New Roman" panose="02020603050405020304" pitchFamily="18" charset="0"/>
+                              <a:cs typeface="Times New Roman" panose="02020603050405020304" pitchFamily="18" charset="0"/>
+                            </a:rPr>
+                            <a:t>Real Time Speed of Previous Car</a:t>
+                          </a:r>
+                          <a:endParaRPr lang="en-US" sz="1100">
+                            <a:effectLst/>
+                            <a:latin typeface="Calibri" panose="020F0502020204030204" pitchFamily="34" charset="0"/>
+                            <a:ea typeface="Calibri" panose="020F0502020204030204" pitchFamily="34" charset="0"/>
+                            <a:cs typeface="Times New Roman" panose="02020603050405020304" pitchFamily="18" charset="0"/>
+                          </a:endParaRPr>
+                        </a:p>
+                      </a:txBody>
+                      <a:tcPr marL="68580" marR="68580" marT="0" marB="0" anchor="ctr">
+                        <a:lnL w="12700" cap="flat" cmpd="sng" algn="ctr">
+                          <a:solidFill>
+                            <a:srgbClr val="000000"/>
+                          </a:solidFill>
+                          <a:prstDash val="solid"/>
+                          <a:round/>
+                          <a:headEnd type="none" w="med" len="med"/>
+                          <a:tailEnd type="none" w="med" len="med"/>
+                        </a:lnL>
+                        <a:lnR w="12700" cap="flat" cmpd="sng" algn="ctr">
+                          <a:solidFill>
+                            <a:srgbClr val="000000"/>
+                          </a:solidFill>
+                          <a:prstDash val="solid"/>
+                          <a:round/>
+                          <a:headEnd type="none" w="med" len="med"/>
+                          <a:tailEnd type="none" w="med" len="med"/>
+                        </a:lnR>
+                        <a:lnT w="12700" cap="flat" cmpd="sng" algn="ctr">
+                          <a:solidFill>
+                            <a:srgbClr val="000000"/>
+                          </a:solidFill>
+                          <a:prstDash val="solid"/>
+                          <a:round/>
+                          <a:headEnd type="none" w="med" len="med"/>
+                          <a:tailEnd type="none" w="med" len="med"/>
+                        </a:lnT>
+                        <a:lnB w="12700" cap="flat" cmpd="sng" algn="ctr">
+                          <a:solidFill>
+                            <a:srgbClr val="000000"/>
+                          </a:solidFill>
+                          <a:prstDash val="solid"/>
+                          <a:round/>
+                          <a:headEnd type="none" w="med" len="med"/>
+                          <a:tailEnd type="none" w="med" len="med"/>
+                        </a:lnB>
+                      </a:tcPr>
+                    </a:tc>
+                    <a:extLst>
+                      <a:ext uri="{0D108BD9-81ED-4DB2-BD59-A6C34878D82A}">
+                        <a16:rowId xmlns:a16="http://schemas.microsoft.com/office/drawing/2014/main" val="152712415"/>
+                      </a:ext>
+                    </a:extLst>
+                  </a:tr>
+                  <a:tr h="536297">
+                    <a:tc>
+                      <a:txBody>
+                        <a:bodyPr/>
+                        <a:lstStyle/>
+                        <a:p>
+                          <a:pPr marL="0" marR="0" algn="ctr">
+                            <a:lnSpc>
+                              <a:spcPct val="107000"/>
+                            </a:lnSpc>
+                            <a:spcBef>
+                              <a:spcPts val="0"/>
+                            </a:spcBef>
+                            <a:spcAft>
+                              <a:spcPts val="0"/>
+                            </a:spcAft>
+                          </a:pPr>
+                          <a14:m>
+                            <m:oMath xmlns:m="http://schemas.openxmlformats.org/officeDocument/2006/math">
+                              <m:sSub>
+                                <m:sSubPr>
+                                  <m:ctrlPr>
+                                    <a:rPr lang="en-US" sz="1100" i="1">
+                                      <a:effectLst/>
+                                      <a:latin typeface="Cambria Math" panose="02040503050406030204" pitchFamily="18" charset="0"/>
+                                      <a:ea typeface="Times New Roman" panose="02020603050405020304" pitchFamily="18" charset="0"/>
+                                      <a:cs typeface="Times New Roman" panose="02020603050405020304" pitchFamily="18" charset="0"/>
+                                    </a:rPr>
+                                  </m:ctrlPr>
+                                </m:sSubPr>
+                                <m:e>
+                                  <m:r>
+                                    <a:rPr lang="en-US" sz="1100" i="1">
+                                      <a:effectLst/>
+                                      <a:latin typeface="Cambria Math" panose="02040503050406030204" pitchFamily="18" charset="0"/>
+                                      <a:ea typeface="Times New Roman" panose="02020603050405020304" pitchFamily="18" charset="0"/>
+                                      <a:cs typeface="Times New Roman" panose="02020603050405020304" pitchFamily="18" charset="0"/>
+                                    </a:rPr>
+                                    <m:t>𝑣</m:t>
+                                  </m:r>
+                                </m:e>
+                                <m:sub>
+                                  <m:r>
+                                    <a:rPr lang="en-US" sz="1100" i="1">
+                                      <a:effectLst/>
+                                      <a:latin typeface="Cambria Math" panose="02040503050406030204" pitchFamily="18" charset="0"/>
+                                      <a:ea typeface="Times New Roman" panose="02020603050405020304" pitchFamily="18" charset="0"/>
+                                      <a:cs typeface="Times New Roman" panose="02020603050405020304" pitchFamily="18" charset="0"/>
+                                    </a:rPr>
+                                    <m:t>𝑗</m:t>
+                                  </m:r>
+                                </m:sub>
+                              </m:sSub>
+                            </m:oMath>
+                          </a14:m>
+                          <a:r>
+                            <a:rPr lang="en-US" sz="1100">
+                              <a:effectLst/>
+                              <a:latin typeface="Times New Roman" panose="02020603050405020304" pitchFamily="18" charset="0"/>
+                              <a:ea typeface="Times New Roman" panose="02020603050405020304" pitchFamily="18" charset="0"/>
+                              <a:cs typeface="Times New Roman" panose="02020603050405020304" pitchFamily="18" charset="0"/>
+                            </a:rPr>
+                            <a:t>(t)</a:t>
+                          </a:r>
+                          <a:endParaRPr lang="en-US" sz="1100">
+                            <a:effectLst/>
+                            <a:latin typeface="Calibri" panose="020F0502020204030204" pitchFamily="34" charset="0"/>
+                            <a:ea typeface="Calibri" panose="020F0502020204030204" pitchFamily="34" charset="0"/>
+                            <a:cs typeface="Times New Roman" panose="02020603050405020304" pitchFamily="18" charset="0"/>
+                          </a:endParaRPr>
+                        </a:p>
+                      </a:txBody>
+                      <a:tcPr marL="68580" marR="68580" marT="0" marB="0" anchor="ctr">
+                        <a:lnL w="12700" cap="flat" cmpd="sng" algn="ctr">
+                          <a:solidFill>
+                            <a:srgbClr val="000000"/>
+                          </a:solidFill>
+                          <a:prstDash val="solid"/>
+                          <a:round/>
+                          <a:headEnd type="none" w="med" len="med"/>
+                          <a:tailEnd type="none" w="med" len="med"/>
+                        </a:lnL>
+                        <a:lnR w="12700" cap="flat" cmpd="sng" algn="ctr">
+                          <a:solidFill>
+                            <a:srgbClr val="000000"/>
+                          </a:solidFill>
+                          <a:prstDash val="solid"/>
+                          <a:round/>
+                          <a:headEnd type="none" w="med" len="med"/>
+                          <a:tailEnd type="none" w="med" len="med"/>
+                        </a:lnR>
+                        <a:lnT w="12700" cap="flat" cmpd="sng" algn="ctr">
+                          <a:solidFill>
+                            <a:srgbClr val="000000"/>
+                          </a:solidFill>
+                          <a:prstDash val="solid"/>
+                          <a:round/>
+                          <a:headEnd type="none" w="med" len="med"/>
+                          <a:tailEnd type="none" w="med" len="med"/>
+                        </a:lnT>
+                        <a:lnB w="12700" cap="flat" cmpd="sng" algn="ctr">
+                          <a:solidFill>
+                            <a:srgbClr val="000000"/>
+                          </a:solidFill>
+                          <a:prstDash val="solid"/>
+                          <a:round/>
+                          <a:headEnd type="none" w="med" len="med"/>
+                          <a:tailEnd type="none" w="med" len="med"/>
+                        </a:lnB>
+                      </a:tcPr>
+                    </a:tc>
+                    <a:tc>
+                      <a:txBody>
+                        <a:bodyPr/>
+                        <a:lstStyle/>
+                        <a:p>
+                          <a:pPr marL="0" marR="0" algn="ctr">
+                            <a:lnSpc>
+                              <a:spcPct val="107000"/>
+                            </a:lnSpc>
+                            <a:spcBef>
+                              <a:spcPts val="0"/>
+                            </a:spcBef>
+                            <a:spcAft>
+                              <a:spcPts val="0"/>
+                            </a:spcAft>
+                          </a:pPr>
+                          <a:r>
+                            <a:rPr lang="en-US" sz="1100" dirty="0">
+                              <a:effectLst/>
+                              <a:latin typeface="Times New Roman" panose="02020603050405020304" pitchFamily="18" charset="0"/>
+                              <a:ea typeface="Times New Roman" panose="02020603050405020304" pitchFamily="18" charset="0"/>
+                              <a:cs typeface="Times New Roman" panose="02020603050405020304" pitchFamily="18" charset="0"/>
+                            </a:rPr>
+                            <a:t>Real Time Speed of Current Car</a:t>
+                          </a:r>
+                          <a:endParaRPr lang="en-US" sz="1100" dirty="0">
+                            <a:effectLst/>
+                            <a:latin typeface="Calibri" panose="020F0502020204030204" pitchFamily="34" charset="0"/>
+                            <a:ea typeface="Calibri" panose="020F0502020204030204" pitchFamily="34" charset="0"/>
+                            <a:cs typeface="Times New Roman" panose="02020603050405020304" pitchFamily="18" charset="0"/>
+                          </a:endParaRPr>
+                        </a:p>
+                      </a:txBody>
+                      <a:tcPr marL="68580" marR="68580" marT="0" marB="0" anchor="ctr">
+                        <a:lnL w="12700" cap="flat" cmpd="sng" algn="ctr">
+                          <a:solidFill>
+                            <a:srgbClr val="000000"/>
+                          </a:solidFill>
+                          <a:prstDash val="solid"/>
+                          <a:round/>
+                          <a:headEnd type="none" w="med" len="med"/>
+                          <a:tailEnd type="none" w="med" len="med"/>
+                        </a:lnL>
+                        <a:lnR w="12700" cap="flat" cmpd="sng" algn="ctr">
+                          <a:solidFill>
+                            <a:srgbClr val="000000"/>
+                          </a:solidFill>
+                          <a:prstDash val="solid"/>
+                          <a:round/>
+                          <a:headEnd type="none" w="med" len="med"/>
+                          <a:tailEnd type="none" w="med" len="med"/>
+                        </a:lnR>
+                        <a:lnT w="12700" cap="flat" cmpd="sng" algn="ctr">
+                          <a:solidFill>
+                            <a:srgbClr val="000000"/>
+                          </a:solidFill>
+                          <a:prstDash val="solid"/>
+                          <a:round/>
+                          <a:headEnd type="none" w="med" len="med"/>
+                          <a:tailEnd type="none" w="med" len="med"/>
+                        </a:lnT>
+                        <a:lnB w="12700" cap="flat" cmpd="sng" algn="ctr">
+                          <a:solidFill>
+                            <a:srgbClr val="000000"/>
+                          </a:solidFill>
+                          <a:prstDash val="solid"/>
+                          <a:round/>
+                          <a:headEnd type="none" w="med" len="med"/>
+                          <a:tailEnd type="none" w="med" len="med"/>
+                        </a:lnB>
+                      </a:tcPr>
+                    </a:tc>
+                    <a:extLst>
+                      <a:ext uri="{0D108BD9-81ED-4DB2-BD59-A6C34878D82A}">
+                        <a16:rowId xmlns:a16="http://schemas.microsoft.com/office/drawing/2014/main" val="3726020127"/>
+                      </a:ext>
+                    </a:extLst>
+                  </a:tr>
+                </a:tbl>
+              </a:graphicData>
+            </a:graphic>
+          </p:graphicFrame>
+        </mc:Choice>
+        <mc:Fallback>
+          <p:graphicFrame>
+            <p:nvGraphicFramePr>
+              <p:cNvPr id="4" name="Table 3">
+                <a:extLst>
+                  <a:ext uri="{FF2B5EF4-FFF2-40B4-BE49-F238E27FC236}">
+                    <a16:creationId xmlns:a16="http://schemas.microsoft.com/office/drawing/2014/main" id="{FF5909E2-A935-40E1-9919-CBF8DBA855CB}"/>
+                  </a:ext>
+                </a:extLst>
+              </p:cNvPr>
+              <p:cNvGraphicFramePr>
+                <a:graphicFrameLocks noGrp="1"/>
+              </p:cNvGraphicFramePr>
+              <p:nvPr>
+                <p:extLst>
+                  <p:ext uri="{D42A27DB-BD31-4B8C-83A1-F6EECF244321}">
+                    <p14:modId xmlns:p14="http://schemas.microsoft.com/office/powerpoint/2010/main" val="2828021780"/>
+                  </p:ext>
+                </p:extLst>
+              </p:nvPr>
+            </p:nvGraphicFramePr>
+            <p:xfrm>
+              <a:off x="6640286" y="975949"/>
+              <a:ext cx="3833767" cy="3095309"/>
+            </p:xfrm>
+            <a:graphic>
+              <a:graphicData uri="http://schemas.openxmlformats.org/drawingml/2006/table">
+                <a:tbl>
+                  <a:tblPr firstRow="1" firstCol="1" bandRow="1"/>
+                  <a:tblGrid>
+                    <a:gridCol w="1079426">
+                      <a:extLst>
+                        <a:ext uri="{9D8B030D-6E8A-4147-A177-3AD203B41FA5}">
+                          <a16:colId xmlns:a16="http://schemas.microsoft.com/office/drawing/2014/main" val="4259856381"/>
+                        </a:ext>
+                      </a:extLst>
+                    </a:gridCol>
+                    <a:gridCol w="2754341">
+                      <a:extLst>
+                        <a:ext uri="{9D8B030D-6E8A-4147-A177-3AD203B41FA5}">
+                          <a16:colId xmlns:a16="http://schemas.microsoft.com/office/drawing/2014/main" val="1471265585"/>
+                        </a:ext>
+                      </a:extLst>
+                    </a:gridCol>
+                  </a:tblGrid>
+                  <a:tr h="496410">
+                    <a:tc gridSpan="2">
+                      <a:txBody>
+                        <a:bodyPr/>
+                        <a:lstStyle/>
+                        <a:p>
+                          <a:pPr marL="0" marR="0" algn="ctr">
+                            <a:lnSpc>
+                              <a:spcPct val="107000"/>
+                            </a:lnSpc>
+                            <a:spcBef>
+                              <a:spcPts val="0"/>
+                            </a:spcBef>
+                            <a:spcAft>
+                              <a:spcPts val="0"/>
+                            </a:spcAft>
+                          </a:pPr>
+                          <a:r>
+                            <a:rPr lang="en-US" sz="1100" dirty="0">
+                              <a:effectLst/>
+                              <a:latin typeface="Times New Roman" panose="02020603050405020304" pitchFamily="18" charset="0"/>
+                              <a:ea typeface="Times New Roman" panose="02020603050405020304" pitchFamily="18" charset="0"/>
+                              <a:cs typeface="Times New Roman" panose="02020603050405020304" pitchFamily="18" charset="0"/>
+                            </a:rPr>
+                            <a:t>Legend of Symbols</a:t>
+                          </a:r>
+                          <a:endParaRPr lang="en-US" sz="1100" dirty="0">
+                            <a:effectLst/>
+                            <a:latin typeface="Calibri" panose="020F0502020204030204" pitchFamily="34" charset="0"/>
+                            <a:ea typeface="Calibri" panose="020F0502020204030204" pitchFamily="34" charset="0"/>
+                            <a:cs typeface="Times New Roman" panose="02020603050405020304" pitchFamily="18" charset="0"/>
+                          </a:endParaRPr>
+                        </a:p>
+                      </a:txBody>
+                      <a:tcPr marL="68580" marR="68580" marT="0" marB="0" anchor="ctr">
+                        <a:lnL w="12700" cap="flat" cmpd="sng" algn="ctr">
+                          <a:solidFill>
+                            <a:srgbClr val="000000"/>
+                          </a:solidFill>
+                          <a:prstDash val="solid"/>
+                          <a:round/>
+                          <a:headEnd type="none" w="med" len="med"/>
+                          <a:tailEnd type="none" w="med" len="med"/>
+                        </a:lnL>
+                        <a:lnR w="12700" cap="flat" cmpd="sng" algn="ctr">
+                          <a:solidFill>
+                            <a:srgbClr val="000000"/>
+                          </a:solidFill>
+                          <a:prstDash val="solid"/>
+                          <a:round/>
+                          <a:headEnd type="none" w="med" len="med"/>
+                          <a:tailEnd type="none" w="med" len="med"/>
+                        </a:lnR>
+                        <a:lnT w="12700" cap="flat" cmpd="sng" algn="ctr">
+                          <a:solidFill>
+                            <a:srgbClr val="000000"/>
+                          </a:solidFill>
+                          <a:prstDash val="solid"/>
+                          <a:round/>
+                          <a:headEnd type="none" w="med" len="med"/>
+                          <a:tailEnd type="none" w="med" len="med"/>
+                        </a:lnT>
+                        <a:lnB w="12700" cap="flat" cmpd="sng" algn="ctr">
+                          <a:solidFill>
+                            <a:srgbClr val="000000"/>
+                          </a:solidFill>
+                          <a:prstDash val="solid"/>
+                          <a:round/>
+                          <a:headEnd type="none" w="med" len="med"/>
+                          <a:tailEnd type="none" w="med" len="med"/>
+                        </a:lnB>
+                      </a:tcPr>
+                    </a:tc>
+                    <a:tc hMerge="1">
+                      <a:txBody>
+                        <a:bodyPr/>
+                        <a:lstStyle/>
+                        <a:p>
+                          <a:endParaRPr lang="en-US"/>
+                        </a:p>
+                      </a:txBody>
+                      <a:tcPr/>
+                    </a:tc>
+                    <a:extLst>
+                      <a:ext uri="{0D108BD9-81ED-4DB2-BD59-A6C34878D82A}">
+                        <a16:rowId xmlns:a16="http://schemas.microsoft.com/office/drawing/2014/main" val="1202828"/>
+                      </a:ext>
+                    </a:extLst>
+                  </a:tr>
+                  <a:tr h="956444">
+                    <a:tc>
+                      <a:txBody>
+                        <a:bodyPr/>
+                        <a:lstStyle/>
+                        <a:p>
+                          <a:endParaRPr lang="en-US"/>
+                        </a:p>
+                      </a:txBody>
+                      <a:tcPr marL="68580" marR="68580" marT="0" marB="0" anchor="ctr">
+                        <a:lnL w="12700" cap="flat" cmpd="sng" algn="ctr">
+                          <a:solidFill>
+                            <a:srgbClr val="000000"/>
+                          </a:solidFill>
+                          <a:prstDash val="solid"/>
+                          <a:round/>
+                          <a:headEnd type="none" w="med" len="med"/>
+                          <a:tailEnd type="none" w="med" len="med"/>
+                        </a:lnL>
+                        <a:lnR w="12700" cap="flat" cmpd="sng" algn="ctr">
+                          <a:solidFill>
+                            <a:srgbClr val="000000"/>
+                          </a:solidFill>
+                          <a:prstDash val="solid"/>
+                          <a:round/>
+                          <a:headEnd type="none" w="med" len="med"/>
+                          <a:tailEnd type="none" w="med" len="med"/>
+                        </a:lnR>
+                        <a:lnT w="12700" cap="flat" cmpd="sng" algn="ctr">
+                          <a:solidFill>
+                            <a:srgbClr val="000000"/>
+                          </a:solidFill>
+                          <a:prstDash val="solid"/>
+                          <a:round/>
+                          <a:headEnd type="none" w="med" len="med"/>
+                          <a:tailEnd type="none" w="med" len="med"/>
+                        </a:lnT>
+                        <a:lnB w="12700" cap="flat" cmpd="sng" algn="ctr">
+                          <a:solidFill>
+                            <a:srgbClr val="000000"/>
+                          </a:solidFill>
+                          <a:prstDash val="solid"/>
+                          <a:round/>
+                          <a:headEnd type="none" w="med" len="med"/>
+                          <a:tailEnd type="none" w="med" len="med"/>
+                        </a:lnB>
+                        <a:blipFill>
+                          <a:blip r:embed="rId3"/>
+                          <a:stretch>
+                            <a:fillRect l="-565" t="-52229" r="-257062" b="-173248"/>
+                          </a:stretch>
+                        </a:blipFill>
+                      </a:tcPr>
+                    </a:tc>
+                    <a:tc>
+                      <a:txBody>
+                        <a:bodyPr/>
+                        <a:lstStyle/>
+                        <a:p>
+                          <a:pPr marL="0" marR="0" algn="ctr">
+                            <a:lnSpc>
+                              <a:spcPct val="107000"/>
+                            </a:lnSpc>
+                            <a:spcBef>
+                              <a:spcPts val="0"/>
+                            </a:spcBef>
+                            <a:spcAft>
+                              <a:spcPts val="0"/>
+                            </a:spcAft>
+                          </a:pPr>
+                          <a:r>
+                            <a:rPr lang="en-US" sz="1100">
+                              <a:effectLst/>
+                              <a:latin typeface="Times New Roman" panose="02020603050405020304" pitchFamily="18" charset="0"/>
+                              <a:ea typeface="Times New Roman" panose="02020603050405020304" pitchFamily="18" charset="0"/>
+                              <a:cs typeface="Times New Roman" panose="02020603050405020304" pitchFamily="18" charset="0"/>
+                            </a:rPr>
+                            <a:t>Acceleration of the jth vehicle</a:t>
+                          </a:r>
+                          <a:endParaRPr lang="en-US" sz="1100">
+                            <a:effectLst/>
+                            <a:latin typeface="Calibri" panose="020F0502020204030204" pitchFamily="34" charset="0"/>
+                            <a:ea typeface="Calibri" panose="020F0502020204030204" pitchFamily="34" charset="0"/>
+                            <a:cs typeface="Times New Roman" panose="02020603050405020304" pitchFamily="18" charset="0"/>
+                          </a:endParaRPr>
+                        </a:p>
+                      </a:txBody>
+                      <a:tcPr marL="68580" marR="68580" marT="0" marB="0" anchor="ctr">
+                        <a:lnL w="12700" cap="flat" cmpd="sng" algn="ctr">
+                          <a:solidFill>
+                            <a:srgbClr val="000000"/>
+                          </a:solidFill>
+                          <a:prstDash val="solid"/>
+                          <a:round/>
+                          <a:headEnd type="none" w="med" len="med"/>
+                          <a:tailEnd type="none" w="med" len="med"/>
+                        </a:lnL>
+                        <a:lnR w="12700" cap="flat" cmpd="sng" algn="ctr">
+                          <a:solidFill>
+                            <a:srgbClr val="000000"/>
+                          </a:solidFill>
+                          <a:prstDash val="solid"/>
+                          <a:round/>
+                          <a:headEnd type="none" w="med" len="med"/>
+                          <a:tailEnd type="none" w="med" len="med"/>
+                        </a:lnR>
+                        <a:lnT w="12700" cap="flat" cmpd="sng" algn="ctr">
+                          <a:solidFill>
+                            <a:srgbClr val="000000"/>
+                          </a:solidFill>
+                          <a:prstDash val="solid"/>
+                          <a:round/>
+                          <a:headEnd type="none" w="med" len="med"/>
+                          <a:tailEnd type="none" w="med" len="med"/>
+                        </a:lnT>
+                        <a:lnB w="12700" cap="flat" cmpd="sng" algn="ctr">
+                          <a:solidFill>
+                            <a:srgbClr val="000000"/>
+                          </a:solidFill>
+                          <a:prstDash val="solid"/>
+                          <a:round/>
+                          <a:headEnd type="none" w="med" len="med"/>
+                          <a:tailEnd type="none" w="med" len="med"/>
+                        </a:lnB>
+                      </a:tcPr>
+                    </a:tc>
+                    <a:extLst>
+                      <a:ext uri="{0D108BD9-81ED-4DB2-BD59-A6C34878D82A}">
+                        <a16:rowId xmlns:a16="http://schemas.microsoft.com/office/drawing/2014/main" val="4120074399"/>
+                      </a:ext>
+                    </a:extLst>
+                  </a:tr>
+                  <a:tr h="496410">
+                    <a:tc>
+                      <a:txBody>
+                        <a:bodyPr/>
+                        <a:lstStyle/>
+                        <a:p>
+                          <a:endParaRPr lang="en-US"/>
+                        </a:p>
+                      </a:txBody>
+                      <a:tcPr marL="68580" marR="68580" marT="0" marB="0" anchor="ctr">
+                        <a:lnL w="12700" cap="flat" cmpd="sng" algn="ctr">
+                          <a:solidFill>
+                            <a:srgbClr val="000000"/>
+                          </a:solidFill>
+                          <a:prstDash val="solid"/>
+                          <a:round/>
+                          <a:headEnd type="none" w="med" len="med"/>
+                          <a:tailEnd type="none" w="med" len="med"/>
+                        </a:lnL>
+                        <a:lnR w="12700" cap="flat" cmpd="sng" algn="ctr">
+                          <a:solidFill>
+                            <a:srgbClr val="000000"/>
+                          </a:solidFill>
+                          <a:prstDash val="solid"/>
+                          <a:round/>
+                          <a:headEnd type="none" w="med" len="med"/>
+                          <a:tailEnd type="none" w="med" len="med"/>
+                        </a:lnR>
+                        <a:lnT w="12700" cap="flat" cmpd="sng" algn="ctr">
+                          <a:solidFill>
+                            <a:srgbClr val="000000"/>
+                          </a:solidFill>
+                          <a:prstDash val="solid"/>
+                          <a:round/>
+                          <a:headEnd type="none" w="med" len="med"/>
+                          <a:tailEnd type="none" w="med" len="med"/>
+                        </a:lnT>
+                        <a:lnB w="12700" cap="flat" cmpd="sng" algn="ctr">
+                          <a:solidFill>
+                            <a:srgbClr val="000000"/>
+                          </a:solidFill>
+                          <a:prstDash val="solid"/>
+                          <a:round/>
+                          <a:headEnd type="none" w="med" len="med"/>
+                          <a:tailEnd type="none" w="med" len="med"/>
+                        </a:lnB>
+                        <a:blipFill>
+                          <a:blip r:embed="rId3"/>
+                          <a:stretch>
+                            <a:fillRect l="-565" t="-291463" r="-257062" b="-231707"/>
+                          </a:stretch>
+                        </a:blipFill>
+                      </a:tcPr>
+                    </a:tc>
+                    <a:tc>
+                      <a:txBody>
+                        <a:bodyPr/>
+                        <a:lstStyle/>
+                        <a:p>
+                          <a:pPr marL="0" marR="0" algn="ctr">
+                            <a:lnSpc>
+                              <a:spcPct val="107000"/>
+                            </a:lnSpc>
+                            <a:spcBef>
+                              <a:spcPts val="0"/>
+                            </a:spcBef>
+                            <a:spcAft>
+                              <a:spcPts val="0"/>
+                            </a:spcAft>
+                          </a:pPr>
+                          <a:r>
+                            <a:rPr lang="en-US" sz="1100">
+                              <a:effectLst/>
+                              <a:latin typeface="Times New Roman" panose="02020603050405020304" pitchFamily="18" charset="0"/>
+                              <a:ea typeface="Times New Roman" panose="02020603050405020304" pitchFamily="18" charset="0"/>
+                              <a:cs typeface="Times New Roman" panose="02020603050405020304" pitchFamily="18" charset="0"/>
+                            </a:rPr>
+                            <a:t>Constant that user defines</a:t>
+                          </a:r>
+                          <a:endParaRPr lang="en-US" sz="1100">
+                            <a:effectLst/>
+                            <a:latin typeface="Calibri" panose="020F0502020204030204" pitchFamily="34" charset="0"/>
+                            <a:ea typeface="Calibri" panose="020F0502020204030204" pitchFamily="34" charset="0"/>
+                            <a:cs typeface="Times New Roman" panose="02020603050405020304" pitchFamily="18" charset="0"/>
+                          </a:endParaRPr>
+                        </a:p>
+                      </a:txBody>
+                      <a:tcPr marL="68580" marR="68580" marT="0" marB="0" anchor="ctr">
+                        <a:lnL w="12700" cap="flat" cmpd="sng" algn="ctr">
+                          <a:solidFill>
+                            <a:srgbClr val="000000"/>
+                          </a:solidFill>
+                          <a:prstDash val="solid"/>
+                          <a:round/>
+                          <a:headEnd type="none" w="med" len="med"/>
+                          <a:tailEnd type="none" w="med" len="med"/>
+                        </a:lnL>
+                        <a:lnR w="12700" cap="flat" cmpd="sng" algn="ctr">
+                          <a:solidFill>
+                            <a:srgbClr val="000000"/>
+                          </a:solidFill>
+                          <a:prstDash val="solid"/>
+                          <a:round/>
+                          <a:headEnd type="none" w="med" len="med"/>
+                          <a:tailEnd type="none" w="med" len="med"/>
+                        </a:lnR>
+                        <a:lnT w="12700" cap="flat" cmpd="sng" algn="ctr">
+                          <a:solidFill>
+                            <a:srgbClr val="000000"/>
+                          </a:solidFill>
+                          <a:prstDash val="solid"/>
+                          <a:round/>
+                          <a:headEnd type="none" w="med" len="med"/>
+                          <a:tailEnd type="none" w="med" len="med"/>
+                        </a:lnT>
+                        <a:lnB w="12700" cap="flat" cmpd="sng" algn="ctr">
+                          <a:solidFill>
+                            <a:srgbClr val="000000"/>
+                          </a:solidFill>
+                          <a:prstDash val="solid"/>
+                          <a:round/>
+                          <a:headEnd type="none" w="med" len="med"/>
+                          <a:tailEnd type="none" w="med" len="med"/>
+                        </a:lnB>
+                      </a:tcPr>
+                    </a:tc>
+                    <a:extLst>
+                      <a:ext uri="{0D108BD9-81ED-4DB2-BD59-A6C34878D82A}">
+                        <a16:rowId xmlns:a16="http://schemas.microsoft.com/office/drawing/2014/main" val="3407059974"/>
+                      </a:ext>
+                    </a:extLst>
+                  </a:tr>
+                  <a:tr h="609748">
+                    <a:tc>
+                      <a:txBody>
+                        <a:bodyPr/>
+                        <a:lstStyle/>
+                        <a:p>
+                          <a:endParaRPr lang="en-US"/>
+                        </a:p>
+                      </a:txBody>
+                      <a:tcPr marL="68580" marR="68580" marT="0" marB="0" anchor="ctr">
+                        <a:lnL w="12700" cap="flat" cmpd="sng" algn="ctr">
+                          <a:solidFill>
+                            <a:srgbClr val="000000"/>
+                          </a:solidFill>
+                          <a:prstDash val="solid"/>
+                          <a:round/>
+                          <a:headEnd type="none" w="med" len="med"/>
+                          <a:tailEnd type="none" w="med" len="med"/>
+                        </a:lnL>
+                        <a:lnR w="12700" cap="flat" cmpd="sng" algn="ctr">
+                          <a:solidFill>
+                            <a:srgbClr val="000000"/>
+                          </a:solidFill>
+                          <a:prstDash val="solid"/>
+                          <a:round/>
+                          <a:headEnd type="none" w="med" len="med"/>
+                          <a:tailEnd type="none" w="med" len="med"/>
+                        </a:lnR>
+                        <a:lnT w="12700" cap="flat" cmpd="sng" algn="ctr">
+                          <a:solidFill>
+                            <a:srgbClr val="000000"/>
+                          </a:solidFill>
+                          <a:prstDash val="solid"/>
+                          <a:round/>
+                          <a:headEnd type="none" w="med" len="med"/>
+                          <a:tailEnd type="none" w="med" len="med"/>
+                        </a:lnT>
+                        <a:lnB w="12700" cap="flat" cmpd="sng" algn="ctr">
+                          <a:solidFill>
+                            <a:srgbClr val="000000"/>
+                          </a:solidFill>
+                          <a:prstDash val="solid"/>
+                          <a:round/>
+                          <a:headEnd type="none" w="med" len="med"/>
+                          <a:tailEnd type="none" w="med" len="med"/>
+                        </a:lnB>
+                        <a:blipFill>
+                          <a:blip r:embed="rId3"/>
+                          <a:stretch>
+                            <a:fillRect l="-565" t="-321000" r="-257062" b="-90000"/>
+                          </a:stretch>
+                        </a:blipFill>
+                      </a:tcPr>
+                    </a:tc>
+                    <a:tc>
+                      <a:txBody>
+                        <a:bodyPr/>
+                        <a:lstStyle/>
+                        <a:p>
+                          <a:pPr marL="0" marR="0" algn="ctr">
+                            <a:lnSpc>
+                              <a:spcPct val="107000"/>
+                            </a:lnSpc>
+                            <a:spcBef>
+                              <a:spcPts val="0"/>
+                            </a:spcBef>
+                            <a:spcAft>
+                              <a:spcPts val="0"/>
+                            </a:spcAft>
+                          </a:pPr>
+                          <a:r>
+                            <a:rPr lang="en-US" sz="1100">
+                              <a:effectLst/>
+                              <a:latin typeface="Times New Roman" panose="02020603050405020304" pitchFamily="18" charset="0"/>
+                              <a:ea typeface="Times New Roman" panose="02020603050405020304" pitchFamily="18" charset="0"/>
+                              <a:cs typeface="Times New Roman" panose="02020603050405020304" pitchFamily="18" charset="0"/>
+                            </a:rPr>
+                            <a:t>Real Time Speed of Previous Car</a:t>
+                          </a:r>
+                          <a:endParaRPr lang="en-US" sz="1100">
+                            <a:effectLst/>
+                            <a:latin typeface="Calibri" panose="020F0502020204030204" pitchFamily="34" charset="0"/>
+                            <a:ea typeface="Calibri" panose="020F0502020204030204" pitchFamily="34" charset="0"/>
+                            <a:cs typeface="Times New Roman" panose="02020603050405020304" pitchFamily="18" charset="0"/>
+                          </a:endParaRPr>
+                        </a:p>
+                      </a:txBody>
+                      <a:tcPr marL="68580" marR="68580" marT="0" marB="0" anchor="ctr">
+                        <a:lnL w="12700" cap="flat" cmpd="sng" algn="ctr">
+                          <a:solidFill>
+                            <a:srgbClr val="000000"/>
+                          </a:solidFill>
+                          <a:prstDash val="solid"/>
+                          <a:round/>
+                          <a:headEnd type="none" w="med" len="med"/>
+                          <a:tailEnd type="none" w="med" len="med"/>
+                        </a:lnL>
+                        <a:lnR w="12700" cap="flat" cmpd="sng" algn="ctr">
+                          <a:solidFill>
+                            <a:srgbClr val="000000"/>
+                          </a:solidFill>
+                          <a:prstDash val="solid"/>
+                          <a:round/>
+                          <a:headEnd type="none" w="med" len="med"/>
+                          <a:tailEnd type="none" w="med" len="med"/>
+                        </a:lnR>
+                        <a:lnT w="12700" cap="flat" cmpd="sng" algn="ctr">
+                          <a:solidFill>
+                            <a:srgbClr val="000000"/>
+                          </a:solidFill>
+                          <a:prstDash val="solid"/>
+                          <a:round/>
+                          <a:headEnd type="none" w="med" len="med"/>
+                          <a:tailEnd type="none" w="med" len="med"/>
+                        </a:lnT>
+                        <a:lnB w="12700" cap="flat" cmpd="sng" algn="ctr">
+                          <a:solidFill>
+                            <a:srgbClr val="000000"/>
+                          </a:solidFill>
+                          <a:prstDash val="solid"/>
+                          <a:round/>
+                          <a:headEnd type="none" w="med" len="med"/>
+                          <a:tailEnd type="none" w="med" len="med"/>
+                        </a:lnB>
+                      </a:tcPr>
+                    </a:tc>
+                    <a:extLst>
+                      <a:ext uri="{0D108BD9-81ED-4DB2-BD59-A6C34878D82A}">
+                        <a16:rowId xmlns:a16="http://schemas.microsoft.com/office/drawing/2014/main" val="152712415"/>
+                      </a:ext>
+                    </a:extLst>
+                  </a:tr>
+                  <a:tr h="536297">
+                    <a:tc>
+                      <a:txBody>
+                        <a:bodyPr/>
+                        <a:lstStyle/>
+                        <a:p>
+                          <a:endParaRPr lang="en-US"/>
+                        </a:p>
+                      </a:txBody>
+                      <a:tcPr marL="68580" marR="68580" marT="0" marB="0" anchor="ctr">
+                        <a:lnL w="12700" cap="flat" cmpd="sng" algn="ctr">
+                          <a:solidFill>
+                            <a:srgbClr val="000000"/>
+                          </a:solidFill>
+                          <a:prstDash val="solid"/>
+                          <a:round/>
+                          <a:headEnd type="none" w="med" len="med"/>
+                          <a:tailEnd type="none" w="med" len="med"/>
+                        </a:lnL>
+                        <a:lnR w="12700" cap="flat" cmpd="sng" algn="ctr">
+                          <a:solidFill>
+                            <a:srgbClr val="000000"/>
+                          </a:solidFill>
+                          <a:prstDash val="solid"/>
+                          <a:round/>
+                          <a:headEnd type="none" w="med" len="med"/>
+                          <a:tailEnd type="none" w="med" len="med"/>
+                        </a:lnR>
+                        <a:lnT w="12700" cap="flat" cmpd="sng" algn="ctr">
+                          <a:solidFill>
+                            <a:srgbClr val="000000"/>
+                          </a:solidFill>
+                          <a:prstDash val="solid"/>
+                          <a:round/>
+                          <a:headEnd type="none" w="med" len="med"/>
+                          <a:tailEnd type="none" w="med" len="med"/>
+                        </a:lnT>
+                        <a:lnB w="12700" cap="flat" cmpd="sng" algn="ctr">
+                          <a:solidFill>
+                            <a:srgbClr val="000000"/>
+                          </a:solidFill>
+                          <a:prstDash val="solid"/>
+                          <a:round/>
+                          <a:headEnd type="none" w="med" len="med"/>
+                          <a:tailEnd type="none" w="med" len="med"/>
+                        </a:lnB>
+                        <a:blipFill>
+                          <a:blip r:embed="rId3"/>
+                          <a:stretch>
+                            <a:fillRect l="-565" t="-478409" r="-257062" b="-2273"/>
+                          </a:stretch>
+                        </a:blipFill>
+                      </a:tcPr>
+                    </a:tc>
+                    <a:tc>
+                      <a:txBody>
+                        <a:bodyPr/>
+                        <a:lstStyle/>
+                        <a:p>
+                          <a:pPr marL="0" marR="0" algn="ctr">
+                            <a:lnSpc>
+                              <a:spcPct val="107000"/>
+                            </a:lnSpc>
+                            <a:spcBef>
+                              <a:spcPts val="0"/>
+                            </a:spcBef>
+                            <a:spcAft>
+                              <a:spcPts val="0"/>
+                            </a:spcAft>
+                          </a:pPr>
+                          <a:r>
+                            <a:rPr lang="en-US" sz="1100" dirty="0">
+                              <a:effectLst/>
+                              <a:latin typeface="Times New Roman" panose="02020603050405020304" pitchFamily="18" charset="0"/>
+                              <a:ea typeface="Times New Roman" panose="02020603050405020304" pitchFamily="18" charset="0"/>
+                              <a:cs typeface="Times New Roman" panose="02020603050405020304" pitchFamily="18" charset="0"/>
+                            </a:rPr>
+                            <a:t>Real Time Speed of Current Car</a:t>
+                          </a:r>
+                          <a:endParaRPr lang="en-US" sz="1100" dirty="0">
+                            <a:effectLst/>
+                            <a:latin typeface="Calibri" panose="020F0502020204030204" pitchFamily="34" charset="0"/>
+                            <a:ea typeface="Calibri" panose="020F0502020204030204" pitchFamily="34" charset="0"/>
+                            <a:cs typeface="Times New Roman" panose="02020603050405020304" pitchFamily="18" charset="0"/>
+                          </a:endParaRPr>
+                        </a:p>
+                      </a:txBody>
+                      <a:tcPr marL="68580" marR="68580" marT="0" marB="0" anchor="ctr">
+                        <a:lnL w="12700" cap="flat" cmpd="sng" algn="ctr">
+                          <a:solidFill>
+                            <a:srgbClr val="000000"/>
+                          </a:solidFill>
+                          <a:prstDash val="solid"/>
+                          <a:round/>
+                          <a:headEnd type="none" w="med" len="med"/>
+                          <a:tailEnd type="none" w="med" len="med"/>
+                        </a:lnL>
+                        <a:lnR w="12700" cap="flat" cmpd="sng" algn="ctr">
+                          <a:solidFill>
+                            <a:srgbClr val="000000"/>
+                          </a:solidFill>
+                          <a:prstDash val="solid"/>
+                          <a:round/>
+                          <a:headEnd type="none" w="med" len="med"/>
+                          <a:tailEnd type="none" w="med" len="med"/>
+                        </a:lnR>
+                        <a:lnT w="12700" cap="flat" cmpd="sng" algn="ctr">
+                          <a:solidFill>
+                            <a:srgbClr val="000000"/>
+                          </a:solidFill>
+                          <a:prstDash val="solid"/>
+                          <a:round/>
+                          <a:headEnd type="none" w="med" len="med"/>
+                          <a:tailEnd type="none" w="med" len="med"/>
+                        </a:lnT>
+                        <a:lnB w="12700" cap="flat" cmpd="sng" algn="ctr">
+                          <a:solidFill>
+                            <a:srgbClr val="000000"/>
+                          </a:solidFill>
+                          <a:prstDash val="solid"/>
+                          <a:round/>
+                          <a:headEnd type="none" w="med" len="med"/>
+                          <a:tailEnd type="none" w="med" len="med"/>
+                        </a:lnB>
+                      </a:tcPr>
+                    </a:tc>
+                    <a:extLst>
+                      <a:ext uri="{0D108BD9-81ED-4DB2-BD59-A6C34878D82A}">
+                        <a16:rowId xmlns:a16="http://schemas.microsoft.com/office/drawing/2014/main" val="3726020127"/>
+                      </a:ext>
+                    </a:extLst>
+                  </a:tr>
+                </a:tbl>
+              </a:graphicData>
+            </a:graphic>
+          </p:graphicFrame>
+        </mc:Fallback>
+      </mc:AlternateContent>
+      <p:sp>
+        <p:nvSpPr>
+          <p:cNvPr id="5" name="TextBox 4">
             <a:extLst>
               <a:ext uri="{FF2B5EF4-FFF2-40B4-BE49-F238E27FC236}">
-                <a16:creationId xmlns:a16="http://schemas.microsoft.com/office/drawing/2014/main" id="{AD0E0B80-1D6B-45B9-993C-3FBE636BD09A}"/>
+                <a16:creationId xmlns:a16="http://schemas.microsoft.com/office/drawing/2014/main" id="{AA666ACF-33A3-432B-BEF7-83DF0A1A488C}"/>
               </a:ext>
             </a:extLst>
           </p:cNvPr>
-          <p:cNvSpPr>
-            <a:spLocks noGrp="1"/>
-          </p:cNvSpPr>
-          <p:nvPr>
-            <p:ph idx="1"/>
-          </p:nvPr>
-        </p:nvSpPr>
-        <p:spPr/>
-        <p:txBody>
-          <a:bodyPr/>
+          <p:cNvSpPr txBox="1"/>
+          <p:nvPr/>
+        </p:nvSpPr>
+        <p:spPr>
+          <a:xfrm>
+            <a:off x="9572978" y="225778"/>
+            <a:ext cx="2088444" cy="1477328"/>
+          </a:xfrm>
+          <a:prstGeom prst="rect">
+            <a:avLst/>
+          </a:prstGeom>
+          <a:noFill/>
+        </p:spPr>
+        <p:txBody>
+          <a:bodyPr wrap="square" rtlCol="0">
+            <a:spAutoFit/>
+          </a:bodyPr>
           <a:lstStyle/>
           <a:p>
-            <a:endParaRPr lang="en-US" dirty="0"/>
+            <a:r>
+              <a:rPr lang="en-US" dirty="0"/>
+              <a:t>Math Clip Art</a:t>
+            </a:r>
+          </a:p>
+          <a:p>
+            <a:r>
+              <a:rPr lang="en-US" dirty="0"/>
+              <a:t>Scholarly by hand</a:t>
+            </a:r>
+          </a:p>
+          <a:p>
+            <a:r>
+              <a:rPr lang="en-US" dirty="0"/>
+              <a:t>Design of Car on Paper</a:t>
+            </a:r>
           </a:p>
         </p:txBody>
       </p:sp>
@@ -6549,7 +11596,7 @@
           <p:cNvPr id="2" name="Title 1">
             <a:extLst>
               <a:ext uri="{FF2B5EF4-FFF2-40B4-BE49-F238E27FC236}">
-                <a16:creationId xmlns:a16="http://schemas.microsoft.com/office/drawing/2014/main" id="{5F259330-1E98-49B4-8794-AA202D248DF9}"/>
+                <a16:creationId xmlns:a16="http://schemas.microsoft.com/office/drawing/2014/main" id="{845F4AEA-9AD5-4987-BC6F-212DE0DBA326}"/>
               </a:ext>
             </a:extLst>
           </p:cNvPr>
@@ -6585,38 +11632,2014 @@
               <a:rPr lang="en-US" dirty="0"/>
               <a:t> Order</a:t>
             </a:r>
-          </a:p>
-        </p:txBody>
-      </p:sp>
-      <p:sp>
-        <p:nvSpPr>
-          <p:cNvPr id="3" name="Content Placeholder 2">
+            <a:br>
+              <a:rPr lang="en-US" dirty="0"/>
+            </a:br>
+            <a:r>
+              <a:rPr lang="en-US" dirty="0"/>
+              <a:t>Pseudocode </a:t>
+            </a:r>
+          </a:p>
+        </p:txBody>
+      </p:sp>
+      <mc:AlternateContent xmlns:mc="http://schemas.openxmlformats.org/markup-compatibility/2006">
+        <mc:Choice xmlns:a14="http://schemas.microsoft.com/office/drawing/2010/main" Requires="a14">
+          <p:sp>
+            <p:nvSpPr>
+              <p:cNvPr id="3" name="Content Placeholder 2">
+                <a:extLst>
+                  <a:ext uri="{FF2B5EF4-FFF2-40B4-BE49-F238E27FC236}">
+                    <a16:creationId xmlns:a16="http://schemas.microsoft.com/office/drawing/2014/main" id="{CD03C8B0-2037-4DC1-8B43-1FEF13EE700D}"/>
+                  </a:ext>
+                </a:extLst>
+              </p:cNvPr>
+              <p:cNvSpPr>
+                <a:spLocks noGrp="1"/>
+              </p:cNvSpPr>
+              <p:nvPr>
+                <p:ph idx="1"/>
+              </p:nvPr>
+            </p:nvSpPr>
+            <p:spPr/>
+            <p:txBody>
+              <a:bodyPr>
+                <a:normAutofit fontScale="92500" lnSpcReduction="20000"/>
+              </a:bodyPr>
+              <a:lstStyle/>
+              <a:p>
+                <a:r>
+                  <a:rPr lang="en-US" i="1" dirty="0">
+                    <a:solidFill>
+                      <a:schemeClr val="tx1">
+                        <a:lumMod val="85000"/>
+                      </a:schemeClr>
+                    </a:solidFill>
+                  </a:rPr>
+                  <a:t>First Step</a:t>
+                </a:r>
+              </a:p>
+              <a:p>
+                <a:pPr lvl="1"/>
+                <a14:m>
+                  <m:oMath xmlns:m="http://schemas.openxmlformats.org/officeDocument/2006/math">
+                    <m:sSubSup>
+                      <m:sSubSupPr>
+                        <m:ctrlPr>
+                          <a:rPr lang="en-US" i="1" smtClean="0">
+                            <a:solidFill>
+                              <a:schemeClr val="tx1">
+                                <a:lumMod val="85000"/>
+                              </a:schemeClr>
+                            </a:solidFill>
+                          </a:rPr>
+                        </m:ctrlPr>
+                      </m:sSubSupPr>
+                      <m:e>
+                        <m:r>
+                          <a:rPr lang="en-US" i="1">
+                            <a:solidFill>
+                              <a:schemeClr val="tx1">
+                                <a:lumMod val="85000"/>
+                              </a:schemeClr>
+                            </a:solidFill>
+                          </a:rPr>
+                          <m:t>𝑣</m:t>
+                        </m:r>
+                      </m:e>
+                      <m:sub>
+                        <m:r>
+                          <a:rPr lang="en-US" i="1">
+                            <a:solidFill>
+                              <a:schemeClr val="tx1">
+                                <a:lumMod val="85000"/>
+                              </a:schemeClr>
+                            </a:solidFill>
+                          </a:rPr>
+                          <m:t>𝑗</m:t>
+                        </m:r>
+                      </m:sub>
+                      <m:sup>
+                        <m:r>
+                          <a:rPr lang="en-US" i="1">
+                            <a:solidFill>
+                              <a:schemeClr val="tx1">
+                                <a:lumMod val="85000"/>
+                              </a:schemeClr>
+                            </a:solidFill>
+                          </a:rPr>
+                          <m:t>∗</m:t>
+                        </m:r>
+                      </m:sup>
+                    </m:sSubSup>
+                    <m:r>
+                      <a:rPr lang="en-US" i="1">
+                        <a:solidFill>
+                          <a:schemeClr val="tx1">
+                            <a:lumMod val="85000"/>
+                          </a:schemeClr>
+                        </a:solidFill>
+                      </a:rPr>
+                      <m:t>= </m:t>
+                    </m:r>
+                    <m:sSubSup>
+                      <m:sSubSupPr>
+                        <m:ctrlPr>
+                          <a:rPr lang="en-US" i="1">
+                            <a:solidFill>
+                              <a:schemeClr val="tx1">
+                                <a:lumMod val="85000"/>
+                              </a:schemeClr>
+                            </a:solidFill>
+                          </a:rPr>
+                        </m:ctrlPr>
+                      </m:sSubSupPr>
+                      <m:e>
+                        <m:r>
+                          <a:rPr lang="en-US" i="1">
+                            <a:solidFill>
+                              <a:schemeClr val="tx1">
+                                <a:lumMod val="85000"/>
+                              </a:schemeClr>
+                            </a:solidFill>
+                          </a:rPr>
+                          <m:t>𝑣</m:t>
+                        </m:r>
+                      </m:e>
+                      <m:sub>
+                        <m:r>
+                          <a:rPr lang="en-US" i="1">
+                            <a:solidFill>
+                              <a:schemeClr val="tx1">
+                                <a:lumMod val="85000"/>
+                              </a:schemeClr>
+                            </a:solidFill>
+                          </a:rPr>
+                          <m:t>𝑗</m:t>
+                        </m:r>
+                      </m:sub>
+                      <m:sup>
+                        <m:r>
+                          <a:rPr lang="en-US" i="1">
+                            <a:solidFill>
+                              <a:schemeClr val="tx1">
+                                <a:lumMod val="85000"/>
+                              </a:schemeClr>
+                            </a:solidFill>
+                          </a:rPr>
+                          <m:t>𝑛</m:t>
+                        </m:r>
+                        <m:r>
+                          <a:rPr lang="en-US" i="1">
+                            <a:solidFill>
+                              <a:schemeClr val="tx1">
+                                <a:lumMod val="85000"/>
+                              </a:schemeClr>
+                            </a:solidFill>
+                          </a:rPr>
+                          <m:t>−1</m:t>
+                        </m:r>
+                      </m:sup>
+                    </m:sSubSup>
+                    <m:r>
+                      <a:rPr lang="en-US" i="1">
+                        <a:solidFill>
+                          <a:schemeClr val="tx1">
+                            <a:lumMod val="85000"/>
+                          </a:schemeClr>
+                        </a:solidFill>
+                      </a:rPr>
+                      <m:t>+</m:t>
+                    </m:r>
+                    <m:f>
+                      <m:fPr>
+                        <m:ctrlPr>
+                          <a:rPr lang="en-US" i="1">
+                            <a:solidFill>
+                              <a:schemeClr val="tx1">
+                                <a:lumMod val="85000"/>
+                              </a:schemeClr>
+                            </a:solidFill>
+                          </a:rPr>
+                        </m:ctrlPr>
+                      </m:fPr>
+                      <m:num>
+                        <m:r>
+                          <a:rPr lang="en-US" i="1">
+                            <a:solidFill>
+                              <a:schemeClr val="tx1">
+                                <a:lumMod val="85000"/>
+                              </a:schemeClr>
+                            </a:solidFill>
+                          </a:rPr>
+                          <m:t>𝑑𝑡</m:t>
+                        </m:r>
+                      </m:num>
+                      <m:den>
+                        <m:r>
+                          <a:rPr lang="en-US" i="1">
+                            <a:solidFill>
+                              <a:schemeClr val="tx1">
+                                <a:lumMod val="85000"/>
+                              </a:schemeClr>
+                            </a:solidFill>
+                          </a:rPr>
+                          <m:t>2</m:t>
+                        </m:r>
+                      </m:den>
+                    </m:f>
+                    <m:r>
+                      <a:rPr lang="en-US" i="1">
+                        <a:solidFill>
+                          <a:schemeClr val="tx1">
+                            <a:lumMod val="85000"/>
+                          </a:schemeClr>
+                        </a:solidFill>
+                      </a:rPr>
+                      <m:t>∗</m:t>
+                    </m:r>
+                    <m:r>
+                      <a:rPr lang="en-US" i="1">
+                        <a:solidFill>
+                          <a:schemeClr val="tx1">
+                            <a:lumMod val="85000"/>
+                          </a:schemeClr>
+                        </a:solidFill>
+                      </a:rPr>
+                      <m:t>𝑓</m:t>
+                    </m:r>
+                    <m:r>
+                      <a:rPr lang="en-US" i="1">
+                        <a:solidFill>
+                          <a:schemeClr val="tx1">
+                            <a:lumMod val="85000"/>
+                          </a:schemeClr>
+                        </a:solidFill>
+                      </a:rPr>
+                      <m:t>(</m:t>
+                    </m:r>
+                    <m:sSup>
+                      <m:sSupPr>
+                        <m:ctrlPr>
+                          <a:rPr lang="en-US" i="1">
+                            <a:solidFill>
+                              <a:schemeClr val="tx1">
+                                <a:lumMod val="85000"/>
+                              </a:schemeClr>
+                            </a:solidFill>
+                          </a:rPr>
+                        </m:ctrlPr>
+                      </m:sSupPr>
+                      <m:e>
+                        <m:r>
+                          <a:rPr lang="en-US" i="1">
+                            <a:solidFill>
+                              <a:schemeClr val="tx1">
+                                <a:lumMod val="85000"/>
+                              </a:schemeClr>
+                            </a:solidFill>
+                          </a:rPr>
+                          <m:t>𝑡</m:t>
+                        </m:r>
+                      </m:e>
+                      <m:sup>
+                        <m:r>
+                          <a:rPr lang="en-US" i="1">
+                            <a:solidFill>
+                              <a:schemeClr val="tx1">
+                                <a:lumMod val="85000"/>
+                              </a:schemeClr>
+                            </a:solidFill>
+                          </a:rPr>
+                          <m:t>𝑛</m:t>
+                        </m:r>
+                        <m:r>
+                          <a:rPr lang="en-US" i="1">
+                            <a:solidFill>
+                              <a:schemeClr val="tx1">
+                                <a:lumMod val="85000"/>
+                              </a:schemeClr>
+                            </a:solidFill>
+                          </a:rPr>
+                          <m:t>−1</m:t>
+                        </m:r>
+                      </m:sup>
+                    </m:sSup>
+                    <m:r>
+                      <a:rPr lang="en-US" i="1">
+                        <a:solidFill>
+                          <a:schemeClr val="tx1">
+                            <a:lumMod val="85000"/>
+                          </a:schemeClr>
+                        </a:solidFill>
+                      </a:rPr>
+                      <m:t>,</m:t>
+                    </m:r>
+                    <m:sSup>
+                      <m:sSupPr>
+                        <m:ctrlPr>
+                          <a:rPr lang="en-US" i="1">
+                            <a:solidFill>
+                              <a:schemeClr val="tx1">
+                                <a:lumMod val="85000"/>
+                              </a:schemeClr>
+                            </a:solidFill>
+                          </a:rPr>
+                        </m:ctrlPr>
+                      </m:sSupPr>
+                      <m:e>
+                        <m:r>
+                          <a:rPr lang="en-US" i="1">
+                            <a:solidFill>
+                              <a:schemeClr val="tx1">
+                                <a:lumMod val="85000"/>
+                              </a:schemeClr>
+                            </a:solidFill>
+                          </a:rPr>
+                          <m:t>𝑣</m:t>
+                        </m:r>
+                      </m:e>
+                      <m:sup>
+                        <m:r>
+                          <a:rPr lang="en-US" i="1">
+                            <a:solidFill>
+                              <a:schemeClr val="tx1">
+                                <a:lumMod val="85000"/>
+                              </a:schemeClr>
+                            </a:solidFill>
+                          </a:rPr>
+                          <m:t>𝑛</m:t>
+                        </m:r>
+                        <m:r>
+                          <a:rPr lang="en-US" i="1">
+                            <a:solidFill>
+                              <a:schemeClr val="tx1">
+                                <a:lumMod val="85000"/>
+                              </a:schemeClr>
+                            </a:solidFill>
+                          </a:rPr>
+                          <m:t>−1</m:t>
+                        </m:r>
+                      </m:sup>
+                    </m:sSup>
+                    <m:r>
+                      <a:rPr lang="en-US" i="1">
+                        <a:solidFill>
+                          <a:schemeClr val="tx1">
+                            <a:lumMod val="85000"/>
+                          </a:schemeClr>
+                        </a:solidFill>
+                      </a:rPr>
+                      <m:t>)</m:t>
+                    </m:r>
+                  </m:oMath>
+                </a14:m>
+                <a:r>
+                  <a:rPr lang="en-US" dirty="0">
+                    <a:solidFill>
+                      <a:schemeClr val="tx1">
+                        <a:lumMod val="85000"/>
+                      </a:schemeClr>
+                    </a:solidFill>
+                  </a:rPr>
+                  <a:t>  </a:t>
+                </a:r>
+              </a:p>
+              <a:p>
+                <a:r>
+                  <a:rPr lang="en-US" dirty="0">
+                    <a:solidFill>
+                      <a:schemeClr val="tx1">
+                        <a:lumMod val="85000"/>
+                      </a:schemeClr>
+                    </a:solidFill>
+                  </a:rPr>
+                  <a:t>Second Step</a:t>
+                </a:r>
+              </a:p>
+              <a:p>
+                <a:pPr lvl="1"/>
+                <a14:m>
+                  <m:oMath xmlns:m="http://schemas.openxmlformats.org/officeDocument/2006/math">
+                    <m:sSubSup>
+                      <m:sSubSupPr>
+                        <m:ctrlPr>
+                          <a:rPr lang="en-US" i="1">
+                            <a:solidFill>
+                              <a:schemeClr val="tx1">
+                                <a:lumMod val="85000"/>
+                              </a:schemeClr>
+                            </a:solidFill>
+                          </a:rPr>
+                        </m:ctrlPr>
+                      </m:sSubSupPr>
+                      <m:e>
+                        <m:r>
+                          <a:rPr lang="en-US" i="1">
+                            <a:solidFill>
+                              <a:schemeClr val="tx1">
+                                <a:lumMod val="85000"/>
+                              </a:schemeClr>
+                            </a:solidFill>
+                          </a:rPr>
+                          <m:t>𝑣</m:t>
+                        </m:r>
+                      </m:e>
+                      <m:sub>
+                        <m:r>
+                          <a:rPr lang="en-US" i="1">
+                            <a:solidFill>
+                              <a:schemeClr val="tx1">
+                                <a:lumMod val="85000"/>
+                              </a:schemeClr>
+                            </a:solidFill>
+                          </a:rPr>
+                          <m:t>𝑗</m:t>
+                        </m:r>
+                      </m:sub>
+                      <m:sup>
+                        <m:r>
+                          <a:rPr lang="en-US" i="1">
+                            <a:solidFill>
+                              <a:schemeClr val="tx1">
+                                <a:lumMod val="85000"/>
+                              </a:schemeClr>
+                            </a:solidFill>
+                          </a:rPr>
+                          <m:t>∗∗</m:t>
+                        </m:r>
+                      </m:sup>
+                    </m:sSubSup>
+                    <m:r>
+                      <a:rPr lang="en-US" i="1">
+                        <a:solidFill>
+                          <a:schemeClr val="tx1">
+                            <a:lumMod val="85000"/>
+                          </a:schemeClr>
+                        </a:solidFill>
+                      </a:rPr>
+                      <m:t>= </m:t>
+                    </m:r>
+                    <m:sSubSup>
+                      <m:sSubSupPr>
+                        <m:ctrlPr>
+                          <a:rPr lang="en-US" i="1">
+                            <a:solidFill>
+                              <a:schemeClr val="tx1">
+                                <a:lumMod val="85000"/>
+                              </a:schemeClr>
+                            </a:solidFill>
+                          </a:rPr>
+                        </m:ctrlPr>
+                      </m:sSubSupPr>
+                      <m:e>
+                        <m:r>
+                          <a:rPr lang="en-US" i="1">
+                            <a:solidFill>
+                              <a:schemeClr val="tx1">
+                                <a:lumMod val="85000"/>
+                              </a:schemeClr>
+                            </a:solidFill>
+                          </a:rPr>
+                          <m:t>𝑣</m:t>
+                        </m:r>
+                      </m:e>
+                      <m:sub>
+                        <m:r>
+                          <a:rPr lang="en-US" i="1">
+                            <a:solidFill>
+                              <a:schemeClr val="tx1">
+                                <a:lumMod val="85000"/>
+                              </a:schemeClr>
+                            </a:solidFill>
+                          </a:rPr>
+                          <m:t>𝑗</m:t>
+                        </m:r>
+                      </m:sub>
+                      <m:sup>
+                        <m:r>
+                          <a:rPr lang="en-US" i="1">
+                            <a:solidFill>
+                              <a:schemeClr val="tx1">
+                                <a:lumMod val="85000"/>
+                              </a:schemeClr>
+                            </a:solidFill>
+                          </a:rPr>
+                          <m:t>𝑛</m:t>
+                        </m:r>
+                        <m:r>
+                          <a:rPr lang="en-US" i="1">
+                            <a:solidFill>
+                              <a:schemeClr val="tx1">
+                                <a:lumMod val="85000"/>
+                              </a:schemeClr>
+                            </a:solidFill>
+                          </a:rPr>
+                          <m:t>−1</m:t>
+                        </m:r>
+                      </m:sup>
+                    </m:sSubSup>
+                    <m:r>
+                      <a:rPr lang="en-US" i="1">
+                        <a:solidFill>
+                          <a:schemeClr val="tx1">
+                            <a:lumMod val="85000"/>
+                          </a:schemeClr>
+                        </a:solidFill>
+                      </a:rPr>
+                      <m:t>+</m:t>
+                    </m:r>
+                    <m:f>
+                      <m:fPr>
+                        <m:ctrlPr>
+                          <a:rPr lang="en-US" i="1">
+                            <a:solidFill>
+                              <a:schemeClr val="tx1">
+                                <a:lumMod val="85000"/>
+                              </a:schemeClr>
+                            </a:solidFill>
+                          </a:rPr>
+                        </m:ctrlPr>
+                      </m:fPr>
+                      <m:num>
+                        <m:r>
+                          <a:rPr lang="en-US" i="1">
+                            <a:solidFill>
+                              <a:schemeClr val="tx1">
+                                <a:lumMod val="85000"/>
+                              </a:schemeClr>
+                            </a:solidFill>
+                          </a:rPr>
+                          <m:t>𝑑𝑡</m:t>
+                        </m:r>
+                      </m:num>
+                      <m:den>
+                        <m:r>
+                          <a:rPr lang="en-US" i="1">
+                            <a:solidFill>
+                              <a:schemeClr val="tx1">
+                                <a:lumMod val="85000"/>
+                              </a:schemeClr>
+                            </a:solidFill>
+                          </a:rPr>
+                          <m:t>2</m:t>
+                        </m:r>
+                      </m:den>
+                    </m:f>
+                    <m:r>
+                      <a:rPr lang="en-US" i="1">
+                        <a:solidFill>
+                          <a:schemeClr val="tx1">
+                            <a:lumMod val="85000"/>
+                          </a:schemeClr>
+                        </a:solidFill>
+                      </a:rPr>
+                      <m:t>∗</m:t>
+                    </m:r>
+                    <m:r>
+                      <a:rPr lang="en-US" i="1">
+                        <a:solidFill>
+                          <a:schemeClr val="tx1">
+                            <a:lumMod val="85000"/>
+                          </a:schemeClr>
+                        </a:solidFill>
+                      </a:rPr>
+                      <m:t>𝑓</m:t>
+                    </m:r>
+                    <m:r>
+                      <a:rPr lang="en-US" i="1">
+                        <a:solidFill>
+                          <a:schemeClr val="tx1">
+                            <a:lumMod val="85000"/>
+                          </a:schemeClr>
+                        </a:solidFill>
+                      </a:rPr>
+                      <m:t>(</m:t>
+                    </m:r>
+                    <m:sSup>
+                      <m:sSupPr>
+                        <m:ctrlPr>
+                          <a:rPr lang="en-US" i="1">
+                            <a:solidFill>
+                              <a:schemeClr val="tx1">
+                                <a:lumMod val="85000"/>
+                              </a:schemeClr>
+                            </a:solidFill>
+                          </a:rPr>
+                        </m:ctrlPr>
+                      </m:sSupPr>
+                      <m:e>
+                        <m:r>
+                          <a:rPr lang="en-US" i="1">
+                            <a:solidFill>
+                              <a:schemeClr val="tx1">
+                                <a:lumMod val="85000"/>
+                              </a:schemeClr>
+                            </a:solidFill>
+                          </a:rPr>
+                          <m:t>𝑡</m:t>
+                        </m:r>
+                      </m:e>
+                      <m:sup>
+                        <m:r>
+                          <a:rPr lang="en-US" i="1">
+                            <a:solidFill>
+                              <a:schemeClr val="tx1">
+                                <a:lumMod val="85000"/>
+                              </a:schemeClr>
+                            </a:solidFill>
+                          </a:rPr>
+                          <m:t>𝑛</m:t>
+                        </m:r>
+                        <m:r>
+                          <a:rPr lang="en-US" i="1">
+                            <a:solidFill>
+                              <a:schemeClr val="tx1">
+                                <a:lumMod val="85000"/>
+                              </a:schemeClr>
+                            </a:solidFill>
+                          </a:rPr>
+                          <m:t>−1</m:t>
+                        </m:r>
+                      </m:sup>
+                    </m:sSup>
+                    <m:r>
+                      <a:rPr lang="en-US" i="1">
+                        <a:solidFill>
+                          <a:schemeClr val="tx1">
+                            <a:lumMod val="85000"/>
+                          </a:schemeClr>
+                        </a:solidFill>
+                      </a:rPr>
+                      <m:t>+</m:t>
+                    </m:r>
+                    <m:f>
+                      <m:fPr>
+                        <m:ctrlPr>
+                          <a:rPr lang="en-US" i="1">
+                            <a:solidFill>
+                              <a:schemeClr val="tx1">
+                                <a:lumMod val="85000"/>
+                              </a:schemeClr>
+                            </a:solidFill>
+                          </a:rPr>
+                        </m:ctrlPr>
+                      </m:fPr>
+                      <m:num>
+                        <m:r>
+                          <a:rPr lang="en-US" i="1">
+                            <a:solidFill>
+                              <a:schemeClr val="tx1">
+                                <a:lumMod val="85000"/>
+                              </a:schemeClr>
+                            </a:solidFill>
+                          </a:rPr>
+                          <m:t>1</m:t>
+                        </m:r>
+                      </m:num>
+                      <m:den>
+                        <m:r>
+                          <a:rPr lang="en-US" i="1">
+                            <a:solidFill>
+                              <a:schemeClr val="tx1">
+                                <a:lumMod val="85000"/>
+                              </a:schemeClr>
+                            </a:solidFill>
+                          </a:rPr>
+                          <m:t>2</m:t>
+                        </m:r>
+                      </m:den>
+                    </m:f>
+                    <m:r>
+                      <a:rPr lang="en-US" i="1">
+                        <a:solidFill>
+                          <a:schemeClr val="tx1">
+                            <a:lumMod val="85000"/>
+                          </a:schemeClr>
+                        </a:solidFill>
+                      </a:rPr>
+                      <m:t> </m:t>
+                    </m:r>
+                    <m:r>
+                      <a:rPr lang="en-US" i="1">
+                        <a:solidFill>
+                          <a:schemeClr val="tx1">
+                            <a:lumMod val="85000"/>
+                          </a:schemeClr>
+                        </a:solidFill>
+                      </a:rPr>
+                      <m:t>𝑑𝑡</m:t>
+                    </m:r>
+                    <m:r>
+                      <a:rPr lang="en-US" i="1">
+                        <a:solidFill>
+                          <a:schemeClr val="tx1">
+                            <a:lumMod val="85000"/>
+                          </a:schemeClr>
+                        </a:solidFill>
+                      </a:rPr>
+                      <m:t>,</m:t>
+                    </m:r>
+                    <m:sSup>
+                      <m:sSupPr>
+                        <m:ctrlPr>
+                          <a:rPr lang="en-US" i="1">
+                            <a:solidFill>
+                              <a:schemeClr val="tx1">
+                                <a:lumMod val="85000"/>
+                              </a:schemeClr>
+                            </a:solidFill>
+                          </a:rPr>
+                        </m:ctrlPr>
+                      </m:sSupPr>
+                      <m:e>
+                        <m:r>
+                          <a:rPr lang="en-US" i="1">
+                            <a:solidFill>
+                              <a:schemeClr val="tx1">
+                                <a:lumMod val="85000"/>
+                              </a:schemeClr>
+                            </a:solidFill>
+                          </a:rPr>
+                          <m:t>𝑣</m:t>
+                        </m:r>
+                      </m:e>
+                      <m:sup>
+                        <m:r>
+                          <a:rPr lang="en-US" i="1">
+                            <a:solidFill>
+                              <a:schemeClr val="tx1">
+                                <a:lumMod val="85000"/>
+                              </a:schemeClr>
+                            </a:solidFill>
+                          </a:rPr>
+                          <m:t>∗</m:t>
+                        </m:r>
+                      </m:sup>
+                    </m:sSup>
+                    <m:r>
+                      <a:rPr lang="en-US" i="1">
+                        <a:solidFill>
+                          <a:schemeClr val="tx1">
+                            <a:lumMod val="85000"/>
+                          </a:schemeClr>
+                        </a:solidFill>
+                      </a:rPr>
+                      <m:t>)</m:t>
+                    </m:r>
+                  </m:oMath>
+                </a14:m>
+                <a:r>
+                  <a:rPr lang="en-US" dirty="0">
+                    <a:solidFill>
+                      <a:schemeClr val="tx1">
+                        <a:lumMod val="85000"/>
+                      </a:schemeClr>
+                    </a:solidFill>
+                  </a:rPr>
+                  <a:t> </a:t>
+                </a:r>
+              </a:p>
+              <a:p>
+                <a:r>
+                  <a:rPr lang="en-US" dirty="0">
+                    <a:solidFill>
+                      <a:schemeClr val="tx1">
+                        <a:lumMod val="85000"/>
+                      </a:schemeClr>
+                    </a:solidFill>
+                  </a:rPr>
+                  <a:t>Third Step </a:t>
+                </a:r>
+              </a:p>
+              <a:p>
+                <a:pPr lvl="1"/>
+                <a14:m>
+                  <m:oMath xmlns:m="http://schemas.openxmlformats.org/officeDocument/2006/math">
+                    <m:sSubSup>
+                      <m:sSubSupPr>
+                        <m:ctrlPr>
+                          <a:rPr lang="en-US" i="1">
+                            <a:solidFill>
+                              <a:schemeClr val="tx1">
+                                <a:lumMod val="85000"/>
+                              </a:schemeClr>
+                            </a:solidFill>
+                          </a:rPr>
+                        </m:ctrlPr>
+                      </m:sSubSupPr>
+                      <m:e>
+                        <m:r>
+                          <a:rPr lang="en-US" i="1">
+                            <a:solidFill>
+                              <a:schemeClr val="tx1">
+                                <a:lumMod val="85000"/>
+                              </a:schemeClr>
+                            </a:solidFill>
+                          </a:rPr>
+                          <m:t>𝑣</m:t>
+                        </m:r>
+                      </m:e>
+                      <m:sub>
+                        <m:r>
+                          <a:rPr lang="en-US" i="1">
+                            <a:solidFill>
+                              <a:schemeClr val="tx1">
+                                <a:lumMod val="85000"/>
+                              </a:schemeClr>
+                            </a:solidFill>
+                          </a:rPr>
+                          <m:t>𝑗</m:t>
+                        </m:r>
+                      </m:sub>
+                      <m:sup>
+                        <m:r>
+                          <a:rPr lang="en-US" i="1">
+                            <a:solidFill>
+                              <a:schemeClr val="tx1">
+                                <a:lumMod val="85000"/>
+                              </a:schemeClr>
+                            </a:solidFill>
+                          </a:rPr>
+                          <m:t>∗∗∗</m:t>
+                        </m:r>
+                      </m:sup>
+                    </m:sSubSup>
+                    <m:r>
+                      <a:rPr lang="en-US" i="1">
+                        <a:solidFill>
+                          <a:schemeClr val="tx1">
+                            <a:lumMod val="85000"/>
+                          </a:schemeClr>
+                        </a:solidFill>
+                      </a:rPr>
+                      <m:t>= </m:t>
+                    </m:r>
+                    <m:sSubSup>
+                      <m:sSubSupPr>
+                        <m:ctrlPr>
+                          <a:rPr lang="en-US" i="1">
+                            <a:solidFill>
+                              <a:schemeClr val="tx1">
+                                <a:lumMod val="85000"/>
+                              </a:schemeClr>
+                            </a:solidFill>
+                          </a:rPr>
+                        </m:ctrlPr>
+                      </m:sSubSupPr>
+                      <m:e>
+                        <m:r>
+                          <a:rPr lang="en-US" i="1">
+                            <a:solidFill>
+                              <a:schemeClr val="tx1">
+                                <a:lumMod val="85000"/>
+                              </a:schemeClr>
+                            </a:solidFill>
+                          </a:rPr>
+                          <m:t>𝑣</m:t>
+                        </m:r>
+                      </m:e>
+                      <m:sub>
+                        <m:r>
+                          <a:rPr lang="en-US" i="1">
+                            <a:solidFill>
+                              <a:schemeClr val="tx1">
+                                <a:lumMod val="85000"/>
+                              </a:schemeClr>
+                            </a:solidFill>
+                          </a:rPr>
+                          <m:t>𝑗</m:t>
+                        </m:r>
+                      </m:sub>
+                      <m:sup>
+                        <m:r>
+                          <a:rPr lang="en-US" i="1">
+                            <a:solidFill>
+                              <a:schemeClr val="tx1">
+                                <a:lumMod val="85000"/>
+                              </a:schemeClr>
+                            </a:solidFill>
+                          </a:rPr>
+                          <m:t>𝑛</m:t>
+                        </m:r>
+                        <m:r>
+                          <a:rPr lang="en-US" i="1">
+                            <a:solidFill>
+                              <a:schemeClr val="tx1">
+                                <a:lumMod val="85000"/>
+                              </a:schemeClr>
+                            </a:solidFill>
+                          </a:rPr>
+                          <m:t>−1</m:t>
+                        </m:r>
+                      </m:sup>
+                    </m:sSubSup>
+                    <m:r>
+                      <a:rPr lang="en-US" i="1">
+                        <a:solidFill>
+                          <a:schemeClr val="tx1">
+                            <a:lumMod val="85000"/>
+                          </a:schemeClr>
+                        </a:solidFill>
+                      </a:rPr>
+                      <m:t>+</m:t>
+                    </m:r>
+                    <m:r>
+                      <a:rPr lang="en-US" i="1">
+                        <a:solidFill>
+                          <a:schemeClr val="tx1">
+                            <a:lumMod val="85000"/>
+                          </a:schemeClr>
+                        </a:solidFill>
+                      </a:rPr>
+                      <m:t>𝑑𝑡</m:t>
+                    </m:r>
+                    <m:r>
+                      <a:rPr lang="en-US" i="1">
+                        <a:solidFill>
+                          <a:schemeClr val="tx1">
+                            <a:lumMod val="85000"/>
+                          </a:schemeClr>
+                        </a:solidFill>
+                      </a:rPr>
+                      <m:t>∗</m:t>
+                    </m:r>
+                    <m:r>
+                      <a:rPr lang="en-US" i="1">
+                        <a:solidFill>
+                          <a:schemeClr val="tx1">
+                            <a:lumMod val="85000"/>
+                          </a:schemeClr>
+                        </a:solidFill>
+                      </a:rPr>
+                      <m:t>𝑓</m:t>
+                    </m:r>
+                    <m:r>
+                      <a:rPr lang="en-US" i="1">
+                        <a:solidFill>
+                          <a:schemeClr val="tx1">
+                            <a:lumMod val="85000"/>
+                          </a:schemeClr>
+                        </a:solidFill>
+                      </a:rPr>
+                      <m:t>(</m:t>
+                    </m:r>
+                    <m:sSup>
+                      <m:sSupPr>
+                        <m:ctrlPr>
+                          <a:rPr lang="en-US" i="1">
+                            <a:solidFill>
+                              <a:schemeClr val="tx1">
+                                <a:lumMod val="85000"/>
+                              </a:schemeClr>
+                            </a:solidFill>
+                          </a:rPr>
+                        </m:ctrlPr>
+                      </m:sSupPr>
+                      <m:e>
+                        <m:r>
+                          <a:rPr lang="en-US" i="1">
+                            <a:solidFill>
+                              <a:schemeClr val="tx1">
+                                <a:lumMod val="85000"/>
+                              </a:schemeClr>
+                            </a:solidFill>
+                          </a:rPr>
+                          <m:t>𝑡</m:t>
+                        </m:r>
+                      </m:e>
+                      <m:sup>
+                        <m:r>
+                          <a:rPr lang="en-US" i="1">
+                            <a:solidFill>
+                              <a:schemeClr val="tx1">
+                                <a:lumMod val="85000"/>
+                              </a:schemeClr>
+                            </a:solidFill>
+                          </a:rPr>
+                          <m:t>𝑛</m:t>
+                        </m:r>
+                        <m:r>
+                          <a:rPr lang="en-US" i="1">
+                            <a:solidFill>
+                              <a:schemeClr val="tx1">
+                                <a:lumMod val="85000"/>
+                              </a:schemeClr>
+                            </a:solidFill>
+                          </a:rPr>
+                          <m:t>−1</m:t>
+                        </m:r>
+                      </m:sup>
+                    </m:sSup>
+                    <m:r>
+                      <a:rPr lang="en-US" i="1">
+                        <a:solidFill>
+                          <a:schemeClr val="tx1">
+                            <a:lumMod val="85000"/>
+                          </a:schemeClr>
+                        </a:solidFill>
+                      </a:rPr>
+                      <m:t>+</m:t>
+                    </m:r>
+                    <m:f>
+                      <m:fPr>
+                        <m:ctrlPr>
+                          <a:rPr lang="en-US" i="1">
+                            <a:solidFill>
+                              <a:schemeClr val="tx1">
+                                <a:lumMod val="85000"/>
+                              </a:schemeClr>
+                            </a:solidFill>
+                          </a:rPr>
+                        </m:ctrlPr>
+                      </m:fPr>
+                      <m:num>
+                        <m:r>
+                          <a:rPr lang="en-US" i="1">
+                            <a:solidFill>
+                              <a:schemeClr val="tx1">
+                                <a:lumMod val="85000"/>
+                              </a:schemeClr>
+                            </a:solidFill>
+                          </a:rPr>
+                          <m:t>1</m:t>
+                        </m:r>
+                      </m:num>
+                      <m:den>
+                        <m:r>
+                          <a:rPr lang="en-US" i="1">
+                            <a:solidFill>
+                              <a:schemeClr val="tx1">
+                                <a:lumMod val="85000"/>
+                              </a:schemeClr>
+                            </a:solidFill>
+                          </a:rPr>
+                          <m:t>2</m:t>
+                        </m:r>
+                      </m:den>
+                    </m:f>
+                    <m:r>
+                      <a:rPr lang="en-US" i="1">
+                        <a:solidFill>
+                          <a:schemeClr val="tx1">
+                            <a:lumMod val="85000"/>
+                          </a:schemeClr>
+                        </a:solidFill>
+                      </a:rPr>
+                      <m:t>𝑑𝑡</m:t>
+                    </m:r>
+                    <m:r>
+                      <a:rPr lang="en-US" i="1">
+                        <a:solidFill>
+                          <a:schemeClr val="tx1">
+                            <a:lumMod val="85000"/>
+                          </a:schemeClr>
+                        </a:solidFill>
+                      </a:rPr>
+                      <m:t>,</m:t>
+                    </m:r>
+                    <m:sSup>
+                      <m:sSupPr>
+                        <m:ctrlPr>
+                          <a:rPr lang="en-US" i="1">
+                            <a:solidFill>
+                              <a:schemeClr val="tx1">
+                                <a:lumMod val="85000"/>
+                              </a:schemeClr>
+                            </a:solidFill>
+                          </a:rPr>
+                        </m:ctrlPr>
+                      </m:sSupPr>
+                      <m:e>
+                        <m:r>
+                          <a:rPr lang="en-US" i="1">
+                            <a:solidFill>
+                              <a:schemeClr val="tx1">
+                                <a:lumMod val="85000"/>
+                              </a:schemeClr>
+                            </a:solidFill>
+                          </a:rPr>
+                          <m:t>𝑣</m:t>
+                        </m:r>
+                      </m:e>
+                      <m:sup>
+                        <m:r>
+                          <a:rPr lang="en-US" i="1">
+                            <a:solidFill>
+                              <a:schemeClr val="tx1">
+                                <a:lumMod val="85000"/>
+                              </a:schemeClr>
+                            </a:solidFill>
+                          </a:rPr>
+                          <m:t>∗∗</m:t>
+                        </m:r>
+                      </m:sup>
+                    </m:sSup>
+                    <m:r>
+                      <a:rPr lang="en-US" i="1">
+                        <a:solidFill>
+                          <a:schemeClr val="tx1">
+                            <a:lumMod val="85000"/>
+                          </a:schemeClr>
+                        </a:solidFill>
+                      </a:rPr>
+                      <m:t>)</m:t>
+                    </m:r>
+                  </m:oMath>
+                </a14:m>
+                <a:r>
+                  <a:rPr lang="en-US" dirty="0">
+                    <a:solidFill>
+                      <a:schemeClr val="tx1">
+                        <a:lumMod val="85000"/>
+                      </a:schemeClr>
+                    </a:solidFill>
+                  </a:rPr>
+                  <a:t>  </a:t>
+                </a:r>
+              </a:p>
+              <a:p>
+                <a:r>
+                  <a:rPr lang="en-US" dirty="0">
+                    <a:solidFill>
+                      <a:schemeClr val="tx1">
+                        <a:lumMod val="85000"/>
+                      </a:schemeClr>
+                    </a:solidFill>
+                  </a:rPr>
+                  <a:t>Final Step</a:t>
+                </a:r>
+              </a:p>
+              <a:p>
+                <a:pPr lvl="1"/>
+                <a14:m>
+                  <m:oMath xmlns:m="http://schemas.openxmlformats.org/officeDocument/2006/math">
+                    <m:sSubSup>
+                      <m:sSubSupPr>
+                        <m:ctrlPr>
+                          <a:rPr lang="en-US" i="1">
+                            <a:solidFill>
+                              <a:schemeClr val="tx1">
+                                <a:lumMod val="85000"/>
+                              </a:schemeClr>
+                            </a:solidFill>
+                          </a:rPr>
+                        </m:ctrlPr>
+                      </m:sSubSupPr>
+                      <m:e>
+                        <m:r>
+                          <a:rPr lang="en-US" i="1">
+                            <a:solidFill>
+                              <a:schemeClr val="tx1">
+                                <a:lumMod val="85000"/>
+                              </a:schemeClr>
+                            </a:solidFill>
+                          </a:rPr>
+                          <m:t>𝑣</m:t>
+                        </m:r>
+                      </m:e>
+                      <m:sub>
+                        <m:r>
+                          <a:rPr lang="en-US" i="1">
+                            <a:solidFill>
+                              <a:schemeClr val="tx1">
+                                <a:lumMod val="85000"/>
+                              </a:schemeClr>
+                            </a:solidFill>
+                          </a:rPr>
+                          <m:t>𝑗</m:t>
+                        </m:r>
+                      </m:sub>
+                      <m:sup>
+                        <m:r>
+                          <a:rPr lang="en-US" i="1">
+                            <a:solidFill>
+                              <a:schemeClr val="tx1">
+                                <a:lumMod val="85000"/>
+                              </a:schemeClr>
+                            </a:solidFill>
+                          </a:rPr>
+                          <m:t>𝑛</m:t>
+                        </m:r>
+                      </m:sup>
+                    </m:sSubSup>
+                    <m:r>
+                      <a:rPr lang="en-US" i="1">
+                        <a:solidFill>
+                          <a:schemeClr val="tx1">
+                            <a:lumMod val="85000"/>
+                          </a:schemeClr>
+                        </a:solidFill>
+                      </a:rPr>
+                      <m:t>= </m:t>
+                    </m:r>
+                    <m:sSubSup>
+                      <m:sSubSupPr>
+                        <m:ctrlPr>
+                          <a:rPr lang="en-US" i="1">
+                            <a:solidFill>
+                              <a:schemeClr val="tx1">
+                                <a:lumMod val="85000"/>
+                              </a:schemeClr>
+                            </a:solidFill>
+                          </a:rPr>
+                        </m:ctrlPr>
+                      </m:sSubSupPr>
+                      <m:e>
+                        <m:r>
+                          <a:rPr lang="en-US" i="1">
+                            <a:solidFill>
+                              <a:schemeClr val="tx1">
+                                <a:lumMod val="85000"/>
+                              </a:schemeClr>
+                            </a:solidFill>
+                          </a:rPr>
+                          <m:t>𝑣</m:t>
+                        </m:r>
+                      </m:e>
+                      <m:sub>
+                        <m:r>
+                          <a:rPr lang="en-US" i="1">
+                            <a:solidFill>
+                              <a:schemeClr val="tx1">
+                                <a:lumMod val="85000"/>
+                              </a:schemeClr>
+                            </a:solidFill>
+                          </a:rPr>
+                          <m:t>𝑗</m:t>
+                        </m:r>
+                      </m:sub>
+                      <m:sup>
+                        <m:r>
+                          <a:rPr lang="en-US" i="1">
+                            <a:solidFill>
+                              <a:schemeClr val="tx1">
+                                <a:lumMod val="85000"/>
+                              </a:schemeClr>
+                            </a:solidFill>
+                          </a:rPr>
+                          <m:t>𝑛</m:t>
+                        </m:r>
+                        <m:r>
+                          <a:rPr lang="en-US" i="1">
+                            <a:solidFill>
+                              <a:schemeClr val="tx1">
+                                <a:lumMod val="85000"/>
+                              </a:schemeClr>
+                            </a:solidFill>
+                          </a:rPr>
+                          <m:t>−1</m:t>
+                        </m:r>
+                      </m:sup>
+                    </m:sSubSup>
+                    <m:r>
+                      <a:rPr lang="en-US" i="1">
+                        <a:solidFill>
+                          <a:schemeClr val="tx1">
+                            <a:lumMod val="85000"/>
+                          </a:schemeClr>
+                        </a:solidFill>
+                      </a:rPr>
+                      <m:t>+</m:t>
+                    </m:r>
+                    <m:f>
+                      <m:fPr>
+                        <m:ctrlPr>
+                          <a:rPr lang="en-US" i="1">
+                            <a:solidFill>
+                              <a:schemeClr val="tx1">
+                                <a:lumMod val="85000"/>
+                              </a:schemeClr>
+                            </a:solidFill>
+                          </a:rPr>
+                        </m:ctrlPr>
+                      </m:fPr>
+                      <m:num>
+                        <m:r>
+                          <a:rPr lang="en-US" i="1">
+                            <a:solidFill>
+                              <a:schemeClr val="tx1">
+                                <a:lumMod val="85000"/>
+                              </a:schemeClr>
+                            </a:solidFill>
+                          </a:rPr>
+                          <m:t>𝑑𝑡</m:t>
+                        </m:r>
+                      </m:num>
+                      <m:den>
+                        <m:r>
+                          <a:rPr lang="en-US" i="1">
+                            <a:solidFill>
+                              <a:schemeClr val="tx1">
+                                <a:lumMod val="85000"/>
+                              </a:schemeClr>
+                            </a:solidFill>
+                          </a:rPr>
+                          <m:t>6</m:t>
+                        </m:r>
+                      </m:den>
+                    </m:f>
+                    <m:r>
+                      <a:rPr lang="en-US" i="1">
+                        <a:solidFill>
+                          <a:schemeClr val="tx1">
+                            <a:lumMod val="85000"/>
+                          </a:schemeClr>
+                        </a:solidFill>
+                      </a:rPr>
+                      <m:t>∗[ </m:t>
+                    </m:r>
+                    <m:r>
+                      <a:rPr lang="en-US" i="1">
+                        <a:solidFill>
+                          <a:schemeClr val="tx1">
+                            <a:lumMod val="85000"/>
+                          </a:schemeClr>
+                        </a:solidFill>
+                      </a:rPr>
+                      <m:t>𝑓</m:t>
+                    </m:r>
+                    <m:d>
+                      <m:dPr>
+                        <m:ctrlPr>
+                          <a:rPr lang="en-US" i="1">
+                            <a:solidFill>
+                              <a:schemeClr val="tx1">
+                                <a:lumMod val="85000"/>
+                              </a:schemeClr>
+                            </a:solidFill>
+                          </a:rPr>
+                        </m:ctrlPr>
+                      </m:dPr>
+                      <m:e>
+                        <m:sSup>
+                          <m:sSupPr>
+                            <m:ctrlPr>
+                              <a:rPr lang="en-US" i="1">
+                                <a:solidFill>
+                                  <a:schemeClr val="tx1">
+                                    <a:lumMod val="85000"/>
+                                  </a:schemeClr>
+                                </a:solidFill>
+                              </a:rPr>
+                            </m:ctrlPr>
+                          </m:sSupPr>
+                          <m:e>
+                            <m:r>
+                              <a:rPr lang="en-US" i="1">
+                                <a:solidFill>
+                                  <a:schemeClr val="tx1">
+                                    <a:lumMod val="85000"/>
+                                  </a:schemeClr>
+                                </a:solidFill>
+                              </a:rPr>
+                              <m:t>𝑡</m:t>
+                            </m:r>
+                          </m:e>
+                          <m:sup>
+                            <m:r>
+                              <a:rPr lang="en-US" i="1">
+                                <a:solidFill>
+                                  <a:schemeClr val="tx1">
+                                    <a:lumMod val="85000"/>
+                                  </a:schemeClr>
+                                </a:solidFill>
+                              </a:rPr>
+                              <m:t>𝑛</m:t>
+                            </m:r>
+                            <m:r>
+                              <a:rPr lang="en-US" i="1">
+                                <a:solidFill>
+                                  <a:schemeClr val="tx1">
+                                    <a:lumMod val="85000"/>
+                                  </a:schemeClr>
+                                </a:solidFill>
+                              </a:rPr>
+                              <m:t>−1</m:t>
+                            </m:r>
+                          </m:sup>
+                        </m:sSup>
+                        <m:r>
+                          <a:rPr lang="en-US" i="1">
+                            <a:solidFill>
+                              <a:schemeClr val="tx1">
+                                <a:lumMod val="85000"/>
+                              </a:schemeClr>
+                            </a:solidFill>
+                          </a:rPr>
+                          <m:t>,</m:t>
+                        </m:r>
+                        <m:sSup>
+                          <m:sSupPr>
+                            <m:ctrlPr>
+                              <a:rPr lang="en-US" i="1">
+                                <a:solidFill>
+                                  <a:schemeClr val="tx1">
+                                    <a:lumMod val="85000"/>
+                                  </a:schemeClr>
+                                </a:solidFill>
+                              </a:rPr>
+                            </m:ctrlPr>
+                          </m:sSupPr>
+                          <m:e>
+                            <m:r>
+                              <a:rPr lang="en-US" i="1">
+                                <a:solidFill>
+                                  <a:schemeClr val="tx1">
+                                    <a:lumMod val="85000"/>
+                                  </a:schemeClr>
+                                </a:solidFill>
+                              </a:rPr>
+                              <m:t>𝑣</m:t>
+                            </m:r>
+                          </m:e>
+                          <m:sup>
+                            <m:r>
+                              <a:rPr lang="en-US" i="1">
+                                <a:solidFill>
+                                  <a:schemeClr val="tx1">
+                                    <a:lumMod val="85000"/>
+                                  </a:schemeClr>
+                                </a:solidFill>
+                              </a:rPr>
+                              <m:t>𝑛</m:t>
+                            </m:r>
+                            <m:r>
+                              <a:rPr lang="en-US" i="1">
+                                <a:solidFill>
+                                  <a:schemeClr val="tx1">
+                                    <a:lumMod val="85000"/>
+                                  </a:schemeClr>
+                                </a:solidFill>
+                              </a:rPr>
+                              <m:t>−1</m:t>
+                            </m:r>
+                          </m:sup>
+                        </m:sSup>
+                      </m:e>
+                    </m:d>
+                    <m:r>
+                      <a:rPr lang="en-US" i="1">
+                        <a:solidFill>
+                          <a:schemeClr val="tx1">
+                            <a:lumMod val="85000"/>
+                          </a:schemeClr>
+                        </a:solidFill>
+                      </a:rPr>
+                      <m:t>+2 </m:t>
+                    </m:r>
+                    <m:r>
+                      <a:rPr lang="en-US" i="1">
+                        <a:solidFill>
+                          <a:schemeClr val="tx1">
+                            <a:lumMod val="85000"/>
+                          </a:schemeClr>
+                        </a:solidFill>
+                      </a:rPr>
+                      <m:t>𝑓</m:t>
+                    </m:r>
+                    <m:d>
+                      <m:dPr>
+                        <m:ctrlPr>
+                          <a:rPr lang="en-US" i="1">
+                            <a:solidFill>
+                              <a:schemeClr val="tx1">
+                                <a:lumMod val="85000"/>
+                              </a:schemeClr>
+                            </a:solidFill>
+                          </a:rPr>
+                        </m:ctrlPr>
+                      </m:dPr>
+                      <m:e>
+                        <m:sSup>
+                          <m:sSupPr>
+                            <m:ctrlPr>
+                              <a:rPr lang="en-US" i="1">
+                                <a:solidFill>
+                                  <a:schemeClr val="tx1">
+                                    <a:lumMod val="85000"/>
+                                  </a:schemeClr>
+                                </a:solidFill>
+                              </a:rPr>
+                            </m:ctrlPr>
+                          </m:sSupPr>
+                          <m:e>
+                            <m:r>
+                              <a:rPr lang="en-US" i="1">
+                                <a:solidFill>
+                                  <a:schemeClr val="tx1">
+                                    <a:lumMod val="85000"/>
+                                  </a:schemeClr>
+                                </a:solidFill>
+                              </a:rPr>
+                              <m:t>𝑡</m:t>
+                            </m:r>
+                          </m:e>
+                          <m:sup>
+                            <m:r>
+                              <a:rPr lang="en-US" i="1">
+                                <a:solidFill>
+                                  <a:schemeClr val="tx1">
+                                    <a:lumMod val="85000"/>
+                                  </a:schemeClr>
+                                </a:solidFill>
+                              </a:rPr>
+                              <m:t>𝑛</m:t>
+                            </m:r>
+                            <m:r>
+                              <a:rPr lang="en-US" i="1">
+                                <a:solidFill>
+                                  <a:schemeClr val="tx1">
+                                    <a:lumMod val="85000"/>
+                                  </a:schemeClr>
+                                </a:solidFill>
+                              </a:rPr>
+                              <m:t>−1</m:t>
+                            </m:r>
+                          </m:sup>
+                        </m:sSup>
+                        <m:r>
+                          <a:rPr lang="en-US" i="1">
+                            <a:solidFill>
+                              <a:schemeClr val="tx1">
+                                <a:lumMod val="85000"/>
+                              </a:schemeClr>
+                            </a:solidFill>
+                          </a:rPr>
+                          <m:t>+</m:t>
+                        </m:r>
+                        <m:f>
+                          <m:fPr>
+                            <m:ctrlPr>
+                              <a:rPr lang="en-US" i="1">
+                                <a:solidFill>
+                                  <a:schemeClr val="tx1">
+                                    <a:lumMod val="85000"/>
+                                  </a:schemeClr>
+                                </a:solidFill>
+                              </a:rPr>
+                            </m:ctrlPr>
+                          </m:fPr>
+                          <m:num>
+                            <m:r>
+                              <a:rPr lang="en-US" i="1">
+                                <a:solidFill>
+                                  <a:schemeClr val="tx1">
+                                    <a:lumMod val="85000"/>
+                                  </a:schemeClr>
+                                </a:solidFill>
+                              </a:rPr>
+                              <m:t>1</m:t>
+                            </m:r>
+                          </m:num>
+                          <m:den>
+                            <m:r>
+                              <a:rPr lang="en-US" i="1">
+                                <a:solidFill>
+                                  <a:schemeClr val="tx1">
+                                    <a:lumMod val="85000"/>
+                                  </a:schemeClr>
+                                </a:solidFill>
+                              </a:rPr>
+                              <m:t>2</m:t>
+                            </m:r>
+                          </m:den>
+                        </m:f>
+                        <m:r>
+                          <a:rPr lang="en-US" i="1">
+                            <a:solidFill>
+                              <a:schemeClr val="tx1">
+                                <a:lumMod val="85000"/>
+                              </a:schemeClr>
+                            </a:solidFill>
+                          </a:rPr>
+                          <m:t>𝑑𝑡</m:t>
+                        </m:r>
+                        <m:r>
+                          <a:rPr lang="en-US" i="1">
+                            <a:solidFill>
+                              <a:schemeClr val="tx1">
+                                <a:lumMod val="85000"/>
+                              </a:schemeClr>
+                            </a:solidFill>
+                          </a:rPr>
+                          <m:t>,</m:t>
+                        </m:r>
+                        <m:sSup>
+                          <m:sSupPr>
+                            <m:ctrlPr>
+                              <a:rPr lang="en-US" i="1">
+                                <a:solidFill>
+                                  <a:schemeClr val="tx1">
+                                    <a:lumMod val="85000"/>
+                                  </a:schemeClr>
+                                </a:solidFill>
+                              </a:rPr>
+                            </m:ctrlPr>
+                          </m:sSupPr>
+                          <m:e>
+                            <m:r>
+                              <a:rPr lang="en-US" i="1">
+                                <a:solidFill>
+                                  <a:schemeClr val="tx1">
+                                    <a:lumMod val="85000"/>
+                                  </a:schemeClr>
+                                </a:solidFill>
+                              </a:rPr>
+                              <m:t>𝑣</m:t>
+                            </m:r>
+                          </m:e>
+                          <m:sup>
+                            <m:r>
+                              <a:rPr lang="en-US" i="1">
+                                <a:solidFill>
+                                  <a:schemeClr val="tx1">
+                                    <a:lumMod val="85000"/>
+                                  </a:schemeClr>
+                                </a:solidFill>
+                              </a:rPr>
+                              <m:t>∗</m:t>
+                            </m:r>
+                          </m:sup>
+                        </m:sSup>
+                      </m:e>
+                    </m:d>
+                    <m:r>
+                      <a:rPr lang="en-US" i="1">
+                        <a:solidFill>
+                          <a:schemeClr val="tx1">
+                            <a:lumMod val="85000"/>
+                          </a:schemeClr>
+                        </a:solidFill>
+                      </a:rPr>
+                      <m:t>+2 </m:t>
+                    </m:r>
+                    <m:r>
+                      <a:rPr lang="en-US" i="1">
+                        <a:solidFill>
+                          <a:schemeClr val="tx1">
+                            <a:lumMod val="85000"/>
+                          </a:schemeClr>
+                        </a:solidFill>
+                      </a:rPr>
+                      <m:t>𝑓</m:t>
+                    </m:r>
+                    <m:d>
+                      <m:dPr>
+                        <m:ctrlPr>
+                          <a:rPr lang="en-US" i="1">
+                            <a:solidFill>
+                              <a:schemeClr val="tx1">
+                                <a:lumMod val="85000"/>
+                              </a:schemeClr>
+                            </a:solidFill>
+                          </a:rPr>
+                        </m:ctrlPr>
+                      </m:dPr>
+                      <m:e>
+                        <m:sSup>
+                          <m:sSupPr>
+                            <m:ctrlPr>
+                              <a:rPr lang="en-US" i="1">
+                                <a:solidFill>
+                                  <a:schemeClr val="tx1">
+                                    <a:lumMod val="85000"/>
+                                  </a:schemeClr>
+                                </a:solidFill>
+                              </a:rPr>
+                            </m:ctrlPr>
+                          </m:sSupPr>
+                          <m:e>
+                            <m:r>
+                              <a:rPr lang="en-US" i="1">
+                                <a:solidFill>
+                                  <a:schemeClr val="tx1">
+                                    <a:lumMod val="85000"/>
+                                  </a:schemeClr>
+                                </a:solidFill>
+                              </a:rPr>
+                              <m:t>𝑡</m:t>
+                            </m:r>
+                          </m:e>
+                          <m:sup>
+                            <m:r>
+                              <a:rPr lang="en-US" i="1">
+                                <a:solidFill>
+                                  <a:schemeClr val="tx1">
+                                    <a:lumMod val="85000"/>
+                                  </a:schemeClr>
+                                </a:solidFill>
+                              </a:rPr>
+                              <m:t>𝑛</m:t>
+                            </m:r>
+                            <m:r>
+                              <a:rPr lang="en-US" i="1">
+                                <a:solidFill>
+                                  <a:schemeClr val="tx1">
+                                    <a:lumMod val="85000"/>
+                                  </a:schemeClr>
+                                </a:solidFill>
+                              </a:rPr>
+                              <m:t>−1</m:t>
+                            </m:r>
+                          </m:sup>
+                        </m:sSup>
+                        <m:r>
+                          <a:rPr lang="en-US" i="1">
+                            <a:solidFill>
+                              <a:schemeClr val="tx1">
+                                <a:lumMod val="85000"/>
+                              </a:schemeClr>
+                            </a:solidFill>
+                          </a:rPr>
+                          <m:t>,</m:t>
+                        </m:r>
+                        <m:sSup>
+                          <m:sSupPr>
+                            <m:ctrlPr>
+                              <a:rPr lang="en-US" i="1">
+                                <a:solidFill>
+                                  <a:schemeClr val="tx1">
+                                    <a:lumMod val="85000"/>
+                                  </a:schemeClr>
+                                </a:solidFill>
+                              </a:rPr>
+                            </m:ctrlPr>
+                          </m:sSupPr>
+                          <m:e>
+                            <m:r>
+                              <a:rPr lang="en-US" i="1">
+                                <a:solidFill>
+                                  <a:schemeClr val="tx1">
+                                    <a:lumMod val="85000"/>
+                                  </a:schemeClr>
+                                </a:solidFill>
+                              </a:rPr>
+                              <m:t>𝑣</m:t>
+                            </m:r>
+                          </m:e>
+                          <m:sup>
+                            <m:r>
+                              <a:rPr lang="en-US" i="1">
+                                <a:solidFill>
+                                  <a:schemeClr val="tx1">
+                                    <a:lumMod val="85000"/>
+                                  </a:schemeClr>
+                                </a:solidFill>
+                              </a:rPr>
+                              <m:t>∗∗</m:t>
+                            </m:r>
+                          </m:sup>
+                        </m:sSup>
+                      </m:e>
+                    </m:d>
+                    <m:r>
+                      <a:rPr lang="en-US" i="1">
+                        <a:solidFill>
+                          <a:schemeClr val="tx1">
+                            <a:lumMod val="85000"/>
+                          </a:schemeClr>
+                        </a:solidFill>
+                      </a:rPr>
+                      <m:t>+ </m:t>
+                    </m:r>
+                    <m:r>
+                      <a:rPr lang="en-US" i="1">
+                        <a:solidFill>
+                          <a:schemeClr val="tx1">
+                            <a:lumMod val="85000"/>
+                          </a:schemeClr>
+                        </a:solidFill>
+                      </a:rPr>
+                      <m:t>𝑓</m:t>
+                    </m:r>
+                    <m:d>
+                      <m:dPr>
+                        <m:ctrlPr>
+                          <a:rPr lang="en-US" i="1">
+                            <a:solidFill>
+                              <a:schemeClr val="tx1">
+                                <a:lumMod val="85000"/>
+                              </a:schemeClr>
+                            </a:solidFill>
+                          </a:rPr>
+                        </m:ctrlPr>
+                      </m:dPr>
+                      <m:e>
+                        <m:sSup>
+                          <m:sSupPr>
+                            <m:ctrlPr>
+                              <a:rPr lang="en-US" i="1">
+                                <a:solidFill>
+                                  <a:schemeClr val="tx1">
+                                    <a:lumMod val="85000"/>
+                                  </a:schemeClr>
+                                </a:solidFill>
+                              </a:rPr>
+                            </m:ctrlPr>
+                          </m:sSupPr>
+                          <m:e>
+                            <m:r>
+                              <a:rPr lang="en-US" i="1">
+                                <a:solidFill>
+                                  <a:schemeClr val="tx1">
+                                    <a:lumMod val="85000"/>
+                                  </a:schemeClr>
+                                </a:solidFill>
+                              </a:rPr>
+                              <m:t>𝑡</m:t>
+                            </m:r>
+                          </m:e>
+                          <m:sup>
+                            <m:r>
+                              <a:rPr lang="en-US" i="1">
+                                <a:solidFill>
+                                  <a:schemeClr val="tx1">
+                                    <a:lumMod val="85000"/>
+                                  </a:schemeClr>
+                                </a:solidFill>
+                              </a:rPr>
+                              <m:t>𝑛</m:t>
+                            </m:r>
+                            <m:r>
+                              <a:rPr lang="en-US" i="1">
+                                <a:solidFill>
+                                  <a:schemeClr val="tx1">
+                                    <a:lumMod val="85000"/>
+                                  </a:schemeClr>
+                                </a:solidFill>
+                              </a:rPr>
+                              <m:t>−1</m:t>
+                            </m:r>
+                          </m:sup>
+                        </m:sSup>
+                        <m:r>
+                          <a:rPr lang="en-US" i="1">
+                            <a:solidFill>
+                              <a:schemeClr val="tx1">
+                                <a:lumMod val="85000"/>
+                              </a:schemeClr>
+                            </a:solidFill>
+                          </a:rPr>
+                          <m:t>,</m:t>
+                        </m:r>
+                        <m:sSup>
+                          <m:sSupPr>
+                            <m:ctrlPr>
+                              <a:rPr lang="en-US" i="1">
+                                <a:solidFill>
+                                  <a:schemeClr val="tx1">
+                                    <a:lumMod val="85000"/>
+                                  </a:schemeClr>
+                                </a:solidFill>
+                              </a:rPr>
+                            </m:ctrlPr>
+                          </m:sSupPr>
+                          <m:e>
+                            <m:r>
+                              <a:rPr lang="en-US" i="1">
+                                <a:solidFill>
+                                  <a:schemeClr val="tx1">
+                                    <a:lumMod val="85000"/>
+                                  </a:schemeClr>
+                                </a:solidFill>
+                              </a:rPr>
+                              <m:t>𝑣</m:t>
+                            </m:r>
+                          </m:e>
+                          <m:sup>
+                            <m:r>
+                              <a:rPr lang="en-US" i="1">
+                                <a:solidFill>
+                                  <a:schemeClr val="tx1">
+                                    <a:lumMod val="85000"/>
+                                  </a:schemeClr>
+                                </a:solidFill>
+                              </a:rPr>
+                              <m:t>∗∗</m:t>
+                            </m:r>
+                          </m:sup>
+                        </m:sSup>
+                      </m:e>
+                    </m:d>
+                    <m:r>
+                      <a:rPr lang="en-US" i="1">
+                        <a:solidFill>
+                          <a:schemeClr val="tx1">
+                            <a:lumMod val="85000"/>
+                          </a:schemeClr>
+                        </a:solidFill>
+                      </a:rPr>
+                      <m:t> ]</m:t>
+                    </m:r>
+                  </m:oMath>
+                </a14:m>
+                <a:endParaRPr lang="en-US" dirty="0">
+                  <a:solidFill>
+                    <a:schemeClr val="tx1">
+                      <a:lumMod val="85000"/>
+                    </a:schemeClr>
+                  </a:solidFill>
+                </a:endParaRPr>
+              </a:p>
+            </p:txBody>
+          </p:sp>
+        </mc:Choice>
+        <mc:Fallback>
+          <p:sp>
+            <p:nvSpPr>
+              <p:cNvPr id="3" name="Content Placeholder 2">
+                <a:extLst>
+                  <a:ext uri="{FF2B5EF4-FFF2-40B4-BE49-F238E27FC236}">
+                    <a16:creationId xmlns:a16="http://schemas.microsoft.com/office/drawing/2014/main" id="{CD03C8B0-2037-4DC1-8B43-1FEF13EE700D}"/>
+                  </a:ext>
+                </a:extLst>
+              </p:cNvPr>
+              <p:cNvSpPr>
+                <a:spLocks noGrp="1" noRot="1" noChangeAspect="1" noMove="1" noResize="1" noEditPoints="1" noAdjustHandles="1" noChangeArrowheads="1" noChangeShapeType="1" noTextEdit="1"/>
+              </p:cNvSpPr>
+              <p:nvPr>
+                <p:ph idx="1"/>
+              </p:nvPr>
+            </p:nvSpPr>
+            <p:spPr>
+              <a:blipFill>
+                <a:blip r:embed="rId2"/>
+                <a:stretch>
+                  <a:fillRect l="-286" t="-2530" b="-843"/>
+                </a:stretch>
+              </a:blipFill>
+            </p:spPr>
+            <p:txBody>
+              <a:bodyPr/>
+              <a:lstStyle/>
+              <a:p>
+                <a:r>
+                  <a:rPr lang="en-US">
+                    <a:noFill/>
+                  </a:rPr>
+                  <a:t> </a:t>
+                </a:r>
+              </a:p>
+            </p:txBody>
+          </p:sp>
+        </mc:Fallback>
+      </mc:AlternateContent>
+      <p:sp>
+        <p:nvSpPr>
+          <p:cNvPr id="5" name="TextBox 4">
             <a:extLst>
               <a:ext uri="{FF2B5EF4-FFF2-40B4-BE49-F238E27FC236}">
-                <a16:creationId xmlns:a16="http://schemas.microsoft.com/office/drawing/2014/main" id="{65F8BB66-8FDE-4AA5-92F8-BAD0F6E96883}"/>
+                <a16:creationId xmlns:a16="http://schemas.microsoft.com/office/drawing/2014/main" id="{08D3FF1B-3C34-4C42-B1D6-F1AFFE6A08B3}"/>
               </a:ext>
             </a:extLst>
           </p:cNvPr>
-          <p:cNvSpPr>
-            <a:spLocks noGrp="1"/>
-          </p:cNvSpPr>
-          <p:nvPr>
-            <p:ph idx="1"/>
-          </p:nvPr>
-        </p:nvSpPr>
-        <p:spPr/>
-        <p:txBody>
-          <a:bodyPr/>
+          <p:cNvSpPr txBox="1"/>
+          <p:nvPr/>
+        </p:nvSpPr>
+        <p:spPr>
+          <a:xfrm>
+            <a:off x="9218612" y="541867"/>
+            <a:ext cx="2239610" cy="2308324"/>
+          </a:xfrm>
+          <a:prstGeom prst="rect">
+            <a:avLst/>
+          </a:prstGeom>
+          <a:noFill/>
+        </p:spPr>
+        <p:txBody>
+          <a:bodyPr wrap="square" rtlCol="0">
+            <a:spAutoFit/>
+          </a:bodyPr>
           <a:lstStyle/>
           <a:p>
-            <a:endParaRPr lang="en-US"/>
+            <a:r>
+              <a:rPr lang="en-US" dirty="0"/>
+              <a:t>Picture of Runge-</a:t>
+            </a:r>
+            <a:r>
+              <a:rPr lang="en-US" dirty="0" err="1"/>
+              <a:t>Kutta</a:t>
+            </a:r>
+            <a:endParaRPr lang="en-US" dirty="0"/>
+          </a:p>
+          <a:p>
+            <a:r>
+              <a:rPr lang="en-US" dirty="0"/>
+              <a:t>Computer Code/Big Number Crunch</a:t>
+            </a:r>
+          </a:p>
+          <a:p>
+            <a:r>
+              <a:rPr lang="en-US" dirty="0"/>
+              <a:t>Computer Graphics Car or Unveiling</a:t>
+            </a:r>
           </a:p>
         </p:txBody>
       </p:sp>
     </p:spTree>
     <p:extLst>
       <p:ext uri="{BB962C8B-B14F-4D97-AF65-F5344CB8AC3E}">
-        <p14:creationId xmlns:p14="http://schemas.microsoft.com/office/powerpoint/2010/main" val="1824761607"/>
+        <p14:creationId xmlns:p14="http://schemas.microsoft.com/office/powerpoint/2010/main" val="1029992604"/>
       </p:ext>
     </p:extLst>
   </p:cSld>
@@ -6648,7 +13671,7 @@
           <p:cNvPr id="2" name="Title 1">
             <a:extLst>
               <a:ext uri="{FF2B5EF4-FFF2-40B4-BE49-F238E27FC236}">
-                <a16:creationId xmlns:a16="http://schemas.microsoft.com/office/drawing/2014/main" id="{845F4AEA-9AD5-4987-BC6F-212DE0DBA326}"/>
+                <a16:creationId xmlns:a16="http://schemas.microsoft.com/office/drawing/2014/main" id="{1712227C-2354-4896-9956-1B6D871C2E02}"/>
               </a:ext>
             </a:extLst>
           </p:cNvPr>
@@ -6666,7 +13689,7 @@
           <a:p>
             <a:r>
               <a:rPr lang="en-US" dirty="0"/>
-              <a:t>Pseudocode </a:t>
+              <a:t>Implementation</a:t>
             </a:r>
           </a:p>
         </p:txBody>
@@ -6676,7 +13699,7 @@
           <p:cNvPr id="3" name="Content Placeholder 2">
             <a:extLst>
               <a:ext uri="{FF2B5EF4-FFF2-40B4-BE49-F238E27FC236}">
-                <a16:creationId xmlns:a16="http://schemas.microsoft.com/office/drawing/2014/main" id="{CD03C8B0-2037-4DC1-8B43-1FEF13EE700D}"/>
+                <a16:creationId xmlns:a16="http://schemas.microsoft.com/office/drawing/2014/main" id="{DE3405EC-FEF5-416E-96D7-2223B3088F55}"/>
               </a:ext>
             </a:extLst>
           </p:cNvPr>
@@ -6692,14 +13715,188 @@
           <a:bodyPr/>
           <a:lstStyle/>
           <a:p>
-            <a:endParaRPr lang="en-US"/>
+            <a:r>
+              <a:rPr lang="en-US" dirty="0">
+                <a:solidFill>
+                  <a:schemeClr val="tx1">
+                    <a:lumMod val="85000"/>
+                  </a:schemeClr>
+                </a:solidFill>
+              </a:rPr>
+              <a:t>Problem about Displacement</a:t>
+            </a:r>
+          </a:p>
+          <a:p>
+            <a:pPr lvl="1"/>
+            <a:r>
+              <a:rPr lang="en-US" dirty="0">
+                <a:solidFill>
+                  <a:schemeClr val="tx1">
+                    <a:lumMod val="85000"/>
+                  </a:schemeClr>
+                </a:solidFill>
+              </a:rPr>
+              <a:t>Order of Magnitude of Error</a:t>
+            </a:r>
+          </a:p>
+          <a:p>
+            <a:pPr lvl="1"/>
+            <a:r>
+              <a:rPr lang="en-US" dirty="0">
+                <a:solidFill>
+                  <a:schemeClr val="tx1">
+                    <a:lumMod val="85000"/>
+                  </a:schemeClr>
+                </a:solidFill>
+              </a:rPr>
+              <a:t>Planetary Motion Example</a:t>
+            </a:r>
+          </a:p>
+          <a:p>
+            <a:r>
+              <a:rPr lang="en-US" dirty="0">
+                <a:solidFill>
+                  <a:schemeClr val="tx1">
+                    <a:lumMod val="85000"/>
+                  </a:schemeClr>
+                </a:solidFill>
+              </a:rPr>
+              <a:t>Code</a:t>
+            </a:r>
+          </a:p>
+          <a:p>
+            <a:pPr marL="0" indent="0">
+              <a:buNone/>
+            </a:pPr>
+            <a:endParaRPr lang="en-US" dirty="0">
+              <a:solidFill>
+                <a:schemeClr val="tx1">
+                  <a:lumMod val="85000"/>
+                </a:schemeClr>
+              </a:solidFill>
+            </a:endParaRPr>
+          </a:p>
+          <a:p>
+            <a:pPr marL="0" indent="0">
+              <a:buNone/>
+            </a:pPr>
+            <a:endParaRPr lang="en-US" dirty="0">
+              <a:solidFill>
+                <a:schemeClr val="tx1">
+                  <a:lumMod val="85000"/>
+                </a:schemeClr>
+              </a:solidFill>
+            </a:endParaRPr>
+          </a:p>
+          <a:p>
+            <a:pPr marL="0" indent="0">
+              <a:buNone/>
+            </a:pPr>
+            <a:endParaRPr lang="en-US" dirty="0">
+              <a:solidFill>
+                <a:schemeClr val="tx1">
+                  <a:lumMod val="85000"/>
+                </a:schemeClr>
+              </a:solidFill>
+            </a:endParaRPr>
+          </a:p>
+          <a:p>
+            <a:pPr marL="0" indent="0">
+              <a:buNone/>
+            </a:pPr>
+            <a:endParaRPr lang="en-US" dirty="0">
+              <a:solidFill>
+                <a:schemeClr val="tx1">
+                  <a:lumMod val="85000"/>
+                </a:schemeClr>
+              </a:solidFill>
+            </a:endParaRPr>
+          </a:p>
+        </p:txBody>
+      </p:sp>
+      <p:sp>
+        <p:nvSpPr>
+          <p:cNvPr id="4" name="TextBox 3">
+            <a:extLst>
+              <a:ext uri="{FF2B5EF4-FFF2-40B4-BE49-F238E27FC236}">
+                <a16:creationId xmlns:a16="http://schemas.microsoft.com/office/drawing/2014/main" id="{4CEE2730-CEF8-4544-9F54-B481BED406EC}"/>
+              </a:ext>
+            </a:extLst>
+          </p:cNvPr>
+          <p:cNvSpPr txBox="1"/>
+          <p:nvPr/>
+        </p:nvSpPr>
+        <p:spPr>
+          <a:xfrm>
+            <a:off x="7315200" y="225778"/>
+            <a:ext cx="2156178" cy="923330"/>
+          </a:xfrm>
+          <a:prstGeom prst="rect">
+            <a:avLst/>
+          </a:prstGeom>
+          <a:noFill/>
+        </p:spPr>
+        <p:txBody>
+          <a:bodyPr wrap="square" rtlCol="0">
+            <a:spAutoFit/>
+          </a:bodyPr>
+          <a:lstStyle/>
+          <a:p>
+            <a:r>
+              <a:rPr lang="en-US" dirty="0"/>
+              <a:t>Mounting Tires, Installing Engine</a:t>
+            </a:r>
+          </a:p>
+          <a:p>
+            <a:endParaRPr lang="en-US" dirty="0"/>
+          </a:p>
+        </p:txBody>
+      </p:sp>
+      <p:sp>
+        <p:nvSpPr>
+          <p:cNvPr id="5" name="TextBox 4">
+            <a:extLst>
+              <a:ext uri="{FF2B5EF4-FFF2-40B4-BE49-F238E27FC236}">
+                <a16:creationId xmlns:a16="http://schemas.microsoft.com/office/drawing/2014/main" id="{9BCBBC1F-D75F-4363-9F87-D56A0496A134}"/>
+              </a:ext>
+            </a:extLst>
+          </p:cNvPr>
+          <p:cNvSpPr txBox="1"/>
+          <p:nvPr/>
+        </p:nvSpPr>
+        <p:spPr>
+          <a:xfrm>
+            <a:off x="8511822" y="1426107"/>
+            <a:ext cx="2020711" cy="923330"/>
+          </a:xfrm>
+          <a:prstGeom prst="rect">
+            <a:avLst/>
+          </a:prstGeom>
+          <a:noFill/>
+        </p:spPr>
+        <p:txBody>
+          <a:bodyPr wrap="square" rtlCol="0">
+            <a:spAutoFit/>
+          </a:bodyPr>
+          <a:lstStyle/>
+          <a:p>
+            <a:r>
+              <a:rPr lang="en-US" dirty="0"/>
+              <a:t>Picture of Code,</a:t>
+            </a:r>
+          </a:p>
+          <a:p>
+            <a:r>
+              <a:rPr lang="en-US" dirty="0"/>
+              <a:t>Picture of Functions</a:t>
+            </a:r>
           </a:p>
         </p:txBody>
       </p:sp>
     </p:spTree>
     <p:extLst>
       <p:ext uri="{BB962C8B-B14F-4D97-AF65-F5344CB8AC3E}">
-        <p14:creationId xmlns:p14="http://schemas.microsoft.com/office/powerpoint/2010/main" val="1029992604"/>
+        <p14:creationId xmlns:p14="http://schemas.microsoft.com/office/powerpoint/2010/main" val="1954894357"/>
       </p:ext>
     </p:extLst>
   </p:cSld>
@@ -6749,7 +13946,7 @@
           <a:p>
             <a:r>
               <a:rPr lang="en-US" dirty="0"/>
-              <a:t>Implementation</a:t>
+              <a:t>Implementation – Specifications</a:t>
             </a:r>
           </a:p>
         </p:txBody>
@@ -6772,17 +13969,246 @@
         </p:nvSpPr>
         <p:spPr/>
         <p:txBody>
-          <a:bodyPr/>
+          <a:bodyPr>
+            <a:normAutofit/>
+          </a:bodyPr>
           <a:lstStyle/>
           <a:p>
-            <a:endParaRPr lang="en-US"/>
+            <a:r>
+              <a:rPr lang="en-US" dirty="0">
+                <a:solidFill>
+                  <a:schemeClr val="tx1">
+                    <a:lumMod val="85000"/>
+                  </a:schemeClr>
+                </a:solidFill>
+              </a:rPr>
+              <a:t>Maximum Time: 		Limit 37 s</a:t>
+            </a:r>
+          </a:p>
+          <a:p>
+            <a:r>
+              <a:rPr lang="en-US" dirty="0">
+                <a:solidFill>
+                  <a:schemeClr val="tx1">
+                    <a:lumMod val="85000"/>
+                  </a:schemeClr>
+                </a:solidFill>
+              </a:rPr>
+              <a:t>Change in Time: 	0.10 (for video purposes)</a:t>
+            </a:r>
+          </a:p>
+          <a:p>
+            <a:r>
+              <a:rPr lang="en-US" dirty="0">
+                <a:solidFill>
+                  <a:schemeClr val="tx1">
+                    <a:lumMod val="85000"/>
+                  </a:schemeClr>
+                </a:solidFill>
+              </a:rPr>
+              <a:t>Max Acceleration: 	7.276 m/s</a:t>
+            </a:r>
+            <a:r>
+              <a:rPr lang="en-US" baseline="30000" dirty="0">
+                <a:solidFill>
+                  <a:schemeClr val="tx1">
+                    <a:lumMod val="85000"/>
+                  </a:schemeClr>
+                </a:solidFill>
+              </a:rPr>
+              <a:t>2 </a:t>
+            </a:r>
+            <a:r>
+              <a:rPr lang="en-US" dirty="0">
+                <a:solidFill>
+                  <a:schemeClr val="tx1">
+                    <a:lumMod val="85000"/>
+                  </a:schemeClr>
+                </a:solidFill>
+              </a:rPr>
+              <a:t> ( 23.87 </a:t>
+            </a:r>
+            <a:r>
+              <a:rPr lang="en-US" dirty="0" err="1">
+                <a:solidFill>
+                  <a:schemeClr val="tx1">
+                    <a:lumMod val="85000"/>
+                  </a:schemeClr>
+                </a:solidFill>
+              </a:rPr>
+              <a:t>ft</a:t>
+            </a:r>
+            <a:r>
+              <a:rPr lang="en-US" dirty="0">
+                <a:solidFill>
+                  <a:schemeClr val="tx1">
+                    <a:lumMod val="85000"/>
+                  </a:schemeClr>
+                </a:solidFill>
+              </a:rPr>
+              <a:t>/s</a:t>
+            </a:r>
+            <a:r>
+              <a:rPr lang="en-US" baseline="30000" dirty="0">
+                <a:solidFill>
+                  <a:schemeClr val="tx1">
+                    <a:lumMod val="85000"/>
+                  </a:schemeClr>
+                </a:solidFill>
+              </a:rPr>
+              <a:t>2</a:t>
+            </a:r>
+            <a:r>
+              <a:rPr lang="en-US" dirty="0">
+                <a:solidFill>
+                  <a:schemeClr val="tx1">
+                    <a:lumMod val="85000"/>
+                  </a:schemeClr>
+                </a:solidFill>
+              </a:rPr>
+              <a:t>)</a:t>
+            </a:r>
+            <a:endParaRPr lang="en-US" baseline="30000" dirty="0">
+              <a:solidFill>
+                <a:schemeClr val="tx1">
+                  <a:lumMod val="85000"/>
+                </a:schemeClr>
+              </a:solidFill>
+            </a:endParaRPr>
+          </a:p>
+          <a:p>
+            <a:r>
+              <a:rPr lang="en-US" dirty="0">
+                <a:solidFill>
+                  <a:schemeClr val="tx1">
+                    <a:lumMod val="85000"/>
+                  </a:schemeClr>
+                </a:solidFill>
+              </a:rPr>
+              <a:t>Max Velocity:		49.174 m/s ( 110 mph )</a:t>
+            </a:r>
+          </a:p>
+          <a:p>
+            <a:r>
+              <a:rPr lang="en-US" dirty="0">
+                <a:solidFill>
+                  <a:schemeClr val="tx1">
+                    <a:lumMod val="85000"/>
+                  </a:schemeClr>
+                </a:solidFill>
+              </a:rPr>
+              <a:t>Initial Velocity: 		30.0 m/s	( 67.1 mph )</a:t>
+            </a:r>
+          </a:p>
+          <a:p>
+            <a:r>
+              <a:rPr lang="en-US" dirty="0">
+                <a:solidFill>
+                  <a:schemeClr val="tx1">
+                    <a:lumMod val="85000"/>
+                  </a:schemeClr>
+                </a:solidFill>
+              </a:rPr>
+              <a:t>Ind. Vehicle Length: 4.80 m		( 15.7 feet )</a:t>
+            </a:r>
+          </a:p>
+          <a:p>
+            <a:r>
+              <a:rPr lang="en-US" dirty="0">
+                <a:solidFill>
+                  <a:schemeClr val="tx1">
+                    <a:lumMod val="85000"/>
+                  </a:schemeClr>
+                </a:solidFill>
+              </a:rPr>
+              <a:t>Lambda:			 0.90 	</a:t>
+            </a:r>
+          </a:p>
+        </p:txBody>
+      </p:sp>
+      <p:sp>
+        <p:nvSpPr>
+          <p:cNvPr id="4" name="TextBox 3">
+            <a:extLst>
+              <a:ext uri="{FF2B5EF4-FFF2-40B4-BE49-F238E27FC236}">
+                <a16:creationId xmlns:a16="http://schemas.microsoft.com/office/drawing/2014/main" id="{4CEE2730-CEF8-4544-9F54-B481BED406EC}"/>
+              </a:ext>
+            </a:extLst>
+          </p:cNvPr>
+          <p:cNvSpPr txBox="1"/>
+          <p:nvPr/>
+        </p:nvSpPr>
+        <p:spPr>
+          <a:xfrm>
+            <a:off x="7315200" y="225778"/>
+            <a:ext cx="2156178" cy="923330"/>
+          </a:xfrm>
+          <a:prstGeom prst="rect">
+            <a:avLst/>
+          </a:prstGeom>
+          <a:noFill/>
+        </p:spPr>
+        <p:txBody>
+          <a:bodyPr wrap="square" rtlCol="0">
+            <a:spAutoFit/>
+          </a:bodyPr>
+          <a:lstStyle/>
+          <a:p>
+            <a:r>
+              <a:rPr lang="en-US" dirty="0"/>
+              <a:t>Mounting Tires, Installing Engine</a:t>
+            </a:r>
+          </a:p>
+          <a:p>
+            <a:endParaRPr lang="en-US" dirty="0"/>
+          </a:p>
+        </p:txBody>
+      </p:sp>
+      <p:sp>
+        <p:nvSpPr>
+          <p:cNvPr id="5" name="TextBox 4">
+            <a:extLst>
+              <a:ext uri="{FF2B5EF4-FFF2-40B4-BE49-F238E27FC236}">
+                <a16:creationId xmlns:a16="http://schemas.microsoft.com/office/drawing/2014/main" id="{9BCBBC1F-D75F-4363-9F87-D56A0496A134}"/>
+              </a:ext>
+            </a:extLst>
+          </p:cNvPr>
+          <p:cNvSpPr txBox="1"/>
+          <p:nvPr/>
+        </p:nvSpPr>
+        <p:spPr>
+          <a:xfrm>
+            <a:off x="8511822" y="1426107"/>
+            <a:ext cx="2020711" cy="923330"/>
+          </a:xfrm>
+          <a:prstGeom prst="rect">
+            <a:avLst/>
+          </a:prstGeom>
+          <a:noFill/>
+        </p:spPr>
+        <p:txBody>
+          <a:bodyPr wrap="square" rtlCol="0">
+            <a:spAutoFit/>
+          </a:bodyPr>
+          <a:lstStyle/>
+          <a:p>
+            <a:r>
+              <a:rPr lang="en-US" dirty="0"/>
+              <a:t>Picture of Code,</a:t>
+            </a:r>
+          </a:p>
+          <a:p>
+            <a:r>
+              <a:rPr lang="en-US" dirty="0"/>
+              <a:t>Picture of Functions</a:t>
+            </a:r>
           </a:p>
         </p:txBody>
       </p:sp>
     </p:spTree>
     <p:extLst>
       <p:ext uri="{BB962C8B-B14F-4D97-AF65-F5344CB8AC3E}">
-        <p14:creationId xmlns:p14="http://schemas.microsoft.com/office/powerpoint/2010/main" val="1954894357"/>
+        <p14:creationId xmlns:p14="http://schemas.microsoft.com/office/powerpoint/2010/main" val="2183796826"/>
       </p:ext>
     </p:extLst>
   </p:cSld>
@@ -6814,7 +14240,7 @@
           <p:cNvPr id="2" name="Title 1">
             <a:extLst>
               <a:ext uri="{FF2B5EF4-FFF2-40B4-BE49-F238E27FC236}">
-                <a16:creationId xmlns:a16="http://schemas.microsoft.com/office/drawing/2014/main" id="{FA9F59ED-2DFD-4BB4-AB6E-3FF359554C15}"/>
+                <a16:creationId xmlns:a16="http://schemas.microsoft.com/office/drawing/2014/main" id="{6C9ACEF5-5019-489F-91F9-8F2113C072B7}"/>
               </a:ext>
             </a:extLst>
           </p:cNvPr>
@@ -6832,40 +14258,59 @@
           <a:p>
             <a:r>
               <a:rPr lang="en-US" dirty="0"/>
-              <a:t>Multi – Create and Run</a:t>
-            </a:r>
-          </a:p>
-        </p:txBody>
-      </p:sp>
-      <p:sp>
-        <p:nvSpPr>
-          <p:cNvPr id="3" name="Content Placeholder 2">
+              <a:t>Scenario overviews</a:t>
+            </a:r>
+          </a:p>
+        </p:txBody>
+      </p:sp>
+      <p:sp>
+        <p:nvSpPr>
+          <p:cNvPr id="4" name="TextBox 3">
             <a:extLst>
               <a:ext uri="{FF2B5EF4-FFF2-40B4-BE49-F238E27FC236}">
-                <a16:creationId xmlns:a16="http://schemas.microsoft.com/office/drawing/2014/main" id="{15409D79-5553-4932-8475-DA725D46D1CE}"/>
+                <a16:creationId xmlns:a16="http://schemas.microsoft.com/office/drawing/2014/main" id="{8FAC260D-D843-42AA-9E4B-351A51BAF272}"/>
               </a:ext>
             </a:extLst>
           </p:cNvPr>
-          <p:cNvSpPr>
-            <a:spLocks noGrp="1"/>
-          </p:cNvSpPr>
-          <p:nvPr>
-            <p:ph idx="1"/>
-          </p:nvPr>
-        </p:nvSpPr>
-        <p:spPr/>
-        <p:txBody>
-          <a:bodyPr/>
+          <p:cNvSpPr txBox="1"/>
+          <p:nvPr/>
+        </p:nvSpPr>
+        <p:spPr>
+          <a:xfrm>
+            <a:off x="3431822" y="699911"/>
+            <a:ext cx="6784622" cy="923330"/>
+          </a:xfrm>
+          <a:prstGeom prst="rect">
+            <a:avLst/>
+          </a:prstGeom>
+          <a:noFill/>
+        </p:spPr>
+        <p:txBody>
+          <a:bodyPr wrap="square" rtlCol="0">
+            <a:spAutoFit/>
+          </a:bodyPr>
           <a:lstStyle/>
           <a:p>
-            <a:endParaRPr lang="en-US"/>
+            <a:r>
+              <a:rPr lang="en-US" dirty="0"/>
+              <a:t>Vid of all three things goes here. Add labels as necessary</a:t>
+            </a:r>
+          </a:p>
+          <a:p>
+            <a:r>
+              <a:rPr lang="en-US" dirty="0"/>
+              <a:t>Tires Strip Down the left Side</a:t>
+            </a:r>
+          </a:p>
+          <a:p>
+            <a:endParaRPr lang="en-US" dirty="0"/>
           </a:p>
         </p:txBody>
       </p:sp>
     </p:spTree>
     <p:extLst>
       <p:ext uri="{BB962C8B-B14F-4D97-AF65-F5344CB8AC3E}">
-        <p14:creationId xmlns:p14="http://schemas.microsoft.com/office/powerpoint/2010/main" val="1595172196"/>
+        <p14:creationId xmlns:p14="http://schemas.microsoft.com/office/powerpoint/2010/main" val="2457639759"/>
       </p:ext>
     </p:extLst>
   </p:cSld>
@@ -6897,7 +14342,7 @@
           <p:cNvPr id="2" name="Title 1">
             <a:extLst>
               <a:ext uri="{FF2B5EF4-FFF2-40B4-BE49-F238E27FC236}">
-                <a16:creationId xmlns:a16="http://schemas.microsoft.com/office/drawing/2014/main" id="{6C9ACEF5-5019-489F-91F9-8F2113C072B7}"/>
+                <a16:creationId xmlns:a16="http://schemas.microsoft.com/office/drawing/2014/main" id="{6A0D256F-4708-488A-A266-1E2908ABB986}"/>
               </a:ext>
             </a:extLst>
           </p:cNvPr>
@@ -6915,17 +14360,17 @@
           <a:p>
             <a:r>
               <a:rPr lang="en-US" dirty="0"/>
-              <a:t>Scenario overviews</a:t>
-            </a:r>
-          </a:p>
-        </p:txBody>
-      </p:sp>
-      <p:sp>
-        <p:nvSpPr>
-          <p:cNvPr id="3" name="Content Placeholder 2">
+              <a:t>Steady state</a:t>
+            </a:r>
+          </a:p>
+        </p:txBody>
+      </p:sp>
+      <p:sp>
+        <p:nvSpPr>
+          <p:cNvPr id="4" name="Content Placeholder 3">
             <a:extLst>
               <a:ext uri="{FF2B5EF4-FFF2-40B4-BE49-F238E27FC236}">
-                <a16:creationId xmlns:a16="http://schemas.microsoft.com/office/drawing/2014/main" id="{A7E9FEBC-73F4-4F74-AE32-6B5676AF2686}"/>
+                <a16:creationId xmlns:a16="http://schemas.microsoft.com/office/drawing/2014/main" id="{ED2C4A3B-EF80-4B50-A046-DE6A721C38B2}"/>
               </a:ext>
             </a:extLst>
           </p:cNvPr>
@@ -6941,14 +14386,112 @@
           <a:bodyPr/>
           <a:lstStyle/>
           <a:p>
-            <a:endParaRPr lang="en-US"/>
+            <a:r>
+              <a:rPr lang="en-US" dirty="0">
+                <a:solidFill>
+                  <a:schemeClr val="tx1">
+                    <a:lumMod val="85000"/>
+                  </a:schemeClr>
+                </a:solidFill>
+              </a:rPr>
+              <a:t>Vid goes here</a:t>
+            </a:r>
+          </a:p>
+          <a:p>
+            <a:r>
+              <a:rPr lang="en-US" dirty="0">
+                <a:solidFill>
+                  <a:schemeClr val="tx1">
+                    <a:lumMod val="85000"/>
+                  </a:schemeClr>
+                </a:solidFill>
+              </a:rPr>
+              <a:t>Open highway picture</a:t>
+            </a:r>
+          </a:p>
+          <a:p>
+            <a:r>
+              <a:rPr lang="en-US" dirty="0">
+                <a:solidFill>
+                  <a:schemeClr val="tx1">
+                    <a:lumMod val="85000"/>
+                  </a:schemeClr>
+                </a:solidFill>
+              </a:rPr>
+              <a:t>Line of cars, high speed( race )</a:t>
+            </a:r>
+          </a:p>
+          <a:p>
+            <a:r>
+              <a:rPr lang="en-US" dirty="0">
+                <a:solidFill>
+                  <a:schemeClr val="tx1">
+                    <a:lumMod val="85000"/>
+                  </a:schemeClr>
+                </a:solidFill>
+              </a:rPr>
+              <a:t>Tire Background</a:t>
+            </a:r>
+          </a:p>
+        </p:txBody>
+      </p:sp>
+      <p:sp>
+        <p:nvSpPr>
+          <p:cNvPr id="3" name="Text Placeholder 2">
+            <a:extLst>
+              <a:ext uri="{FF2B5EF4-FFF2-40B4-BE49-F238E27FC236}">
+                <a16:creationId xmlns:a16="http://schemas.microsoft.com/office/drawing/2014/main" id="{92F91529-CA4F-4CBD-9C32-4A6C7A8CDF0E}"/>
+              </a:ext>
+            </a:extLst>
+          </p:cNvPr>
+          <p:cNvSpPr>
+            <a:spLocks noGrp="1"/>
+          </p:cNvSpPr>
+          <p:nvPr>
+            <p:ph type="body" sz="half" idx="2"/>
+          </p:nvPr>
+        </p:nvSpPr>
+        <p:spPr/>
+        <p:txBody>
+          <a:bodyPr/>
+          <a:lstStyle/>
+          <a:p>
+            <a:r>
+              <a:rPr lang="en-US" dirty="0"/>
+              <a:t>All vehicles remain at initial velocity for the entire interval.</a:t>
+            </a:r>
+          </a:p>
+          <a:p>
+            <a:r>
+              <a:rPr lang="en-US" dirty="0"/>
+              <a:t>Kind of boring</a:t>
+            </a:r>
+          </a:p>
+          <a:p>
+            <a:r>
+              <a:rPr lang="en-US" dirty="0"/>
+              <a:t>Program Specs:</a:t>
+            </a:r>
+          </a:p>
+          <a:p>
+            <a:pPr marL="285750" indent="-285750">
+              <a:buFont typeface="Arial" panose="020B0604020202020204" pitchFamily="34" charset="0"/>
+              <a:buChar char="•"/>
+            </a:pPr>
+            <a:endParaRPr lang="en-US" dirty="0"/>
+          </a:p>
+          <a:p>
+            <a:endParaRPr lang="en-US" dirty="0"/>
+          </a:p>
+          <a:p>
+            <a:endParaRPr lang="en-US" dirty="0"/>
           </a:p>
         </p:txBody>
       </p:sp>
     </p:spTree>
     <p:extLst>
       <p:ext uri="{BB962C8B-B14F-4D97-AF65-F5344CB8AC3E}">
-        <p14:creationId xmlns:p14="http://schemas.microsoft.com/office/powerpoint/2010/main" val="2457639759"/>
+        <p14:creationId xmlns:p14="http://schemas.microsoft.com/office/powerpoint/2010/main" val="1884900069"/>
       </p:ext>
     </p:extLst>
   </p:cSld>
@@ -6977,10 +14520,10 @@
       </p:grpSpPr>
       <p:sp>
         <p:nvSpPr>
-          <p:cNvPr id="2" name="Title 1">
+          <p:cNvPr id="4" name="Title 3">
             <a:extLst>
               <a:ext uri="{FF2B5EF4-FFF2-40B4-BE49-F238E27FC236}">
-                <a16:creationId xmlns:a16="http://schemas.microsoft.com/office/drawing/2014/main" id="{6A0D256F-4708-488A-A266-1E2908ABB986}"/>
+                <a16:creationId xmlns:a16="http://schemas.microsoft.com/office/drawing/2014/main" id="{DC5BD1B1-F5AE-4DF8-9FA4-66D4AD098F49}"/>
               </a:ext>
             </a:extLst>
           </p:cNvPr>
@@ -6998,17 +14541,17 @@
           <a:p>
             <a:r>
               <a:rPr lang="en-US" dirty="0"/>
-              <a:t>Steady state</a:t>
-            </a:r>
-          </a:p>
-        </p:txBody>
-      </p:sp>
-      <p:sp>
-        <p:nvSpPr>
-          <p:cNvPr id="4" name="Content Placeholder 3">
+              <a:t>Acceleration</a:t>
+            </a:r>
+          </a:p>
+        </p:txBody>
+      </p:sp>
+      <p:sp>
+        <p:nvSpPr>
+          <p:cNvPr id="5" name="Content Placeholder 4">
             <a:extLst>
               <a:ext uri="{FF2B5EF4-FFF2-40B4-BE49-F238E27FC236}">
-                <a16:creationId xmlns:a16="http://schemas.microsoft.com/office/drawing/2014/main" id="{ED2C4A3B-EF80-4B50-A046-DE6A721C38B2}"/>
+                <a16:creationId xmlns:a16="http://schemas.microsoft.com/office/drawing/2014/main" id="{7C1B9B73-9D81-43F9-A52D-B95C9F125612}"/>
               </a:ext>
             </a:extLst>
           </p:cNvPr>
@@ -7024,16 +14567,49 @@
           <a:bodyPr/>
           <a:lstStyle/>
           <a:p>
-            <a:endParaRPr lang="en-US"/>
-          </a:p>
-        </p:txBody>
-      </p:sp>
-      <p:sp>
-        <p:nvSpPr>
-          <p:cNvPr id="3" name="Text Placeholder 2">
+            <a:r>
+              <a:rPr lang="en-US" dirty="0">
+                <a:solidFill>
+                  <a:schemeClr val="tx1">
+                    <a:lumMod val="85000"/>
+                  </a:schemeClr>
+                </a:solidFill>
+              </a:rPr>
+              <a:t>Vid goes here</a:t>
+            </a:r>
+          </a:p>
+          <a:p>
+            <a:r>
+              <a:rPr lang="en-US" dirty="0">
+                <a:solidFill>
+                  <a:schemeClr val="tx1">
+                    <a:lumMod val="85000"/>
+                  </a:schemeClr>
+                </a:solidFill>
+              </a:rPr>
+              <a:t>NASCAR Just Start</a:t>
+            </a:r>
+          </a:p>
+          <a:p>
+            <a:r>
+              <a:rPr lang="en-US" dirty="0">
+                <a:solidFill>
+                  <a:schemeClr val="tx1">
+                    <a:lumMod val="85000"/>
+                  </a:schemeClr>
+                </a:solidFill>
+              </a:rPr>
+              <a:t>Tires Down Side</a:t>
+            </a:r>
+          </a:p>
+        </p:txBody>
+      </p:sp>
+      <p:sp>
+        <p:nvSpPr>
+          <p:cNvPr id="6" name="Text Placeholder 5">
             <a:extLst>
               <a:ext uri="{FF2B5EF4-FFF2-40B4-BE49-F238E27FC236}">
-                <a16:creationId xmlns:a16="http://schemas.microsoft.com/office/drawing/2014/main" id="{92F91529-CA4F-4CBD-9C32-4A6C7A8CDF0E}"/>
+                <a16:creationId xmlns:a16="http://schemas.microsoft.com/office/drawing/2014/main" id="{A2979AAA-1EF5-413C-A772-48857317481A}"/>
               </a:ext>
             </a:extLst>
           </p:cNvPr>
@@ -7044,20 +14620,50 @@
             <p:ph type="body" sz="half" idx="2"/>
           </p:nvPr>
         </p:nvSpPr>
-        <p:spPr/>
-        <p:txBody>
-          <a:bodyPr/>
+        <p:spPr>
+          <a:xfrm>
+            <a:off x="7085011" y="2209799"/>
+            <a:ext cx="3842633" cy="2091267"/>
+          </a:xfrm>
+        </p:spPr>
+        <p:txBody>
+          <a:bodyPr>
+            <a:normAutofit/>
+          </a:bodyPr>
           <a:lstStyle/>
           <a:p>
             <a:r>
               <a:rPr lang="en-US" dirty="0"/>
-              <a:t>All vehicles remain at initial velocity for the entire interval.</a:t>
-            </a:r>
-          </a:p>
-          <a:p>
-            <a:endParaRPr lang="en-US" dirty="0"/>
-          </a:p>
-          <a:p>
+              <a:t>Vehicles accelerate 30% from a steady state.</a:t>
+            </a:r>
+          </a:p>
+          <a:p>
+            <a:r>
+              <a:rPr lang="en-US" dirty="0"/>
+              <a:t>More Realistic, Everyday Driving </a:t>
+            </a:r>
+          </a:p>
+          <a:p>
+            <a:pPr marL="285750" indent="-285750">
+              <a:buFont typeface="Arial" panose="020B0604020202020204" pitchFamily="34" charset="0"/>
+              <a:buChar char="•"/>
+            </a:pPr>
+            <a:r>
+              <a:rPr lang="en-US" dirty="0"/>
+              <a:t>Small Increases and Decreases in speed due to road.</a:t>
+            </a:r>
+          </a:p>
+          <a:p>
+            <a:r>
+              <a:rPr lang="en-US" dirty="0"/>
+              <a:t>Program Specs:</a:t>
+            </a:r>
+          </a:p>
+          <a:p>
+            <a:pPr marL="285750" indent="-285750">
+              <a:buFont typeface="Arial" panose="020B0604020202020204" pitchFamily="34" charset="0"/>
+              <a:buChar char="•"/>
+            </a:pPr>
             <a:endParaRPr lang="en-US" dirty="0"/>
           </a:p>
         </p:txBody>
@@ -7065,7 +14671,7 @@
     </p:spTree>
     <p:extLst>
       <p:ext uri="{BB962C8B-B14F-4D97-AF65-F5344CB8AC3E}">
-        <p14:creationId xmlns:p14="http://schemas.microsoft.com/office/powerpoint/2010/main" val="1884900069"/>
+        <p14:creationId xmlns:p14="http://schemas.microsoft.com/office/powerpoint/2010/main" val="2091567011"/>
       </p:ext>
     </p:extLst>
   </p:cSld>
